--- a/Figures/02_ecPoint_Mapping_Function_Decision_Tree.pptx
+++ b/Figures/02_ecPoint_Mapping_Function_Decision_Tree.pptx
@@ -2,13 +2,14 @@
 <file path=ppt/presentation.xml><?xml version="1.0" encoding="utf-8"?>
 <p:presentation xmlns:a="http://schemas.openxmlformats.org/drawingml/2006/main" xmlns:r="http://schemas.openxmlformats.org/officeDocument/2006/relationships" xmlns:p="http://schemas.openxmlformats.org/presentationml/2006/main" saveSubsetFonts="1">
   <p:sldMasterIdLst>
-    <p:sldMasterId id="2147483720" r:id="rId1"/>
+    <p:sldMasterId id="2147483732" r:id="rId1"/>
   </p:sldMasterIdLst>
   <p:sldIdLst>
     <p:sldId id="257" r:id="rId2"/>
     <p:sldId id="256" r:id="rId3"/>
+    <p:sldId id="258" r:id="rId4"/>
   </p:sldIdLst>
-  <p:sldSz cx="5940425" cy="8189913"/>
+  <p:sldSz cx="5940425" cy="6119813"/>
   <p:notesSz cx="6858000" cy="9144000"/>
   <p:defaultTextStyle>
     <a:defPPr>
@@ -116,7 +117,7 @@
 <file path=ppt/revisionInfo.xml><?xml version="1.0" encoding="utf-8"?>
 <p1510:revInfo xmlns:a="http://schemas.openxmlformats.org/drawingml/2006/main" xmlns:r="http://schemas.openxmlformats.org/officeDocument/2006/relationships" xmlns:p1510="http://schemas.microsoft.com/office/powerpoint/2015/10/main">
   <p1510:revLst>
-    <p1510:client id="{90D2B43E-3A76-44CE-A7FF-9FD2EA411EC7}" v="18" dt="2026-02-03T16:28:12.163"/>
+    <p1510:client id="{90D2B43E-3A76-44CE-A7FF-9FD2EA411EC7}" v="31" dt="2026-02-03T17:22:53.487"/>
   </p1510:revLst>
 </p1510:revInfo>
 </file>
@@ -125,13 +126,13 @@
 <pc:chgInfo xmlns:a="http://schemas.openxmlformats.org/drawingml/2006/main" xmlns:r="http://schemas.openxmlformats.org/officeDocument/2006/relationships" xmlns:ac="http://schemas.microsoft.com/office/drawing/2013/main/command" xmlns:pc="http://schemas.microsoft.com/office/powerpoint/2013/main/command">
   <pc:docChgLst>
     <pc:chgData name="Fatima Pillosu" userId="a6295d4dc9e22643" providerId="LiveId" clId="{87453732-75AC-4426-B5D3-B7C69C2D4F54}"/>
-    <pc:docChg chg="custSel addSld modSld sldOrd">
-      <pc:chgData name="Fatima Pillosu" userId="a6295d4dc9e22643" providerId="LiveId" clId="{87453732-75AC-4426-B5D3-B7C69C2D4F54}" dt="2026-02-03T16:28:12.163" v="233"/>
+    <pc:docChg chg="undo custSel addSld delSld modSld sldOrd">
+      <pc:chgData name="Fatima Pillosu" userId="a6295d4dc9e22643" providerId="LiveId" clId="{87453732-75AC-4426-B5D3-B7C69C2D4F54}" dt="2026-02-03T17:24:04.076" v="369" actId="12788"/>
       <pc:docMkLst>
         <pc:docMk/>
       </pc:docMkLst>
       <pc:sldChg chg="addSp delSp modSp mod delAnim modAnim">
-        <pc:chgData name="Fatima Pillosu" userId="a6295d4dc9e22643" providerId="LiveId" clId="{87453732-75AC-4426-B5D3-B7C69C2D4F54}" dt="2026-02-03T16:26:47.376" v="224" actId="164"/>
+        <pc:chgData name="Fatima Pillosu" userId="a6295d4dc9e22643" providerId="LiveId" clId="{87453732-75AC-4426-B5D3-B7C69C2D4F54}" dt="2026-02-03T17:21:55.191" v="316" actId="164"/>
         <pc:sldMkLst>
           <pc:docMk/>
           <pc:sldMk cId="118045167" sldId="256"/>
@@ -142,6 +143,38 @@
             <pc:docMk/>
             <pc:sldMk cId="118045167" sldId="256"/>
             <ac:spMk id="2" creationId="{8B0DA195-B0CA-6D8B-7DF5-31F6319FCB09}"/>
+          </ac:spMkLst>
+        </pc:spChg>
+        <pc:spChg chg="mod">
+          <ac:chgData name="Fatima Pillosu" userId="a6295d4dc9e22643" providerId="LiveId" clId="{87453732-75AC-4426-B5D3-B7C69C2D4F54}" dt="2026-02-03T17:17:50.518" v="285" actId="255"/>
+          <ac:spMkLst>
+            <pc:docMk/>
+            <pc:sldMk cId="118045167" sldId="256"/>
+            <ac:spMk id="6" creationId="{6C4BD190-4A31-4B05-5804-402F2B2986C3}"/>
+          </ac:spMkLst>
+        </pc:spChg>
+        <pc:spChg chg="mod topLvl">
+          <ac:chgData name="Fatima Pillosu" userId="a6295d4dc9e22643" providerId="LiveId" clId="{87453732-75AC-4426-B5D3-B7C69C2D4F54}" dt="2026-02-03T17:21:55.191" v="316" actId="164"/>
+          <ac:spMkLst>
+            <pc:docMk/>
+            <pc:sldMk cId="118045167" sldId="256"/>
+            <ac:spMk id="8" creationId="{70AE80CA-AA85-D6FC-EB86-E2B842DBB6D2}"/>
+          </ac:spMkLst>
+        </pc:spChg>
+        <pc:spChg chg="mod topLvl">
+          <ac:chgData name="Fatima Pillosu" userId="a6295d4dc9e22643" providerId="LiveId" clId="{87453732-75AC-4426-B5D3-B7C69C2D4F54}" dt="2026-02-03T17:21:55.191" v="316" actId="164"/>
+          <ac:spMkLst>
+            <pc:docMk/>
+            <pc:sldMk cId="118045167" sldId="256"/>
+            <ac:spMk id="11" creationId="{E34E8169-914B-50F7-97EC-E135BD3EC066}"/>
+          </ac:spMkLst>
+        </pc:spChg>
+        <pc:spChg chg="mod">
+          <ac:chgData name="Fatima Pillosu" userId="a6295d4dc9e22643" providerId="LiveId" clId="{87453732-75AC-4426-B5D3-B7C69C2D4F54}" dt="2026-02-03T17:17:50.518" v="285" actId="255"/>
+          <ac:spMkLst>
+            <pc:docMk/>
+            <pc:sldMk cId="118045167" sldId="256"/>
+            <ac:spMk id="13" creationId="{B35FEF63-C192-14DF-107D-C62BA44F1ED8}"/>
           </ac:spMkLst>
         </pc:spChg>
         <pc:spChg chg="del mod">
@@ -184,6 +217,78 @@
             <ac:spMk id="558" creationId="{A9D29B85-43D1-ABBB-847F-D4972A8E9B12}"/>
           </ac:spMkLst>
         </pc:spChg>
+        <pc:spChg chg="mod topLvl">
+          <ac:chgData name="Fatima Pillosu" userId="a6295d4dc9e22643" providerId="LiveId" clId="{87453732-75AC-4426-B5D3-B7C69C2D4F54}" dt="2026-02-03T17:21:55.191" v="316" actId="164"/>
+          <ac:spMkLst>
+            <pc:docMk/>
+            <pc:sldMk cId="118045167" sldId="256"/>
+            <ac:spMk id="561" creationId="{78D33D84-34D1-8387-09A4-1EA34B3769AE}"/>
+          </ac:spMkLst>
+        </pc:spChg>
+        <pc:spChg chg="mod">
+          <ac:chgData name="Fatima Pillosu" userId="a6295d4dc9e22643" providerId="LiveId" clId="{87453732-75AC-4426-B5D3-B7C69C2D4F54}" dt="2026-02-03T17:16:49.129" v="238"/>
+          <ac:spMkLst>
+            <pc:docMk/>
+            <pc:sldMk cId="118045167" sldId="256"/>
+            <ac:spMk id="562" creationId="{CF03BAB7-135C-B9F3-96FF-651D618D3550}"/>
+          </ac:spMkLst>
+        </pc:spChg>
+        <pc:spChg chg="mod topLvl">
+          <ac:chgData name="Fatima Pillosu" userId="a6295d4dc9e22643" providerId="LiveId" clId="{87453732-75AC-4426-B5D3-B7C69C2D4F54}" dt="2026-02-03T17:21:55.191" v="316" actId="164"/>
+          <ac:spMkLst>
+            <pc:docMk/>
+            <pc:sldMk cId="118045167" sldId="256"/>
+            <ac:spMk id="563" creationId="{B306662D-3F1D-5B27-8F69-3A6869877878}"/>
+          </ac:spMkLst>
+        </pc:spChg>
+        <pc:spChg chg="mod topLvl">
+          <ac:chgData name="Fatima Pillosu" userId="a6295d4dc9e22643" providerId="LiveId" clId="{87453732-75AC-4426-B5D3-B7C69C2D4F54}" dt="2026-02-03T17:21:55.191" v="316" actId="164"/>
+          <ac:spMkLst>
+            <pc:docMk/>
+            <pc:sldMk cId="118045167" sldId="256"/>
+            <ac:spMk id="566" creationId="{86089FEC-2278-C079-DCBB-7A50144475AB}"/>
+          </ac:spMkLst>
+        </pc:spChg>
+        <pc:spChg chg="mod topLvl">
+          <ac:chgData name="Fatima Pillosu" userId="a6295d4dc9e22643" providerId="LiveId" clId="{87453732-75AC-4426-B5D3-B7C69C2D4F54}" dt="2026-02-03T17:21:55.191" v="316" actId="164"/>
+          <ac:spMkLst>
+            <pc:docMk/>
+            <pc:sldMk cId="118045167" sldId="256"/>
+            <ac:spMk id="567" creationId="{6A5F783F-4454-E7E5-F050-00FCB38103F6}"/>
+          </ac:spMkLst>
+        </pc:spChg>
+        <pc:spChg chg="mod">
+          <ac:chgData name="Fatima Pillosu" userId="a6295d4dc9e22643" providerId="LiveId" clId="{87453732-75AC-4426-B5D3-B7C69C2D4F54}" dt="2026-02-03T17:17:50.518" v="285" actId="255"/>
+          <ac:spMkLst>
+            <pc:docMk/>
+            <pc:sldMk cId="118045167" sldId="256"/>
+            <ac:spMk id="568" creationId="{15FD003F-BBD5-5F51-52AF-9E35B3EB33F9}"/>
+          </ac:spMkLst>
+        </pc:spChg>
+        <pc:spChg chg="mod topLvl">
+          <ac:chgData name="Fatima Pillosu" userId="a6295d4dc9e22643" providerId="LiveId" clId="{87453732-75AC-4426-B5D3-B7C69C2D4F54}" dt="2026-02-03T17:21:55.191" v="316" actId="164"/>
+          <ac:spMkLst>
+            <pc:docMk/>
+            <pc:sldMk cId="118045167" sldId="256"/>
+            <ac:spMk id="569" creationId="{6A8BD231-0C6E-38AC-84FD-01F3547E1375}"/>
+          </ac:spMkLst>
+        </pc:spChg>
+        <pc:spChg chg="mod">
+          <ac:chgData name="Fatima Pillosu" userId="a6295d4dc9e22643" providerId="LiveId" clId="{87453732-75AC-4426-B5D3-B7C69C2D4F54}" dt="2026-02-03T17:17:50.518" v="285" actId="255"/>
+          <ac:spMkLst>
+            <pc:docMk/>
+            <pc:sldMk cId="118045167" sldId="256"/>
+            <ac:spMk id="570" creationId="{032A67A3-654D-717D-0F1B-595346E199C9}"/>
+          </ac:spMkLst>
+        </pc:spChg>
+        <pc:spChg chg="mod topLvl">
+          <ac:chgData name="Fatima Pillosu" userId="a6295d4dc9e22643" providerId="LiveId" clId="{87453732-75AC-4426-B5D3-B7C69C2D4F54}" dt="2026-02-03T17:21:55.191" v="316" actId="164"/>
+          <ac:spMkLst>
+            <pc:docMk/>
+            <pc:sldMk cId="118045167" sldId="256"/>
+            <ac:spMk id="571" creationId="{EF3606A8-1D00-7F4E-24FF-0E81E2E75690}"/>
+          </ac:spMkLst>
+        </pc:spChg>
         <pc:spChg chg="del mod">
           <ac:chgData name="Fatima Pillosu" userId="a6295d4dc9e22643" providerId="LiveId" clId="{87453732-75AC-4426-B5D3-B7C69C2D4F54}" dt="2026-02-03T16:17:52.307" v="127" actId="21"/>
           <ac:spMkLst>
@@ -216,6 +321,30 @@
             <ac:spMk id="705" creationId="{63D808C7-5C6B-D60D-6E22-CD14550D35D5}"/>
           </ac:spMkLst>
         </pc:spChg>
+        <pc:spChg chg="mod">
+          <ac:chgData name="Fatima Pillosu" userId="a6295d4dc9e22643" providerId="LiveId" clId="{87453732-75AC-4426-B5D3-B7C69C2D4F54}" dt="2026-02-03T17:17:50.518" v="285" actId="255"/>
+          <ac:spMkLst>
+            <pc:docMk/>
+            <pc:sldMk cId="118045167" sldId="256"/>
+            <ac:spMk id="705" creationId="{847B5E79-0C69-8AC4-BEAC-E08FF089B9B0}"/>
+          </ac:spMkLst>
+        </pc:spChg>
+        <pc:spChg chg="mod topLvl">
+          <ac:chgData name="Fatima Pillosu" userId="a6295d4dc9e22643" providerId="LiveId" clId="{87453732-75AC-4426-B5D3-B7C69C2D4F54}" dt="2026-02-03T17:21:55.191" v="316" actId="164"/>
+          <ac:spMkLst>
+            <pc:docMk/>
+            <pc:sldMk cId="118045167" sldId="256"/>
+            <ac:spMk id="711" creationId="{45FE07C0-C8F5-141A-561A-067EAB2840E0}"/>
+          </ac:spMkLst>
+        </pc:spChg>
+        <pc:spChg chg="mod topLvl">
+          <ac:chgData name="Fatima Pillosu" userId="a6295d4dc9e22643" providerId="LiveId" clId="{87453732-75AC-4426-B5D3-B7C69C2D4F54}" dt="2026-02-03T17:21:55.191" v="316" actId="164"/>
+          <ac:spMkLst>
+            <pc:docMk/>
+            <pc:sldMk cId="118045167" sldId="256"/>
+            <ac:spMk id="712" creationId="{FCC45529-6055-C58D-5B60-13F401179F4A}"/>
+          </ac:spMkLst>
+        </pc:spChg>
         <pc:spChg chg="del">
           <ac:chgData name="Fatima Pillosu" userId="a6295d4dc9e22643" providerId="LiveId" clId="{87453732-75AC-4426-B5D3-B7C69C2D4F54}" dt="2026-02-03T16:17:52.307" v="127" actId="21"/>
           <ac:spMkLst>
@@ -224,12 +353,52 @@
             <ac:spMk id="713" creationId="{15FD003F-BBD5-5F51-52AF-9E35B3EB33F9}"/>
           </ac:spMkLst>
         </pc:spChg>
+        <pc:spChg chg="mod">
+          <ac:chgData name="Fatima Pillosu" userId="a6295d4dc9e22643" providerId="LiveId" clId="{87453732-75AC-4426-B5D3-B7C69C2D4F54}" dt="2026-02-03T17:17:50.518" v="285" actId="255"/>
+          <ac:spMkLst>
+            <pc:docMk/>
+            <pc:sldMk cId="118045167" sldId="256"/>
+            <ac:spMk id="713" creationId="{8C54A99F-18DF-C081-2270-42F08648AE8F}"/>
+          </ac:spMkLst>
+        </pc:spChg>
         <pc:spChg chg="del">
           <ac:chgData name="Fatima Pillosu" userId="a6295d4dc9e22643" providerId="LiveId" clId="{87453732-75AC-4426-B5D3-B7C69C2D4F54}" dt="2026-02-03T16:17:52.307" v="127" actId="21"/>
           <ac:spMkLst>
             <pc:docMk/>
             <pc:sldMk cId="118045167" sldId="256"/>
             <ac:spMk id="714" creationId="{6A8BD231-0C6E-38AC-84FD-01F3547E1375}"/>
+          </ac:spMkLst>
+        </pc:spChg>
+        <pc:spChg chg="mod">
+          <ac:chgData name="Fatima Pillosu" userId="a6295d4dc9e22643" providerId="LiveId" clId="{87453732-75AC-4426-B5D3-B7C69C2D4F54}" dt="2026-02-03T17:18:31.021" v="291" actId="14100"/>
+          <ac:spMkLst>
+            <pc:docMk/>
+            <pc:sldMk cId="118045167" sldId="256"/>
+            <ac:spMk id="714" creationId="{8F186772-691A-0E8C-AEB4-D9F790E022C0}"/>
+          </ac:spMkLst>
+        </pc:spChg>
+        <pc:spChg chg="mod">
+          <ac:chgData name="Fatima Pillosu" userId="a6295d4dc9e22643" providerId="LiveId" clId="{87453732-75AC-4426-B5D3-B7C69C2D4F54}" dt="2026-02-03T17:17:50.518" v="285" actId="255"/>
+          <ac:spMkLst>
+            <pc:docMk/>
+            <pc:sldMk cId="118045167" sldId="256"/>
+            <ac:spMk id="716" creationId="{1F3AAFE2-0005-3FFA-D41B-11A4CB30E651}"/>
+          </ac:spMkLst>
+        </pc:spChg>
+        <pc:spChg chg="mod">
+          <ac:chgData name="Fatima Pillosu" userId="a6295d4dc9e22643" providerId="LiveId" clId="{87453732-75AC-4426-B5D3-B7C69C2D4F54}" dt="2026-02-03T17:19:26.535" v="293" actId="164"/>
+          <ac:spMkLst>
+            <pc:docMk/>
+            <pc:sldMk cId="118045167" sldId="256"/>
+            <ac:spMk id="718" creationId="{9A1A1337-286B-F58B-4806-26E1A4EBD115}"/>
+          </ac:spMkLst>
+        </pc:spChg>
+        <pc:spChg chg="mod">
+          <ac:chgData name="Fatima Pillosu" userId="a6295d4dc9e22643" providerId="LiveId" clId="{87453732-75AC-4426-B5D3-B7C69C2D4F54}" dt="2026-02-03T17:19:26.535" v="293" actId="164"/>
+          <ac:spMkLst>
+            <pc:docMk/>
+            <pc:sldMk cId="118045167" sldId="256"/>
+            <ac:spMk id="719" creationId="{812A3294-F4F0-A024-806C-37E0D177DB6A}"/>
           </ac:spMkLst>
         </pc:spChg>
         <pc:spChg chg="del">
@@ -246,6 +415,54 @@
             <pc:docMk/>
             <pc:sldMk cId="118045167" sldId="256"/>
             <ac:spMk id="720" creationId="{5A5A82FD-66EE-B741-55F4-53BE0A2A6018}"/>
+          </ac:spMkLst>
+        </pc:spChg>
+        <pc:spChg chg="del mod">
+          <ac:chgData name="Fatima Pillosu" userId="a6295d4dc9e22643" providerId="LiveId" clId="{87453732-75AC-4426-B5D3-B7C69C2D4F54}" dt="2026-02-03T17:20:31.914" v="304" actId="478"/>
+          <ac:spMkLst>
+            <pc:docMk/>
+            <pc:sldMk cId="118045167" sldId="256"/>
+            <ac:spMk id="720" creationId="{AB3851F4-A68B-CC96-F21E-942109A6FA75}"/>
+          </ac:spMkLst>
+        </pc:spChg>
+        <pc:spChg chg="del mod">
+          <ac:chgData name="Fatima Pillosu" userId="a6295d4dc9e22643" providerId="LiveId" clId="{87453732-75AC-4426-B5D3-B7C69C2D4F54}" dt="2026-02-03T17:20:30.717" v="303" actId="478"/>
+          <ac:spMkLst>
+            <pc:docMk/>
+            <pc:sldMk cId="118045167" sldId="256"/>
+            <ac:spMk id="721" creationId="{28B884CB-BF57-8119-58D1-AA624199839B}"/>
+          </ac:spMkLst>
+        </pc:spChg>
+        <pc:spChg chg="mod">
+          <ac:chgData name="Fatima Pillosu" userId="a6295d4dc9e22643" providerId="LiveId" clId="{87453732-75AC-4426-B5D3-B7C69C2D4F54}" dt="2026-02-03T17:19:26.535" v="293" actId="164"/>
+          <ac:spMkLst>
+            <pc:docMk/>
+            <pc:sldMk cId="118045167" sldId="256"/>
+            <ac:spMk id="722" creationId="{402D41CA-166E-D485-0B2E-19B642F168A0}"/>
+          </ac:spMkLst>
+        </pc:spChg>
+        <pc:spChg chg="del mod">
+          <ac:chgData name="Fatima Pillosu" userId="a6295d4dc9e22643" providerId="LiveId" clId="{87453732-75AC-4426-B5D3-B7C69C2D4F54}" dt="2026-02-03T17:21:28.054" v="311" actId="478"/>
+          <ac:spMkLst>
+            <pc:docMk/>
+            <pc:sldMk cId="118045167" sldId="256"/>
+            <ac:spMk id="723" creationId="{B994B6A2-599C-4743-AAAB-3E0550FFC008}"/>
+          </ac:spMkLst>
+        </pc:spChg>
+        <pc:spChg chg="mod">
+          <ac:chgData name="Fatima Pillosu" userId="a6295d4dc9e22643" providerId="LiveId" clId="{87453732-75AC-4426-B5D3-B7C69C2D4F54}" dt="2026-02-03T17:19:26.535" v="293" actId="164"/>
+          <ac:spMkLst>
+            <pc:docMk/>
+            <pc:sldMk cId="118045167" sldId="256"/>
+            <ac:spMk id="724" creationId="{22FBD439-7724-2A46-FA0E-3B88FED8377E}"/>
+          </ac:spMkLst>
+        </pc:spChg>
+        <pc:spChg chg="mod">
+          <ac:chgData name="Fatima Pillosu" userId="a6295d4dc9e22643" providerId="LiveId" clId="{87453732-75AC-4426-B5D3-B7C69C2D4F54}" dt="2026-02-03T17:16:49.129" v="238"/>
+          <ac:spMkLst>
+            <pc:docMk/>
+            <pc:sldMk cId="118045167" sldId="256"/>
+            <ac:spMk id="736" creationId="{08F1D0FB-1072-0825-CD08-857F3E19E505}"/>
           </ac:spMkLst>
         </pc:spChg>
         <pc:spChg chg="del mod">
@@ -400,28 +617,60 @@
             <ac:spMk id="818" creationId="{8C54A99F-18DF-C081-2270-42F08648AE8F}"/>
           </ac:spMkLst>
         </pc:spChg>
-        <pc:spChg chg="mod">
-          <ac:chgData name="Fatima Pillosu" userId="a6295d4dc9e22643" providerId="LiveId" clId="{87453732-75AC-4426-B5D3-B7C69C2D4F54}" dt="2026-02-03T16:19:20.524" v="130" actId="255"/>
+        <pc:spChg chg="del">
+          <ac:chgData name="Fatima Pillosu" userId="a6295d4dc9e22643" providerId="LiveId" clId="{87453732-75AC-4426-B5D3-B7C69C2D4F54}" dt="2026-02-03T17:16:39.806" v="237" actId="21"/>
+          <ac:spMkLst>
+            <pc:docMk/>
+            <pc:sldMk cId="118045167" sldId="256"/>
+            <ac:spMk id="823" creationId="{9A1A1337-286B-F58B-4806-26E1A4EBD115}"/>
+          </ac:spMkLst>
+        </pc:spChg>
+        <pc:spChg chg="del">
+          <ac:chgData name="Fatima Pillosu" userId="a6295d4dc9e22643" providerId="LiveId" clId="{87453732-75AC-4426-B5D3-B7C69C2D4F54}" dt="2026-02-03T17:16:39.806" v="237" actId="21"/>
+          <ac:spMkLst>
+            <pc:docMk/>
+            <pc:sldMk cId="118045167" sldId="256"/>
+            <ac:spMk id="824" creationId="{812A3294-F4F0-A024-806C-37E0D177DB6A}"/>
+          </ac:spMkLst>
+        </pc:spChg>
+        <pc:spChg chg="del mod">
+          <ac:chgData name="Fatima Pillosu" userId="a6295d4dc9e22643" providerId="LiveId" clId="{87453732-75AC-4426-B5D3-B7C69C2D4F54}" dt="2026-02-03T17:16:39.806" v="237" actId="21"/>
           <ac:spMkLst>
             <pc:docMk/>
             <pc:sldMk cId="118045167" sldId="256"/>
             <ac:spMk id="825" creationId="{AB3851F4-A68B-CC96-F21E-942109A6FA75}"/>
           </ac:spMkLst>
         </pc:spChg>
-        <pc:spChg chg="mod">
-          <ac:chgData name="Fatima Pillosu" userId="a6295d4dc9e22643" providerId="LiveId" clId="{87453732-75AC-4426-B5D3-B7C69C2D4F54}" dt="2026-02-03T16:20:15.997" v="135" actId="14100"/>
+        <pc:spChg chg="del mod">
+          <ac:chgData name="Fatima Pillosu" userId="a6295d4dc9e22643" providerId="LiveId" clId="{87453732-75AC-4426-B5D3-B7C69C2D4F54}" dt="2026-02-03T17:16:39.806" v="237" actId="21"/>
           <ac:spMkLst>
             <pc:docMk/>
             <pc:sldMk cId="118045167" sldId="256"/>
             <ac:spMk id="826" creationId="{28B884CB-BF57-8119-58D1-AA624199839B}"/>
           </ac:spMkLst>
         </pc:spChg>
-        <pc:spChg chg="mod">
-          <ac:chgData name="Fatima Pillosu" userId="a6295d4dc9e22643" providerId="LiveId" clId="{87453732-75AC-4426-B5D3-B7C69C2D4F54}" dt="2026-02-03T16:20:21.736" v="136" actId="14100"/>
+        <pc:spChg chg="del mod">
+          <ac:chgData name="Fatima Pillosu" userId="a6295d4dc9e22643" providerId="LiveId" clId="{87453732-75AC-4426-B5D3-B7C69C2D4F54}" dt="2026-02-03T17:16:39.806" v="237" actId="21"/>
           <ac:spMkLst>
             <pc:docMk/>
             <pc:sldMk cId="118045167" sldId="256"/>
             <ac:spMk id="827" creationId="{402D41CA-166E-D485-0B2E-19B642F168A0}"/>
+          </ac:spMkLst>
+        </pc:spChg>
+        <pc:spChg chg="del">
+          <ac:chgData name="Fatima Pillosu" userId="a6295d4dc9e22643" providerId="LiveId" clId="{87453732-75AC-4426-B5D3-B7C69C2D4F54}" dt="2026-02-03T17:16:39.806" v="237" actId="21"/>
+          <ac:spMkLst>
+            <pc:docMk/>
+            <pc:sldMk cId="118045167" sldId="256"/>
+            <ac:spMk id="828" creationId="{B994B6A2-599C-4743-AAAB-3E0550FFC008}"/>
+          </ac:spMkLst>
+        </pc:spChg>
+        <pc:spChg chg="del">
+          <ac:chgData name="Fatima Pillosu" userId="a6295d4dc9e22643" providerId="LiveId" clId="{87453732-75AC-4426-B5D3-B7C69C2D4F54}" dt="2026-02-03T17:16:39.806" v="237" actId="21"/>
+          <ac:spMkLst>
+            <pc:docMk/>
+            <pc:sldMk cId="118045167" sldId="256"/>
+            <ac:spMk id="829" creationId="{22FBD439-7724-2A46-FA0E-3B88FED8377E}"/>
           </ac:spMkLst>
         </pc:spChg>
         <pc:spChg chg="mod topLvl">
@@ -464,9 +713,113 @@
             <ac:spMk id="843" creationId="{3BBE43AC-440B-6B8D-0411-E79039DF74C0}"/>
           </ac:spMkLst>
         </pc:spChg>
+        <pc:spChg chg="mod">
+          <ac:chgData name="Fatima Pillosu" userId="a6295d4dc9e22643" providerId="LiveId" clId="{87453732-75AC-4426-B5D3-B7C69C2D4F54}" dt="2026-02-03T17:16:49.129" v="238"/>
+          <ac:spMkLst>
+            <pc:docMk/>
+            <pc:sldMk cId="118045167" sldId="256"/>
+            <ac:spMk id="924" creationId="{B5A0B48F-4B20-E4FD-0A2D-DA2EB8385FF6}"/>
+          </ac:spMkLst>
+        </pc:spChg>
+        <pc:spChg chg="mod">
+          <ac:chgData name="Fatima Pillosu" userId="a6295d4dc9e22643" providerId="LiveId" clId="{87453732-75AC-4426-B5D3-B7C69C2D4F54}" dt="2026-02-03T17:16:49.129" v="238"/>
+          <ac:spMkLst>
+            <pc:docMk/>
+            <pc:sldMk cId="118045167" sldId="256"/>
+            <ac:spMk id="943" creationId="{3DBADC30-B540-3DD7-0674-8BBA39DD14F8}"/>
+          </ac:spMkLst>
+        </pc:spChg>
+        <pc:spChg chg="mod">
+          <ac:chgData name="Fatima Pillosu" userId="a6295d4dc9e22643" providerId="LiveId" clId="{87453732-75AC-4426-B5D3-B7C69C2D4F54}" dt="2026-02-03T17:16:49.129" v="238"/>
+          <ac:spMkLst>
+            <pc:docMk/>
+            <pc:sldMk cId="118045167" sldId="256"/>
+            <ac:spMk id="948" creationId="{5865E292-29BB-1D14-DDEF-016538997A04}"/>
+          </ac:spMkLst>
+        </pc:spChg>
+        <pc:spChg chg="mod">
+          <ac:chgData name="Fatima Pillosu" userId="a6295d4dc9e22643" providerId="LiveId" clId="{87453732-75AC-4426-B5D3-B7C69C2D4F54}" dt="2026-02-03T17:16:49.129" v="238"/>
+          <ac:spMkLst>
+            <pc:docMk/>
+            <pc:sldMk cId="118045167" sldId="256"/>
+            <ac:spMk id="960" creationId="{EBB2C3BF-B1CA-A006-7BE4-A30678D35AC9}"/>
+          </ac:spMkLst>
+        </pc:spChg>
+        <pc:spChg chg="mod">
+          <ac:chgData name="Fatima Pillosu" userId="a6295d4dc9e22643" providerId="LiveId" clId="{87453732-75AC-4426-B5D3-B7C69C2D4F54}" dt="2026-02-03T17:16:49.129" v="238"/>
+          <ac:spMkLst>
+            <pc:docMk/>
+            <pc:sldMk cId="118045167" sldId="256"/>
+            <ac:spMk id="965" creationId="{FE211B39-B81D-77E9-5ED6-73498DFC9CA4}"/>
+          </ac:spMkLst>
+        </pc:spChg>
+        <pc:spChg chg="mod">
+          <ac:chgData name="Fatima Pillosu" userId="a6295d4dc9e22643" providerId="LiveId" clId="{87453732-75AC-4426-B5D3-B7C69C2D4F54}" dt="2026-02-03T17:16:49.129" v="238"/>
+          <ac:spMkLst>
+            <pc:docMk/>
+            <pc:sldMk cId="118045167" sldId="256"/>
+            <ac:spMk id="966" creationId="{20F27438-3CF1-9E16-6A24-36B600AA59B5}"/>
+          </ac:spMkLst>
+        </pc:spChg>
+        <pc:spChg chg="mod">
+          <ac:chgData name="Fatima Pillosu" userId="a6295d4dc9e22643" providerId="LiveId" clId="{87453732-75AC-4426-B5D3-B7C69C2D4F54}" dt="2026-02-03T17:16:49.129" v="238"/>
+          <ac:spMkLst>
+            <pc:docMk/>
+            <pc:sldMk cId="118045167" sldId="256"/>
+            <ac:spMk id="968" creationId="{2A11E42A-6AC3-E95A-184A-18121E822BF8}"/>
+          </ac:spMkLst>
+        </pc:spChg>
+        <pc:spChg chg="mod">
+          <ac:chgData name="Fatima Pillosu" userId="a6295d4dc9e22643" providerId="LiveId" clId="{87453732-75AC-4426-B5D3-B7C69C2D4F54}" dt="2026-02-03T17:16:49.129" v="238"/>
+          <ac:spMkLst>
+            <pc:docMk/>
+            <pc:sldMk cId="118045167" sldId="256"/>
+            <ac:spMk id="969" creationId="{A1D33595-7FEF-53A2-512A-61146AC250C5}"/>
+          </ac:spMkLst>
+        </pc:spChg>
+        <pc:grpChg chg="mod">
+          <ac:chgData name="Fatima Pillosu" userId="a6295d4dc9e22643" providerId="LiveId" clId="{87453732-75AC-4426-B5D3-B7C69C2D4F54}" dt="2026-02-03T17:17:00.801" v="279" actId="1035"/>
+          <ac:grpSpMkLst>
+            <pc:docMk/>
+            <pc:sldMk cId="118045167" sldId="256"/>
+            <ac:grpSpMk id="3" creationId="{0E67CE3E-3694-1A7E-A73B-013E15A5E2C9}"/>
+          </ac:grpSpMkLst>
+        </pc:grpChg>
+        <pc:grpChg chg="del mod">
+          <ac:chgData name="Fatima Pillosu" userId="a6295d4dc9e22643" providerId="LiveId" clId="{87453732-75AC-4426-B5D3-B7C69C2D4F54}" dt="2026-02-03T17:21:31.574" v="312" actId="478"/>
+          <ac:grpSpMkLst>
+            <pc:docMk/>
+            <pc:sldMk cId="118045167" sldId="256"/>
+            <ac:grpSpMk id="725" creationId="{BCD7B029-BED2-6F78-B39D-38E3537588E0}"/>
+          </ac:grpSpMkLst>
+        </pc:grpChg>
+        <pc:grpChg chg="del">
+          <ac:chgData name="Fatima Pillosu" userId="a6295d4dc9e22643" providerId="LiveId" clId="{87453732-75AC-4426-B5D3-B7C69C2D4F54}" dt="2026-02-03T17:16:39.806" v="237" actId="21"/>
+          <ac:grpSpMkLst>
+            <pc:docMk/>
+            <pc:sldMk cId="118045167" sldId="256"/>
+            <ac:grpSpMk id="844" creationId="{0E67CE3E-3694-1A7E-A73B-013E15A5E2C9}"/>
+          </ac:grpSpMkLst>
+        </pc:grpChg>
+        <pc:grpChg chg="del">
+          <ac:chgData name="Fatima Pillosu" userId="a6295d4dc9e22643" providerId="LiveId" clId="{87453732-75AC-4426-B5D3-B7C69C2D4F54}" dt="2026-02-03T17:16:39.806" v="237" actId="21"/>
+          <ac:grpSpMkLst>
+            <pc:docMk/>
+            <pc:sldMk cId="118045167" sldId="256"/>
+            <ac:grpSpMk id="847" creationId="{BCD7B029-BED2-6F78-B39D-38E3537588E0}"/>
+          </ac:grpSpMkLst>
+        </pc:grpChg>
+        <pc:grpChg chg="add mod">
+          <ac:chgData name="Fatima Pillosu" userId="a6295d4dc9e22643" providerId="LiveId" clId="{87453732-75AC-4426-B5D3-B7C69C2D4F54}" dt="2026-02-03T17:21:46.490" v="314" actId="1076"/>
+          <ac:grpSpMkLst>
+            <pc:docMk/>
+            <pc:sldMk cId="118045167" sldId="256"/>
+            <ac:grpSpMk id="976" creationId="{82A83032-B90D-0800-ED32-A25CBB908076}"/>
+          </ac:grpSpMkLst>
+        </pc:grpChg>
       </pc:sldChg>
-      <pc:sldChg chg="addSp delSp modSp new mod ord">
-        <pc:chgData name="Fatima Pillosu" userId="a6295d4dc9e22643" providerId="LiveId" clId="{87453732-75AC-4426-B5D3-B7C69C2D4F54}" dt="2026-02-03T16:28:12.163" v="233"/>
+      <pc:sldChg chg="addSp delSp modSp new add del mod ord">
+        <pc:chgData name="Fatima Pillosu" userId="a6295d4dc9e22643" providerId="LiveId" clId="{87453732-75AC-4426-B5D3-B7C69C2D4F54}" dt="2026-02-03T17:16:36.881" v="236" actId="47"/>
         <pc:sldMkLst>
           <pc:docMk/>
           <pc:sldMk cId="1173365369" sldId="257"/>
@@ -720,6 +1073,220 @@
           </ac:picMkLst>
         </pc:picChg>
       </pc:sldChg>
+      <pc:sldChg chg="addSp delSp modSp new mod ord">
+        <pc:chgData name="Fatima Pillosu" userId="a6295d4dc9e22643" providerId="LiveId" clId="{87453732-75AC-4426-B5D3-B7C69C2D4F54}" dt="2026-02-03T17:24:04.076" v="369" actId="12788"/>
+        <pc:sldMkLst>
+          <pc:docMk/>
+          <pc:sldMk cId="1780727694" sldId="257"/>
+        </pc:sldMkLst>
+        <pc:spChg chg="del">
+          <ac:chgData name="Fatima Pillosu" userId="a6295d4dc9e22643" providerId="LiveId" clId="{87453732-75AC-4426-B5D3-B7C69C2D4F54}" dt="2026-02-03T17:20:02.098" v="300" actId="478"/>
+          <ac:spMkLst>
+            <pc:docMk/>
+            <pc:sldMk cId="1780727694" sldId="257"/>
+            <ac:spMk id="2" creationId="{BD4DFBEF-D036-9CE6-FFD6-1FE2D231FE3D}"/>
+          </ac:spMkLst>
+        </pc:spChg>
+        <pc:spChg chg="del">
+          <ac:chgData name="Fatima Pillosu" userId="a6295d4dc9e22643" providerId="LiveId" clId="{87453732-75AC-4426-B5D3-B7C69C2D4F54}" dt="2026-02-03T17:20:01.111" v="299" actId="478"/>
+          <ac:spMkLst>
+            <pc:docMk/>
+            <pc:sldMk cId="1780727694" sldId="257"/>
+            <ac:spMk id="3" creationId="{67AFB0D5-CCB8-7884-753F-232003C1958C}"/>
+          </ac:spMkLst>
+        </pc:spChg>
+        <pc:spChg chg="add mod">
+          <ac:chgData name="Fatima Pillosu" userId="a6295d4dc9e22643" providerId="LiveId" clId="{87453732-75AC-4426-B5D3-B7C69C2D4F54}" dt="2026-02-03T17:20:56.874" v="307" actId="14100"/>
+          <ac:spMkLst>
+            <pc:docMk/>
+            <pc:sldMk cId="1780727694" sldId="257"/>
+            <ac:spMk id="4" creationId="{8820EC8A-F4B1-23E0-AC09-60AA14DF218E}"/>
+          </ac:spMkLst>
+        </pc:spChg>
+        <pc:spChg chg="add mod">
+          <ac:chgData name="Fatima Pillosu" userId="a6295d4dc9e22643" providerId="LiveId" clId="{87453732-75AC-4426-B5D3-B7C69C2D4F54}" dt="2026-02-03T17:23:52.124" v="356" actId="1036"/>
+          <ac:spMkLst>
+            <pc:docMk/>
+            <pc:sldMk cId="1780727694" sldId="257"/>
+            <ac:spMk id="5" creationId="{23E91541-D049-B518-C49C-86D0BD4FBCA2}"/>
+          </ac:spMkLst>
+        </pc:spChg>
+        <pc:spChg chg="add mod">
+          <ac:chgData name="Fatima Pillosu" userId="a6295d4dc9e22643" providerId="LiveId" clId="{87453732-75AC-4426-B5D3-B7C69C2D4F54}" dt="2026-02-03T17:23:57.003" v="367" actId="1035"/>
+          <ac:spMkLst>
+            <pc:docMk/>
+            <pc:sldMk cId="1780727694" sldId="257"/>
+            <ac:spMk id="6" creationId="{FB6688C3-6D21-88C8-D726-85D286F8BBD3}"/>
+          </ac:spMkLst>
+        </pc:spChg>
+        <pc:spChg chg="mod">
+          <ac:chgData name="Fatima Pillosu" userId="a6295d4dc9e22643" providerId="LiveId" clId="{87453732-75AC-4426-B5D3-B7C69C2D4F54}" dt="2026-02-03T17:22:17.671" v="322"/>
+          <ac:spMkLst>
+            <pc:docMk/>
+            <pc:sldMk cId="1780727694" sldId="257"/>
+            <ac:spMk id="9" creationId="{9C8448B8-C9FE-AA77-5410-F455376AF007}"/>
+          </ac:spMkLst>
+        </pc:spChg>
+        <pc:spChg chg="mod">
+          <ac:chgData name="Fatima Pillosu" userId="a6295d4dc9e22643" providerId="LiveId" clId="{87453732-75AC-4426-B5D3-B7C69C2D4F54}" dt="2026-02-03T17:22:17.671" v="322"/>
+          <ac:spMkLst>
+            <pc:docMk/>
+            <pc:sldMk cId="1780727694" sldId="257"/>
+            <ac:spMk id="10" creationId="{CB706AB8-920B-2DBF-A1F1-2B7F92741304}"/>
+          </ac:spMkLst>
+        </pc:spChg>
+        <pc:spChg chg="mod">
+          <ac:chgData name="Fatima Pillosu" userId="a6295d4dc9e22643" providerId="LiveId" clId="{87453732-75AC-4426-B5D3-B7C69C2D4F54}" dt="2026-02-03T17:22:17.671" v="322"/>
+          <ac:spMkLst>
+            <pc:docMk/>
+            <pc:sldMk cId="1780727694" sldId="257"/>
+            <ac:spMk id="11" creationId="{3C9867DE-1D9B-BA56-5693-FBC1139505E3}"/>
+          </ac:spMkLst>
+        </pc:spChg>
+        <pc:spChg chg="mod">
+          <ac:chgData name="Fatima Pillosu" userId="a6295d4dc9e22643" providerId="LiveId" clId="{87453732-75AC-4426-B5D3-B7C69C2D4F54}" dt="2026-02-03T17:22:17.671" v="322"/>
+          <ac:spMkLst>
+            <pc:docMk/>
+            <pc:sldMk cId="1780727694" sldId="257"/>
+            <ac:spMk id="12" creationId="{F1E6F884-4EC1-69D6-07CD-2E0FA5A63FCE}"/>
+          </ac:spMkLst>
+        </pc:spChg>
+        <pc:grpChg chg="add mod">
+          <ac:chgData name="Fatima Pillosu" userId="a6295d4dc9e22643" providerId="LiveId" clId="{87453732-75AC-4426-B5D3-B7C69C2D4F54}" dt="2026-02-03T17:22:17.671" v="322"/>
+          <ac:grpSpMkLst>
+            <pc:docMk/>
+            <pc:sldMk cId="1780727694" sldId="257"/>
+            <ac:grpSpMk id="8" creationId="{77663AF7-F139-D618-1F25-1C9C75CD6FA1}"/>
+          </ac:grpSpMkLst>
+        </pc:grpChg>
+        <pc:picChg chg="add mod">
+          <ac:chgData name="Fatima Pillosu" userId="a6295d4dc9e22643" providerId="LiveId" clId="{87453732-75AC-4426-B5D3-B7C69C2D4F54}" dt="2026-02-03T17:23:49.152" v="354" actId="1035"/>
+          <ac:picMkLst>
+            <pc:docMk/>
+            <pc:sldMk cId="1780727694" sldId="257"/>
+            <ac:picMk id="7" creationId="{DFA8B636-1A2E-E908-AC74-B3BB2C9A2E45}"/>
+          </ac:picMkLst>
+        </pc:picChg>
+        <pc:picChg chg="add mod">
+          <ac:chgData name="Fatima Pillosu" userId="a6295d4dc9e22643" providerId="LiveId" clId="{87453732-75AC-4426-B5D3-B7C69C2D4F54}" dt="2026-02-03T17:23:49.152" v="354" actId="1035"/>
+          <ac:picMkLst>
+            <pc:docMk/>
+            <pc:sldMk cId="1780727694" sldId="257"/>
+            <ac:picMk id="13" creationId="{AB85EF3C-7822-B876-6CD0-734E151CD553}"/>
+          </ac:picMkLst>
+        </pc:picChg>
+        <pc:picChg chg="add mod">
+          <ac:chgData name="Fatima Pillosu" userId="a6295d4dc9e22643" providerId="LiveId" clId="{87453732-75AC-4426-B5D3-B7C69C2D4F54}" dt="2026-02-03T17:24:04.076" v="369" actId="12788"/>
+          <ac:picMkLst>
+            <pc:docMk/>
+            <pc:sldMk cId="1780727694" sldId="257"/>
+            <ac:picMk id="14" creationId="{4171B20D-7A0C-B997-A8B3-C40F05F85190}"/>
+          </ac:picMkLst>
+        </pc:picChg>
+      </pc:sldChg>
+      <pc:sldChg chg="delSp modSp add mod">
+        <pc:chgData name="Fatima Pillosu" userId="a6295d4dc9e22643" providerId="LiveId" clId="{87453732-75AC-4426-B5D3-B7C69C2D4F54}" dt="2026-02-03T17:21:17.408" v="310" actId="1076"/>
+        <pc:sldMkLst>
+          <pc:docMk/>
+          <pc:sldMk cId="1098761090" sldId="258"/>
+        </pc:sldMkLst>
+        <pc:spChg chg="del">
+          <ac:chgData name="Fatima Pillosu" userId="a6295d4dc9e22643" providerId="LiveId" clId="{87453732-75AC-4426-B5D3-B7C69C2D4F54}" dt="2026-02-03T17:20:48.048" v="305" actId="478"/>
+          <ac:spMkLst>
+            <pc:docMk/>
+            <pc:sldMk cId="1098761090" sldId="258"/>
+            <ac:spMk id="8" creationId="{042589F9-E706-DD40-8386-999A4AA9BFEC}"/>
+          </ac:spMkLst>
+        </pc:spChg>
+        <pc:spChg chg="del">
+          <ac:chgData name="Fatima Pillosu" userId="a6295d4dc9e22643" providerId="LiveId" clId="{87453732-75AC-4426-B5D3-B7C69C2D4F54}" dt="2026-02-03T17:20:48.048" v="305" actId="478"/>
+          <ac:spMkLst>
+            <pc:docMk/>
+            <pc:sldMk cId="1098761090" sldId="258"/>
+            <ac:spMk id="12" creationId="{CD7D0EE6-E388-5D0F-0F91-56D3E5C7B1B3}"/>
+          </ac:spMkLst>
+        </pc:spChg>
+        <pc:spChg chg="del">
+          <ac:chgData name="Fatima Pillosu" userId="a6295d4dc9e22643" providerId="LiveId" clId="{87453732-75AC-4426-B5D3-B7C69C2D4F54}" dt="2026-02-03T17:20:48.048" v="305" actId="478"/>
+          <ac:spMkLst>
+            <pc:docMk/>
+            <pc:sldMk cId="1098761090" sldId="258"/>
+            <ac:spMk id="14" creationId="{4FE21A0E-5BA3-B888-D950-2630E37F3AC2}"/>
+          </ac:spMkLst>
+        </pc:spChg>
+        <pc:spChg chg="del">
+          <ac:chgData name="Fatima Pillosu" userId="a6295d4dc9e22643" providerId="LiveId" clId="{87453732-75AC-4426-B5D3-B7C69C2D4F54}" dt="2026-02-03T17:20:48.048" v="305" actId="478"/>
+          <ac:spMkLst>
+            <pc:docMk/>
+            <pc:sldMk cId="1098761090" sldId="258"/>
+            <ac:spMk id="564" creationId="{BE9178E8-23DB-EDA4-B9C2-B9FDA8139C93}"/>
+          </ac:spMkLst>
+        </pc:spChg>
+        <pc:spChg chg="del">
+          <ac:chgData name="Fatima Pillosu" userId="a6295d4dc9e22643" providerId="LiveId" clId="{87453732-75AC-4426-B5D3-B7C69C2D4F54}" dt="2026-02-03T17:20:48.048" v="305" actId="478"/>
+          <ac:spMkLst>
+            <pc:docMk/>
+            <pc:sldMk cId="1098761090" sldId="258"/>
+            <ac:spMk id="569" creationId="{8ADA33E9-42A6-770D-8A62-D43F2720A6E3}"/>
+          </ac:spMkLst>
+        </pc:spChg>
+        <pc:spChg chg="del">
+          <ac:chgData name="Fatima Pillosu" userId="a6295d4dc9e22643" providerId="LiveId" clId="{87453732-75AC-4426-B5D3-B7C69C2D4F54}" dt="2026-02-03T17:20:48.048" v="305" actId="478"/>
+          <ac:spMkLst>
+            <pc:docMk/>
+            <pc:sldMk cId="1098761090" sldId="258"/>
+            <ac:spMk id="570" creationId="{7A14CDC5-5882-B6E2-A342-8612ED176BCC}"/>
+          </ac:spMkLst>
+        </pc:spChg>
+        <pc:spChg chg="del">
+          <ac:chgData name="Fatima Pillosu" userId="a6295d4dc9e22643" providerId="LiveId" clId="{87453732-75AC-4426-B5D3-B7C69C2D4F54}" dt="2026-02-03T17:20:48.048" v="305" actId="478"/>
+          <ac:spMkLst>
+            <pc:docMk/>
+            <pc:sldMk cId="1098761090" sldId="258"/>
+            <ac:spMk id="708" creationId="{41ACDD27-1F9E-99BA-15C8-3BB51D344658}"/>
+          </ac:spMkLst>
+        </pc:spChg>
+        <pc:spChg chg="del">
+          <ac:chgData name="Fatima Pillosu" userId="a6295d4dc9e22643" providerId="LiveId" clId="{87453732-75AC-4426-B5D3-B7C69C2D4F54}" dt="2026-02-03T17:20:48.048" v="305" actId="478"/>
+          <ac:spMkLst>
+            <pc:docMk/>
+            <pc:sldMk cId="1098761090" sldId="258"/>
+            <ac:spMk id="713" creationId="{FCABC799-7230-B5C0-4ACE-7EDC1F686F70}"/>
+          </ac:spMkLst>
+        </pc:spChg>
+        <pc:spChg chg="del">
+          <ac:chgData name="Fatima Pillosu" userId="a6295d4dc9e22643" providerId="LiveId" clId="{87453732-75AC-4426-B5D3-B7C69C2D4F54}" dt="2026-02-03T17:20:48.048" v="305" actId="478"/>
+          <ac:spMkLst>
+            <pc:docMk/>
+            <pc:sldMk cId="1098761090" sldId="258"/>
+            <ac:spMk id="715" creationId="{225153C5-AD9E-E198-8693-D3C5A12C9B19}"/>
+          </ac:spMkLst>
+        </pc:spChg>
+        <pc:spChg chg="del">
+          <ac:chgData name="Fatima Pillosu" userId="a6295d4dc9e22643" providerId="LiveId" clId="{87453732-75AC-4426-B5D3-B7C69C2D4F54}" dt="2026-02-03T17:20:48.048" v="305" actId="478"/>
+          <ac:spMkLst>
+            <pc:docMk/>
+            <pc:sldMk cId="1098761090" sldId="258"/>
+            <ac:spMk id="720" creationId="{8FBEAF3F-447B-5FAE-B132-49C3A08F64B4}"/>
+          </ac:spMkLst>
+        </pc:spChg>
+        <pc:spChg chg="del">
+          <ac:chgData name="Fatima Pillosu" userId="a6295d4dc9e22643" providerId="LiveId" clId="{87453732-75AC-4426-B5D3-B7C69C2D4F54}" dt="2026-02-03T17:21:08.853" v="309" actId="478"/>
+          <ac:spMkLst>
+            <pc:docMk/>
+            <pc:sldMk cId="1098761090" sldId="258"/>
+            <ac:spMk id="723" creationId="{945B71A4-AE51-BDD5-1CF7-CC6303FE0C21}"/>
+          </ac:spMkLst>
+        </pc:spChg>
+        <pc:grpChg chg="mod">
+          <ac:chgData name="Fatima Pillosu" userId="a6295d4dc9e22643" providerId="LiveId" clId="{87453732-75AC-4426-B5D3-B7C69C2D4F54}" dt="2026-02-03T17:21:17.408" v="310" actId="1076"/>
+          <ac:grpSpMkLst>
+            <pc:docMk/>
+            <pc:sldMk cId="1098761090" sldId="258"/>
+            <ac:grpSpMk id="725" creationId="{7015B24F-640A-D4FC-D0F7-45807A0AA57D}"/>
+          </ac:grpSpMkLst>
+        </pc:grpChg>
+      </pc:sldChg>
     </pc:docChg>
   </pc:docChgLst>
 </pc:chgInfo>
@@ -754,8 +1321,8 @@
         </p:nvSpPr>
         <p:spPr>
           <a:xfrm>
-            <a:off x="445532" y="1340341"/>
-            <a:ext cx="5049361" cy="2851303"/>
+            <a:off x="445532" y="1001553"/>
+            <a:ext cx="5049361" cy="2130602"/>
           </a:xfrm>
         </p:spPr>
         <p:txBody>
@@ -786,8 +1353,8 @@
         </p:nvSpPr>
         <p:spPr>
           <a:xfrm>
-            <a:off x="742553" y="4301601"/>
-            <a:ext cx="4455319" cy="1977333"/>
+            <a:off x="742553" y="3214319"/>
+            <a:ext cx="4455319" cy="1477538"/>
           </a:xfrm>
         </p:spPr>
         <p:txBody>
@@ -907,7 +1474,7 @@
     </p:spTree>
     <p:extLst>
       <p:ext uri="{BB962C8B-B14F-4D97-AF65-F5344CB8AC3E}">
-        <p14:creationId xmlns:p14="http://schemas.microsoft.com/office/powerpoint/2010/main" val="2508232441"/>
+        <p14:creationId xmlns:p14="http://schemas.microsoft.com/office/powerpoint/2010/main" val="4228097180"/>
       </p:ext>
     </p:extLst>
   </p:cSld>
@@ -1077,7 +1644,7 @@
     </p:spTree>
     <p:extLst>
       <p:ext uri="{BB962C8B-B14F-4D97-AF65-F5344CB8AC3E}">
-        <p14:creationId xmlns:p14="http://schemas.microsoft.com/office/powerpoint/2010/main" val="3690606162"/>
+        <p14:creationId xmlns:p14="http://schemas.microsoft.com/office/powerpoint/2010/main" val="1414683948"/>
       </p:ext>
     </p:extLst>
   </p:cSld>
@@ -1116,8 +1683,8 @@
         </p:nvSpPr>
         <p:spPr>
           <a:xfrm>
-            <a:off x="4251117" y="436037"/>
-            <a:ext cx="1280904" cy="6940573"/>
+            <a:off x="4251117" y="325823"/>
+            <a:ext cx="1280904" cy="5186259"/>
           </a:xfrm>
         </p:spPr>
         <p:txBody>
@@ -1144,8 +1711,8 @@
         </p:nvSpPr>
         <p:spPr>
           <a:xfrm>
-            <a:off x="408405" y="436037"/>
-            <a:ext cx="3768457" cy="6940573"/>
+            <a:off x="408405" y="325823"/>
+            <a:ext cx="3768457" cy="5186259"/>
           </a:xfrm>
         </p:spPr>
         <p:txBody>
@@ -1257,7 +1824,7 @@
     </p:spTree>
     <p:extLst>
       <p:ext uri="{BB962C8B-B14F-4D97-AF65-F5344CB8AC3E}">
-        <p14:creationId xmlns:p14="http://schemas.microsoft.com/office/powerpoint/2010/main" val="1737413764"/>
+        <p14:creationId xmlns:p14="http://schemas.microsoft.com/office/powerpoint/2010/main" val="3893234570"/>
       </p:ext>
     </p:extLst>
   </p:cSld>
@@ -1427,7 +1994,7 @@
     </p:spTree>
     <p:extLst>
       <p:ext uri="{BB962C8B-B14F-4D97-AF65-F5344CB8AC3E}">
-        <p14:creationId xmlns:p14="http://schemas.microsoft.com/office/powerpoint/2010/main" val="4198664608"/>
+        <p14:creationId xmlns:p14="http://schemas.microsoft.com/office/powerpoint/2010/main" val="1498872235"/>
       </p:ext>
     </p:extLst>
   </p:cSld>
@@ -1466,8 +2033,8 @@
         </p:nvSpPr>
         <p:spPr>
           <a:xfrm>
-            <a:off x="405310" y="2041793"/>
-            <a:ext cx="5123617" cy="3406776"/>
+            <a:off x="405310" y="1525705"/>
+            <a:ext cx="5123617" cy="2545672"/>
           </a:xfrm>
         </p:spPr>
         <p:txBody>
@@ -1498,8 +2065,8 @@
         </p:nvSpPr>
         <p:spPr>
           <a:xfrm>
-            <a:off x="405310" y="5480798"/>
-            <a:ext cx="5123617" cy="1791543"/>
+            <a:off x="405310" y="4095460"/>
+            <a:ext cx="5123617" cy="1338709"/>
           </a:xfrm>
         </p:spPr>
         <p:txBody>
@@ -1673,7 +2240,7 @@
     </p:spTree>
     <p:extLst>
       <p:ext uri="{BB962C8B-B14F-4D97-AF65-F5344CB8AC3E}">
-        <p14:creationId xmlns:p14="http://schemas.microsoft.com/office/powerpoint/2010/main" val="1148636564"/>
+        <p14:creationId xmlns:p14="http://schemas.microsoft.com/office/powerpoint/2010/main" val="1035331020"/>
       </p:ext>
     </p:extLst>
   </p:cSld>
@@ -1735,8 +2302,8 @@
         </p:nvSpPr>
         <p:spPr>
           <a:xfrm>
-            <a:off x="408404" y="2180185"/>
-            <a:ext cx="2524681" cy="5196425"/>
+            <a:off x="408404" y="1629117"/>
+            <a:ext cx="2524681" cy="3882965"/>
           </a:xfrm>
         </p:spPr>
         <p:txBody>
@@ -1792,8 +2359,8 @@
         </p:nvSpPr>
         <p:spPr>
           <a:xfrm>
-            <a:off x="3007340" y="2180185"/>
-            <a:ext cx="2524681" cy="5196425"/>
+            <a:off x="3007340" y="1629117"/>
+            <a:ext cx="2524681" cy="3882965"/>
           </a:xfrm>
         </p:spPr>
         <p:txBody>
@@ -1905,7 +2472,7 @@
     </p:spTree>
     <p:extLst>
       <p:ext uri="{BB962C8B-B14F-4D97-AF65-F5344CB8AC3E}">
-        <p14:creationId xmlns:p14="http://schemas.microsoft.com/office/powerpoint/2010/main" val="1838372817"/>
+        <p14:creationId xmlns:p14="http://schemas.microsoft.com/office/powerpoint/2010/main" val="3814979469"/>
       </p:ext>
     </p:extLst>
   </p:cSld>
@@ -1944,8 +2511,8 @@
         </p:nvSpPr>
         <p:spPr>
           <a:xfrm>
-            <a:off x="409178" y="436039"/>
-            <a:ext cx="5123617" cy="1583005"/>
+            <a:off x="409178" y="325825"/>
+            <a:ext cx="5123617" cy="1182881"/>
           </a:xfrm>
         </p:spPr>
         <p:txBody>
@@ -1972,8 +2539,8 @@
         </p:nvSpPr>
         <p:spPr>
           <a:xfrm>
-            <a:off x="409179" y="2007667"/>
-            <a:ext cx="2513078" cy="983926"/>
+            <a:off x="409179" y="1500205"/>
+            <a:ext cx="2513078" cy="735227"/>
           </a:xfrm>
         </p:spPr>
         <p:txBody>
@@ -2037,8 +2604,8 @@
         </p:nvSpPr>
         <p:spPr>
           <a:xfrm>
-            <a:off x="409179" y="2991593"/>
-            <a:ext cx="2513078" cy="4400183"/>
+            <a:off x="409179" y="2235432"/>
+            <a:ext cx="2513078" cy="3287983"/>
           </a:xfrm>
         </p:spPr>
         <p:txBody>
@@ -2094,8 +2661,8 @@
         </p:nvSpPr>
         <p:spPr>
           <a:xfrm>
-            <a:off x="3007341" y="2007667"/>
-            <a:ext cx="2525454" cy="983926"/>
+            <a:off x="3007341" y="1500205"/>
+            <a:ext cx="2525454" cy="735227"/>
           </a:xfrm>
         </p:spPr>
         <p:txBody>
@@ -2159,8 +2726,8 @@
         </p:nvSpPr>
         <p:spPr>
           <a:xfrm>
-            <a:off x="3007341" y="2991593"/>
-            <a:ext cx="2525454" cy="4400183"/>
+            <a:off x="3007341" y="2235432"/>
+            <a:ext cx="2525454" cy="3287983"/>
           </a:xfrm>
         </p:spPr>
         <p:txBody>
@@ -2272,7 +2839,7 @@
     </p:spTree>
     <p:extLst>
       <p:ext uri="{BB962C8B-B14F-4D97-AF65-F5344CB8AC3E}">
-        <p14:creationId xmlns:p14="http://schemas.microsoft.com/office/powerpoint/2010/main" val="831366484"/>
+        <p14:creationId xmlns:p14="http://schemas.microsoft.com/office/powerpoint/2010/main" val="4166775838"/>
       </p:ext>
     </p:extLst>
   </p:cSld>
@@ -2390,7 +2957,7 @@
     </p:spTree>
     <p:extLst>
       <p:ext uri="{BB962C8B-B14F-4D97-AF65-F5344CB8AC3E}">
-        <p14:creationId xmlns:p14="http://schemas.microsoft.com/office/powerpoint/2010/main" val="3695834889"/>
+        <p14:creationId xmlns:p14="http://schemas.microsoft.com/office/powerpoint/2010/main" val="534620090"/>
       </p:ext>
     </p:extLst>
   </p:cSld>
@@ -2485,7 +3052,7 @@
     </p:spTree>
     <p:extLst>
       <p:ext uri="{BB962C8B-B14F-4D97-AF65-F5344CB8AC3E}">
-        <p14:creationId xmlns:p14="http://schemas.microsoft.com/office/powerpoint/2010/main" val="4266135231"/>
+        <p14:creationId xmlns:p14="http://schemas.microsoft.com/office/powerpoint/2010/main" val="164651290"/>
       </p:ext>
     </p:extLst>
   </p:cSld>
@@ -2524,8 +3091,8 @@
         </p:nvSpPr>
         <p:spPr>
           <a:xfrm>
-            <a:off x="409178" y="545994"/>
-            <a:ext cx="1915942" cy="1910980"/>
+            <a:off x="409178" y="407988"/>
+            <a:ext cx="1915942" cy="1427956"/>
           </a:xfrm>
         </p:spPr>
         <p:txBody>
@@ -2556,8 +3123,8 @@
         </p:nvSpPr>
         <p:spPr>
           <a:xfrm>
-            <a:off x="2525454" y="1179197"/>
-            <a:ext cx="3007340" cy="5820147"/>
+            <a:off x="2525454" y="881141"/>
+            <a:ext cx="3007340" cy="4349034"/>
           </a:xfrm>
         </p:spPr>
         <p:txBody>
@@ -2641,8 +3208,8 @@
         </p:nvSpPr>
         <p:spPr>
           <a:xfrm>
-            <a:off x="409178" y="2456974"/>
-            <a:ext cx="1915942" cy="4551848"/>
+            <a:off x="409178" y="1835944"/>
+            <a:ext cx="1915942" cy="3401313"/>
           </a:xfrm>
         </p:spPr>
         <p:txBody>
@@ -2762,7 +3329,7 @@
     </p:spTree>
     <p:extLst>
       <p:ext uri="{BB962C8B-B14F-4D97-AF65-F5344CB8AC3E}">
-        <p14:creationId xmlns:p14="http://schemas.microsoft.com/office/powerpoint/2010/main" val="317761648"/>
+        <p14:creationId xmlns:p14="http://schemas.microsoft.com/office/powerpoint/2010/main" val="168241334"/>
       </p:ext>
     </p:extLst>
   </p:cSld>
@@ -2801,8 +3368,8 @@
         </p:nvSpPr>
         <p:spPr>
           <a:xfrm>
-            <a:off x="409178" y="545994"/>
-            <a:ext cx="1915942" cy="1910980"/>
+            <a:off x="409178" y="407988"/>
+            <a:ext cx="1915942" cy="1427956"/>
           </a:xfrm>
         </p:spPr>
         <p:txBody>
@@ -2833,8 +3400,8 @@
         </p:nvSpPr>
         <p:spPr>
           <a:xfrm>
-            <a:off x="2525454" y="1179197"/>
-            <a:ext cx="3007340" cy="5820147"/>
+            <a:off x="2525454" y="881141"/>
+            <a:ext cx="3007340" cy="4349034"/>
           </a:xfrm>
         </p:spPr>
         <p:txBody>
@@ -2898,8 +3465,8 @@
         </p:nvSpPr>
         <p:spPr>
           <a:xfrm>
-            <a:off x="409178" y="2456974"/>
-            <a:ext cx="1915942" cy="4551848"/>
+            <a:off x="409178" y="1835944"/>
+            <a:ext cx="1915942" cy="3401313"/>
           </a:xfrm>
         </p:spPr>
         <p:txBody>
@@ -3019,7 +3586,7 @@
     </p:spTree>
     <p:extLst>
       <p:ext uri="{BB962C8B-B14F-4D97-AF65-F5344CB8AC3E}">
-        <p14:creationId xmlns:p14="http://schemas.microsoft.com/office/powerpoint/2010/main" val="1030794306"/>
+        <p14:creationId xmlns:p14="http://schemas.microsoft.com/office/powerpoint/2010/main" val="3535004913"/>
       </p:ext>
     </p:extLst>
   </p:cSld>
@@ -3063,8 +3630,8 @@
         </p:nvSpPr>
         <p:spPr>
           <a:xfrm>
-            <a:off x="408404" y="436039"/>
-            <a:ext cx="5123617" cy="1583005"/>
+            <a:off x="408404" y="325825"/>
+            <a:ext cx="5123617" cy="1182881"/>
           </a:xfrm>
           <a:prstGeom prst="rect">
             <a:avLst/>
@@ -3096,8 +3663,8 @@
         </p:nvSpPr>
         <p:spPr>
           <a:xfrm>
-            <a:off x="408404" y="2180185"/>
-            <a:ext cx="5123617" cy="5196425"/>
+            <a:off x="408404" y="1629117"/>
+            <a:ext cx="5123617" cy="3882965"/>
           </a:xfrm>
           <a:prstGeom prst="rect">
             <a:avLst/>
@@ -3158,8 +3725,8 @@
         </p:nvSpPr>
         <p:spPr>
           <a:xfrm>
-            <a:off x="408404" y="7590838"/>
-            <a:ext cx="1336596" cy="436037"/>
+            <a:off x="408404" y="5672162"/>
+            <a:ext cx="1336596" cy="325823"/>
           </a:xfrm>
           <a:prstGeom prst="rect">
             <a:avLst/>
@@ -3199,8 +3766,8 @@
         </p:nvSpPr>
         <p:spPr>
           <a:xfrm>
-            <a:off x="1967766" y="7590838"/>
-            <a:ext cx="2004893" cy="436037"/>
+            <a:off x="1967766" y="5672162"/>
+            <a:ext cx="2004893" cy="325823"/>
           </a:xfrm>
           <a:prstGeom prst="rect">
             <a:avLst/>
@@ -3236,8 +3803,8 @@
         </p:nvSpPr>
         <p:spPr>
           <a:xfrm>
-            <a:off x="4195425" y="7590838"/>
-            <a:ext cx="1336596" cy="436037"/>
+            <a:off x="4195425" y="5672162"/>
+            <a:ext cx="1336596" cy="325823"/>
           </a:xfrm>
           <a:prstGeom prst="rect">
             <a:avLst/>
@@ -3268,23 +3835,23 @@
     </p:spTree>
     <p:extLst>
       <p:ext uri="{BB962C8B-B14F-4D97-AF65-F5344CB8AC3E}">
-        <p14:creationId xmlns:p14="http://schemas.microsoft.com/office/powerpoint/2010/main" val="4025464078"/>
+        <p14:creationId xmlns:p14="http://schemas.microsoft.com/office/powerpoint/2010/main" val="1152156361"/>
       </p:ext>
     </p:extLst>
   </p:cSld>
   <p:clrMap bg1="lt1" tx1="dk1" bg2="lt2" tx2="dk2" accent1="accent1" accent2="accent2" accent3="accent3" accent4="accent4" accent5="accent5" accent6="accent6" hlink="hlink" folHlink="folHlink"/>
   <p:sldLayoutIdLst>
-    <p:sldLayoutId id="2147483721" r:id="rId1"/>
-    <p:sldLayoutId id="2147483722" r:id="rId2"/>
-    <p:sldLayoutId id="2147483723" r:id="rId3"/>
-    <p:sldLayoutId id="2147483724" r:id="rId4"/>
-    <p:sldLayoutId id="2147483725" r:id="rId5"/>
-    <p:sldLayoutId id="2147483726" r:id="rId6"/>
-    <p:sldLayoutId id="2147483727" r:id="rId7"/>
-    <p:sldLayoutId id="2147483728" r:id="rId8"/>
-    <p:sldLayoutId id="2147483729" r:id="rId9"/>
-    <p:sldLayoutId id="2147483730" r:id="rId10"/>
-    <p:sldLayoutId id="2147483731" r:id="rId11"/>
+    <p:sldLayoutId id="2147483733" r:id="rId1"/>
+    <p:sldLayoutId id="2147483734" r:id="rId2"/>
+    <p:sldLayoutId id="2147483735" r:id="rId3"/>
+    <p:sldLayoutId id="2147483736" r:id="rId4"/>
+    <p:sldLayoutId id="2147483737" r:id="rId5"/>
+    <p:sldLayoutId id="2147483738" r:id="rId6"/>
+    <p:sldLayoutId id="2147483739" r:id="rId7"/>
+    <p:sldLayoutId id="2147483740" r:id="rId8"/>
+    <p:sldLayoutId id="2147483741" r:id="rId9"/>
+    <p:sldLayoutId id="2147483742" r:id="rId10"/>
+    <p:sldLayoutId id="2147483743" r:id="rId11"/>
   </p:sldLayoutIdLst>
   <p:txStyles>
     <p:titleStyle>
@@ -3588,10 +4155,10 @@
       </p:grpSpPr>
       <p:sp>
         <p:nvSpPr>
-          <p:cNvPr id="61" name="TextBox 60">
+          <p:cNvPr id="4" name="TextBox 3">
             <a:extLst>
               <a:ext uri="{FF2B5EF4-FFF2-40B4-BE49-F238E27FC236}">
-                <a16:creationId xmlns:a16="http://schemas.microsoft.com/office/drawing/2014/main" id="{20FF7BAB-47B6-DC9B-1471-10D1EBB6DE78}"/>
+                <a16:creationId xmlns:a16="http://schemas.microsoft.com/office/drawing/2014/main" id="{8820EC8A-F4B1-23E0-AC09-60AA14DF218E}"/>
               </a:ext>
             </a:extLst>
           </p:cNvPr>
@@ -3600,8 +4167,8 @@
         </p:nvSpPr>
         <p:spPr>
           <a:xfrm>
-            <a:off x="-61498" y="-31242"/>
-            <a:ext cx="6013792" cy="523220"/>
+            <a:off x="-61498" y="-43068"/>
+            <a:ext cx="6001923" cy="400110"/>
           </a:xfrm>
           <a:prstGeom prst="rect">
             <a:avLst/>
@@ -3620,7 +4187,7 @@
               </a:spcBef>
             </a:pPr>
             <a:r>
-              <a:rPr lang="en-US" sz="1400" b="1" dirty="0">
+              <a:rPr lang="en-US" sz="1000" b="1" dirty="0">
                 <a:solidFill>
                   <a:schemeClr val="tx1">
                     <a:lumMod val="85000"/>
@@ -3640,7 +4207,7 @@
               </a:spcBef>
             </a:pPr>
             <a:r>
-              <a:rPr lang="en-US" sz="1400" dirty="0">
+              <a:rPr lang="en-US" sz="1000" dirty="0">
                 <a:solidFill>
                   <a:schemeClr val="tx1">
                     <a:lumMod val="85000"/>
@@ -3652,7 +4219,7 @@
               </a:rPr>
               <a:t>Mapping function and decision tree</a:t>
             </a:r>
-            <a:endParaRPr lang="en-GB" sz="1400" dirty="0">
+            <a:endParaRPr lang="en-GB" sz="1000" dirty="0">
               <a:solidFill>
                 <a:schemeClr val="tx1">
                   <a:lumMod val="85000"/>
@@ -3667,10 +4234,10 @@
       </p:sp>
       <p:sp>
         <p:nvSpPr>
-          <p:cNvPr id="62" name="TextBox 61">
+          <p:cNvPr id="5" name="TextBox 4">
             <a:extLst>
               <a:ext uri="{FF2B5EF4-FFF2-40B4-BE49-F238E27FC236}">
-                <a16:creationId xmlns:a16="http://schemas.microsoft.com/office/drawing/2014/main" id="{520D5701-7F3D-5B10-826F-8DED129EA10E}"/>
+                <a16:creationId xmlns:a16="http://schemas.microsoft.com/office/drawing/2014/main" id="{23E91541-D049-B518-C49C-86D0BD4FBCA2}"/>
               </a:ext>
             </a:extLst>
           </p:cNvPr>
@@ -3679,8 +4246,8 @@
         </p:nvSpPr>
         <p:spPr>
           <a:xfrm>
-            <a:off x="-61498" y="466968"/>
-            <a:ext cx="6013792" cy="400110"/>
+            <a:off x="-65373" y="327862"/>
+            <a:ext cx="6013792" cy="338554"/>
           </a:xfrm>
           <a:prstGeom prst="rect">
             <a:avLst/>
@@ -3699,7 +4266,7 @@
               </a:spcBef>
             </a:pPr>
             <a:r>
-              <a:rPr lang="en-US" sz="1000" dirty="0">
+              <a:rPr lang="en-US" sz="800" dirty="0">
                 <a:solidFill>
                   <a:schemeClr val="tx1">
                     <a:lumMod val="65000"/>
@@ -3711,7 +4278,7 @@
               </a:rPr>
               <a:t>(a) Error formulation for accumulated variables (Forecast Error Ratio, FER), and errors’ distribution for all cases in the training dataset (Mapping Function, MF)</a:t>
             </a:r>
-            <a:endParaRPr lang="en-GB" sz="1000" dirty="0">
+            <a:endParaRPr lang="en-GB" sz="800" dirty="0">
               <a:solidFill>
                 <a:schemeClr val="tx1">
                   <a:lumMod val="65000"/>
@@ -3724,72 +4291,12 @@
           </a:p>
         </p:txBody>
       </p:sp>
-      <p:pic>
-        <p:nvPicPr>
-          <p:cNvPr id="63" name="Picture 62">
+      <p:sp>
+        <p:nvSpPr>
+          <p:cNvPr id="6" name="TextBox 5">
             <a:extLst>
               <a:ext uri="{FF2B5EF4-FFF2-40B4-BE49-F238E27FC236}">
-                <a16:creationId xmlns:a16="http://schemas.microsoft.com/office/drawing/2014/main" id="{054FF7A4-BF32-5527-D8ED-63FA9618621F}"/>
-              </a:ext>
-            </a:extLst>
-          </p:cNvPr>
-          <p:cNvPicPr>
-            <a:picLocks noChangeAspect="1"/>
-          </p:cNvPicPr>
-          <p:nvPr/>
-        </p:nvPicPr>
-        <p:blipFill>
-          <a:blip r:embed="rId2"/>
-          <a:stretch>
-            <a:fillRect/>
-          </a:stretch>
-        </p:blipFill>
-        <p:spPr>
-          <a:xfrm>
-            <a:off x="26527" y="1142857"/>
-            <a:ext cx="1394833" cy="1324387"/>
-          </a:xfrm>
-          <a:prstGeom prst="rect">
-            <a:avLst/>
-          </a:prstGeom>
-        </p:spPr>
-      </p:pic>
-      <p:pic>
-        <p:nvPicPr>
-          <p:cNvPr id="64" name="Picture 63">
-            <a:extLst>
-              <a:ext uri="{FF2B5EF4-FFF2-40B4-BE49-F238E27FC236}">
-                <a16:creationId xmlns:a16="http://schemas.microsoft.com/office/drawing/2014/main" id="{75F58BB9-DA20-3611-5A0B-EB3E76244253}"/>
-              </a:ext>
-            </a:extLst>
-          </p:cNvPr>
-          <p:cNvPicPr>
-            <a:picLocks noChangeAspect="1"/>
-          </p:cNvPicPr>
-          <p:nvPr/>
-        </p:nvPicPr>
-        <p:blipFill>
-          <a:blip r:embed="rId3"/>
-          <a:stretch>
-            <a:fillRect/>
-          </a:stretch>
-        </p:blipFill>
-        <p:spPr>
-          <a:xfrm>
-            <a:off x="1495426" y="867078"/>
-            <a:ext cx="4410462" cy="2333145"/>
-          </a:xfrm>
-          <a:prstGeom prst="rect">
-            <a:avLst/>
-          </a:prstGeom>
-        </p:spPr>
-      </p:pic>
-      <p:sp>
-        <p:nvSpPr>
-          <p:cNvPr id="65" name="TextBox 64">
-            <a:extLst>
-              <a:ext uri="{FF2B5EF4-FFF2-40B4-BE49-F238E27FC236}">
-                <a16:creationId xmlns:a16="http://schemas.microsoft.com/office/drawing/2014/main" id="{1FD2D555-4848-ADE8-60F1-4D21ED0C26ED}"/>
+                <a16:creationId xmlns:a16="http://schemas.microsoft.com/office/drawing/2014/main" id="{FB6688C3-6D21-88C8-D726-85D286F8BBD3}"/>
               </a:ext>
             </a:extLst>
           </p:cNvPr>
@@ -3798,8 +4305,8 @@
         </p:nvSpPr>
         <p:spPr>
           <a:xfrm>
-            <a:off x="-61497" y="3260558"/>
-            <a:ext cx="6013792" cy="400110"/>
+            <a:off x="-61499" y="2852098"/>
+            <a:ext cx="6009918" cy="215444"/>
           </a:xfrm>
           <a:prstGeom prst="rect">
             <a:avLst/>
@@ -3818,7 +4325,7 @@
               </a:spcBef>
             </a:pPr>
             <a:r>
-              <a:rPr lang="en-US" sz="1000" dirty="0">
+              <a:rPr lang="en-US" sz="800" dirty="0">
                 <a:solidFill>
                   <a:schemeClr val="tx1">
                     <a:lumMod val="65000"/>
@@ -3830,15 +4337,85 @@
               </a:rPr>
               <a:t>(b) Univariate and multivariate ecPoint represented, respectively, as a “single-leaf” and “multiple-leaf” decision tree (DT) </a:t>
             </a:r>
+            <a:endParaRPr lang="en-GB" sz="800" dirty="0">
+              <a:solidFill>
+                <a:schemeClr val="tx1">
+                  <a:lumMod val="65000"/>
+                  <a:lumOff val="35000"/>
+                </a:schemeClr>
+              </a:solidFill>
+              <a:ea typeface="Calibri Light" panose="020F0302020204030204" pitchFamily="34" charset="0"/>
+              <a:cs typeface="Calibri Light" panose="020F0302020204030204" pitchFamily="34" charset="0"/>
+            </a:endParaRPr>
           </a:p>
         </p:txBody>
       </p:sp>
       <p:pic>
         <p:nvPicPr>
-          <p:cNvPr id="66" name="Picture 65">
+          <p:cNvPr id="7" name="Picture 6">
             <a:extLst>
               <a:ext uri="{FF2B5EF4-FFF2-40B4-BE49-F238E27FC236}">
-                <a16:creationId xmlns:a16="http://schemas.microsoft.com/office/drawing/2014/main" id="{EF53FD3E-3C69-7B2D-9EFA-5B799A595DFE}"/>
+                <a16:creationId xmlns:a16="http://schemas.microsoft.com/office/drawing/2014/main" id="{DFA8B636-1A2E-E908-AC74-B3BB2C9A2E45}"/>
+              </a:ext>
+            </a:extLst>
+          </p:cNvPr>
+          <p:cNvPicPr>
+            <a:picLocks noChangeAspect="1"/>
+          </p:cNvPicPr>
+          <p:nvPr/>
+        </p:nvPicPr>
+        <p:blipFill>
+          <a:blip r:embed="rId2"/>
+          <a:stretch>
+            <a:fillRect/>
+          </a:stretch>
+        </p:blipFill>
+        <p:spPr>
+          <a:xfrm>
+            <a:off x="1590755" y="546997"/>
+            <a:ext cx="4349670" cy="2303359"/>
+          </a:xfrm>
+          <a:prstGeom prst="rect">
+            <a:avLst/>
+          </a:prstGeom>
+        </p:spPr>
+      </p:pic>
+      <p:pic>
+        <p:nvPicPr>
+          <p:cNvPr id="13" name="Picture 12">
+            <a:extLst>
+              <a:ext uri="{FF2B5EF4-FFF2-40B4-BE49-F238E27FC236}">
+                <a16:creationId xmlns:a16="http://schemas.microsoft.com/office/drawing/2014/main" id="{AB85EF3C-7822-B876-6CD0-734E151CD553}"/>
+              </a:ext>
+            </a:extLst>
+          </p:cNvPr>
+          <p:cNvPicPr>
+            <a:picLocks noChangeAspect="1"/>
+          </p:cNvPicPr>
+          <p:nvPr/>
+        </p:nvPicPr>
+        <p:blipFill>
+          <a:blip r:embed="rId3"/>
+          <a:stretch>
+            <a:fillRect/>
+          </a:stretch>
+        </p:blipFill>
+        <p:spPr>
+          <a:xfrm>
+            <a:off x="-65373" y="697739"/>
+            <a:ext cx="1731414" cy="1579001"/>
+          </a:xfrm>
+          <a:prstGeom prst="rect">
+            <a:avLst/>
+          </a:prstGeom>
+        </p:spPr>
+      </p:pic>
+      <p:pic>
+        <p:nvPicPr>
+          <p:cNvPr id="14" name="Picture 13">
+            <a:extLst>
+              <a:ext uri="{FF2B5EF4-FFF2-40B4-BE49-F238E27FC236}">
+                <a16:creationId xmlns:a16="http://schemas.microsoft.com/office/drawing/2014/main" id="{4171B20D-7A0C-B997-A8B3-C40F05F85190}"/>
               </a:ext>
             </a:extLst>
           </p:cNvPr>
@@ -3855,8 +4432,8 @@
         </p:blipFill>
         <p:spPr>
           <a:xfrm>
-            <a:off x="-1" y="3635658"/>
-            <a:ext cx="5940425" cy="4556966"/>
+            <a:off x="991804" y="3067542"/>
+            <a:ext cx="3956816" cy="3031801"/>
           </a:xfrm>
           <a:prstGeom prst="rect">
             <a:avLst/>
@@ -3866,7 +4443,7 @@
     </p:spTree>
     <p:extLst>
       <p:ext uri="{BB962C8B-B14F-4D97-AF65-F5344CB8AC3E}">
-        <p14:creationId xmlns:p14="http://schemas.microsoft.com/office/powerpoint/2010/main" val="1173365369"/>
+        <p14:creationId xmlns:p14="http://schemas.microsoft.com/office/powerpoint/2010/main" val="1780727694"/>
       </p:ext>
     </p:extLst>
   </p:cSld>
@@ -3895,10 +4472,10 @@
       </p:grpSpPr>
       <p:grpSp>
         <p:nvGrpSpPr>
-          <p:cNvPr id="844" name="Group 843">
+          <p:cNvPr id="977" name="Group 976">
             <a:extLst>
               <a:ext uri="{FF2B5EF4-FFF2-40B4-BE49-F238E27FC236}">
-                <a16:creationId xmlns:a16="http://schemas.microsoft.com/office/drawing/2014/main" id="{0E67CE3E-3694-1A7E-A73B-013E15A5E2C9}"/>
+                <a16:creationId xmlns:a16="http://schemas.microsoft.com/office/drawing/2014/main" id="{0C76E4B1-E656-AD06-A0B0-BDC9DF18E707}"/>
               </a:ext>
             </a:extLst>
           </p:cNvPr>
@@ -3907,15 +4484,15 @@
         </p:nvGrpSpPr>
         <p:grpSpPr>
           <a:xfrm>
-            <a:off x="1595879" y="191376"/>
+            <a:off x="312510" y="2251663"/>
             <a:ext cx="5257505" cy="2765563"/>
-            <a:chOff x="1595878" y="668419"/>
+            <a:chOff x="312510" y="2251663"/>
             <a:chExt cx="5257505" cy="2765563"/>
           </a:xfrm>
         </p:grpSpPr>
         <p:sp>
           <p:nvSpPr>
-            <p:cNvPr id="779" name="TextBox 778">
+            <p:cNvPr id="4" name="TextBox 3">
               <a:extLst>
                 <a:ext uri="{FF2B5EF4-FFF2-40B4-BE49-F238E27FC236}">
                   <a16:creationId xmlns:a16="http://schemas.microsoft.com/office/drawing/2014/main" id="{EF0F9670-B9DC-3A8F-9F02-A2C0701FD1FA}"/>
@@ -3927,7 +4504,7 @@
           </p:nvSpPr>
           <p:spPr>
             <a:xfrm rot="16200000">
-              <a:off x="695239" y="1672221"/>
+              <a:off x="-588129" y="3255465"/>
               <a:ext cx="2016721" cy="215444"/>
             </a:xfrm>
             <a:prstGeom prst="rect">
@@ -3960,7 +4537,7 @@
         </p:sp>
         <p:pic>
           <p:nvPicPr>
-            <p:cNvPr id="780" name="Picture 779">
+            <p:cNvPr id="5" name="Picture 4">
               <a:extLst>
                 <a:ext uri="{FF2B5EF4-FFF2-40B4-BE49-F238E27FC236}">
                   <a16:creationId xmlns:a16="http://schemas.microsoft.com/office/drawing/2014/main" id="{8627EE3F-3DF7-20A6-E100-6B8CFCFCDC21}"/>
@@ -3979,7 +4556,7 @@
           </p:blipFill>
           <p:spPr>
             <a:xfrm>
-              <a:off x="1994063" y="771584"/>
+              <a:off x="710695" y="2354828"/>
               <a:ext cx="4859320" cy="2059447"/>
             </a:xfrm>
             <a:prstGeom prst="rect">
@@ -3989,7 +4566,7 @@
         </p:pic>
         <p:sp>
           <p:nvSpPr>
-            <p:cNvPr id="781" name="Rectangle 780">
+            <p:cNvPr id="6" name="Rectangle 5">
               <a:extLst>
                 <a:ext uri="{FF2B5EF4-FFF2-40B4-BE49-F238E27FC236}">
                   <a16:creationId xmlns:a16="http://schemas.microsoft.com/office/drawing/2014/main" id="{6C4BD190-4A31-4B05-5804-402F2B2986C3}"/>
@@ -4001,7 +4578,7 @@
           </p:nvSpPr>
           <p:spPr>
             <a:xfrm>
-              <a:off x="2061871" y="889397"/>
+              <a:off x="778503" y="2472641"/>
               <a:ext cx="2661540" cy="1388651"/>
             </a:xfrm>
             <a:prstGeom prst="rect">
@@ -4049,7 +4626,7 @@
         </p:sp>
         <p:sp>
           <p:nvSpPr>
-            <p:cNvPr id="782" name="Rectangle 781">
+            <p:cNvPr id="7" name="Rectangle 6">
               <a:extLst>
                 <a:ext uri="{FF2B5EF4-FFF2-40B4-BE49-F238E27FC236}">
                   <a16:creationId xmlns:a16="http://schemas.microsoft.com/office/drawing/2014/main" id="{2B699000-ED7E-C2F2-63FB-1C6BD14392C8}"/>
@@ -4061,7 +4638,7 @@
           </p:nvSpPr>
           <p:spPr>
             <a:xfrm>
-              <a:off x="3061164" y="1100747"/>
+              <a:off x="1777796" y="2683991"/>
               <a:ext cx="331426" cy="1388651"/>
             </a:xfrm>
             <a:prstGeom prst="rect">
@@ -4109,7 +4686,7 @@
         </p:sp>
         <p:sp>
           <p:nvSpPr>
-            <p:cNvPr id="783" name="Rectangle 782">
+            <p:cNvPr id="8" name="Rectangle 7">
               <a:extLst>
                 <a:ext uri="{FF2B5EF4-FFF2-40B4-BE49-F238E27FC236}">
                   <a16:creationId xmlns:a16="http://schemas.microsoft.com/office/drawing/2014/main" id="{70AE80CA-AA85-D6FC-EB86-E2B842DBB6D2}"/>
@@ -4121,7 +4698,7 @@
           </p:nvSpPr>
           <p:spPr>
             <a:xfrm>
-              <a:off x="4609791" y="1318249"/>
+              <a:off x="3326423" y="2901493"/>
               <a:ext cx="2164332" cy="1417310"/>
             </a:xfrm>
             <a:prstGeom prst="rect">
@@ -4169,7 +4746,7 @@
         </p:sp>
         <p:sp>
           <p:nvSpPr>
-            <p:cNvPr id="784" name="Rectangle 783">
+            <p:cNvPr id="9" name="Rectangle 8">
               <a:extLst>
                 <a:ext uri="{FF2B5EF4-FFF2-40B4-BE49-F238E27FC236}">
                   <a16:creationId xmlns:a16="http://schemas.microsoft.com/office/drawing/2014/main" id="{F52FF645-5230-0124-ABD4-9D75899ED511}"/>
@@ -4181,7 +4758,7 @@
           </p:nvSpPr>
           <p:spPr>
             <a:xfrm>
-              <a:off x="4846274" y="1399655"/>
+              <a:off x="3562906" y="2982899"/>
               <a:ext cx="37798" cy="1388651"/>
             </a:xfrm>
             <a:prstGeom prst="rect">
@@ -4229,7 +4806,7 @@
         </p:sp>
         <p:sp>
           <p:nvSpPr>
-            <p:cNvPr id="785" name="TextBox 784">
+            <p:cNvPr id="10" name="TextBox 9">
               <a:extLst>
                 <a:ext uri="{FF2B5EF4-FFF2-40B4-BE49-F238E27FC236}">
                   <a16:creationId xmlns:a16="http://schemas.microsoft.com/office/drawing/2014/main" id="{25CF370B-5B63-69E2-972C-955347231647}"/>
@@ -4241,7 +4818,7 @@
           </p:nvSpPr>
           <p:spPr>
             <a:xfrm>
-              <a:off x="1994063" y="3218538"/>
+              <a:off x="710695" y="4801782"/>
               <a:ext cx="4851645" cy="215444"/>
             </a:xfrm>
             <a:prstGeom prst="rect">
@@ -4278,7 +4855,7 @@
         </p:sp>
         <p:sp>
           <p:nvSpPr>
-            <p:cNvPr id="786" name="TextBox 785">
+            <p:cNvPr id="11" name="TextBox 10">
               <a:extLst>
                 <a:ext uri="{FF2B5EF4-FFF2-40B4-BE49-F238E27FC236}">
                   <a16:creationId xmlns:a16="http://schemas.microsoft.com/office/drawing/2014/main" id="{E34E8169-914B-50F7-97EC-E135BD3EC066}"/>
@@ -4290,7 +4867,7 @@
           </p:nvSpPr>
           <p:spPr>
             <a:xfrm>
-              <a:off x="1705407" y="1892923"/>
+              <a:off x="422039" y="3476167"/>
               <a:ext cx="360000" cy="215444"/>
             </a:xfrm>
             <a:prstGeom prst="rect">
@@ -4327,7 +4904,7 @@
         </p:sp>
         <p:sp>
           <p:nvSpPr>
-            <p:cNvPr id="787" name="TextBox 786">
+            <p:cNvPr id="12" name="TextBox 11">
               <a:extLst>
                 <a:ext uri="{FF2B5EF4-FFF2-40B4-BE49-F238E27FC236}">
                   <a16:creationId xmlns:a16="http://schemas.microsoft.com/office/drawing/2014/main" id="{76A7B3DF-0818-6724-1275-A9CC71FA91BA}"/>
@@ -4339,7 +4916,7 @@
           </p:nvSpPr>
           <p:spPr>
             <a:xfrm>
-              <a:off x="1705407" y="2097007"/>
+              <a:off x="422039" y="3680251"/>
               <a:ext cx="360000" cy="215444"/>
             </a:xfrm>
             <a:prstGeom prst="rect">
@@ -4376,7 +4953,7 @@
         </p:sp>
         <p:sp>
           <p:nvSpPr>
-            <p:cNvPr id="788" name="TextBox 787">
+            <p:cNvPr id="13" name="TextBox 12">
               <a:extLst>
                 <a:ext uri="{FF2B5EF4-FFF2-40B4-BE49-F238E27FC236}">
                   <a16:creationId xmlns:a16="http://schemas.microsoft.com/office/drawing/2014/main" id="{B35FEF63-C192-14DF-107D-C62BA44F1ED8}"/>
@@ -4388,7 +4965,7 @@
           </p:nvSpPr>
           <p:spPr>
             <a:xfrm>
-              <a:off x="1705407" y="2301091"/>
+              <a:off x="422039" y="3884335"/>
               <a:ext cx="360000" cy="215444"/>
             </a:xfrm>
             <a:prstGeom prst="rect">
@@ -4425,7 +5002,7 @@
         </p:sp>
         <p:sp>
           <p:nvSpPr>
-            <p:cNvPr id="789" name="TextBox 788">
+            <p:cNvPr id="14" name="TextBox 13">
               <a:extLst>
                 <a:ext uri="{FF2B5EF4-FFF2-40B4-BE49-F238E27FC236}">
                   <a16:creationId xmlns:a16="http://schemas.microsoft.com/office/drawing/2014/main" id="{F82216EF-4E08-7523-1C33-63C93BFE2023}"/>
@@ -4437,7 +5014,7 @@
           </p:nvSpPr>
           <p:spPr>
             <a:xfrm>
-              <a:off x="1705407" y="2505175"/>
+              <a:off x="422039" y="4088419"/>
               <a:ext cx="360000" cy="215444"/>
             </a:xfrm>
             <a:prstGeom prst="rect">
@@ -4474,7 +5051,7 @@
         </p:sp>
         <p:sp>
           <p:nvSpPr>
-            <p:cNvPr id="790" name="TextBox 789">
+            <p:cNvPr id="15" name="TextBox 14">
               <a:extLst>
                 <a:ext uri="{FF2B5EF4-FFF2-40B4-BE49-F238E27FC236}">
                   <a16:creationId xmlns:a16="http://schemas.microsoft.com/office/drawing/2014/main" id="{959F2136-11A8-B5AD-410C-A45BBF48D851}"/>
@@ -4486,7 +5063,7 @@
           </p:nvSpPr>
           <p:spPr>
             <a:xfrm>
-              <a:off x="1705407" y="2709262"/>
+              <a:off x="422039" y="4292506"/>
               <a:ext cx="360000" cy="215444"/>
             </a:xfrm>
             <a:prstGeom prst="rect">
@@ -4523,7 +5100,7 @@
         </p:sp>
         <p:sp>
           <p:nvSpPr>
-            <p:cNvPr id="791" name="TextBox 790">
+            <p:cNvPr id="16" name="TextBox 15">
               <a:extLst>
                 <a:ext uri="{FF2B5EF4-FFF2-40B4-BE49-F238E27FC236}">
                   <a16:creationId xmlns:a16="http://schemas.microsoft.com/office/drawing/2014/main" id="{9DEEF733-7C45-DAAD-23CD-418D914A59FF}"/>
@@ -4535,7 +5112,7 @@
           </p:nvSpPr>
           <p:spPr>
             <a:xfrm>
-              <a:off x="1705407" y="668419"/>
+              <a:off x="422039" y="2251663"/>
               <a:ext cx="360000" cy="215444"/>
             </a:xfrm>
             <a:prstGeom prst="rect">
@@ -4572,7 +5149,7 @@
         </p:sp>
         <p:sp>
           <p:nvSpPr>
-            <p:cNvPr id="792" name="TextBox 791">
+            <p:cNvPr id="559" name="TextBox 558">
               <a:extLst>
                 <a:ext uri="{FF2B5EF4-FFF2-40B4-BE49-F238E27FC236}">
                   <a16:creationId xmlns:a16="http://schemas.microsoft.com/office/drawing/2014/main" id="{8179F2E5-C6FF-A5D5-BBF7-88A77515CE9A}"/>
@@ -4584,7 +5161,7 @@
           </p:nvSpPr>
           <p:spPr>
             <a:xfrm>
-              <a:off x="1705407" y="872503"/>
+              <a:off x="422039" y="2455747"/>
               <a:ext cx="360000" cy="215444"/>
             </a:xfrm>
             <a:prstGeom prst="rect">
@@ -4621,7 +5198,7 @@
         </p:sp>
         <p:sp>
           <p:nvSpPr>
-            <p:cNvPr id="793" name="TextBox 792">
+            <p:cNvPr id="560" name="TextBox 559">
               <a:extLst>
                 <a:ext uri="{FF2B5EF4-FFF2-40B4-BE49-F238E27FC236}">
                   <a16:creationId xmlns:a16="http://schemas.microsoft.com/office/drawing/2014/main" id="{63D808C7-5C6B-D60D-6E22-CD14550D35D5}"/>
@@ -4633,7 +5210,7 @@
           </p:nvSpPr>
           <p:spPr>
             <a:xfrm>
-              <a:off x="1705407" y="1076587"/>
+              <a:off x="422039" y="2659831"/>
               <a:ext cx="360000" cy="215444"/>
             </a:xfrm>
             <a:prstGeom prst="rect">
@@ -4670,7 +5247,7 @@
         </p:sp>
         <p:sp>
           <p:nvSpPr>
-            <p:cNvPr id="794" name="TextBox 793">
+            <p:cNvPr id="561" name="TextBox 560">
               <a:extLst>
                 <a:ext uri="{FF2B5EF4-FFF2-40B4-BE49-F238E27FC236}">
                   <a16:creationId xmlns:a16="http://schemas.microsoft.com/office/drawing/2014/main" id="{78D33D84-34D1-8387-09A4-1EA34B3769AE}"/>
@@ -4682,7 +5259,7 @@
           </p:nvSpPr>
           <p:spPr>
             <a:xfrm>
-              <a:off x="1705407" y="1280671"/>
+              <a:off x="422039" y="2863915"/>
               <a:ext cx="360000" cy="215444"/>
             </a:xfrm>
             <a:prstGeom prst="rect">
@@ -4719,7 +5296,7 @@
         </p:sp>
         <p:sp>
           <p:nvSpPr>
-            <p:cNvPr id="795" name="TextBox 794">
+            <p:cNvPr id="562" name="TextBox 561">
               <a:extLst>
                 <a:ext uri="{FF2B5EF4-FFF2-40B4-BE49-F238E27FC236}">
                   <a16:creationId xmlns:a16="http://schemas.microsoft.com/office/drawing/2014/main" id="{CF03BAB7-135C-B9F3-96FF-651D618D3550}"/>
@@ -4731,7 +5308,7 @@
           </p:nvSpPr>
           <p:spPr>
             <a:xfrm>
-              <a:off x="1705407" y="1484755"/>
+              <a:off x="422039" y="3067999"/>
               <a:ext cx="360000" cy="215444"/>
             </a:xfrm>
             <a:prstGeom prst="rect">
@@ -4768,7 +5345,7 @@
         </p:sp>
         <p:sp>
           <p:nvSpPr>
-            <p:cNvPr id="796" name="TextBox 795">
+            <p:cNvPr id="563" name="TextBox 562">
               <a:extLst>
                 <a:ext uri="{FF2B5EF4-FFF2-40B4-BE49-F238E27FC236}">
                   <a16:creationId xmlns:a16="http://schemas.microsoft.com/office/drawing/2014/main" id="{B306662D-3F1D-5B27-8F69-3A6869877878}"/>
@@ -4780,7 +5357,7 @@
           </p:nvSpPr>
           <p:spPr>
             <a:xfrm>
-              <a:off x="1705407" y="1688839"/>
+              <a:off x="422039" y="3272083"/>
               <a:ext cx="360000" cy="215444"/>
             </a:xfrm>
             <a:prstGeom prst="rect">
@@ -4817,7 +5394,7 @@
         </p:sp>
         <p:sp>
           <p:nvSpPr>
-            <p:cNvPr id="797" name="TextBox 796">
+            <p:cNvPr id="564" name="TextBox 563">
               <a:extLst>
                 <a:ext uri="{FF2B5EF4-FFF2-40B4-BE49-F238E27FC236}">
                   <a16:creationId xmlns:a16="http://schemas.microsoft.com/office/drawing/2014/main" id="{F5E3E7F2-74CD-62E3-8A5C-FD3614D4BEDA}"/>
@@ -4829,7 +5406,7 @@
           </p:nvSpPr>
           <p:spPr>
             <a:xfrm rot="18900000">
-              <a:off x="2103788" y="2818600"/>
+              <a:off x="820420" y="4401844"/>
               <a:ext cx="360000" cy="215444"/>
             </a:xfrm>
             <a:prstGeom prst="rect">
@@ -4876,7 +5453,7 @@
         </p:sp>
         <p:sp>
           <p:nvSpPr>
-            <p:cNvPr id="798" name="TextBox 797">
+            <p:cNvPr id="565" name="TextBox 564">
               <a:extLst>
                 <a:ext uri="{FF2B5EF4-FFF2-40B4-BE49-F238E27FC236}">
                   <a16:creationId xmlns:a16="http://schemas.microsoft.com/office/drawing/2014/main" id="{287280E2-7818-CACB-6252-370F82CEDBD5}"/>
@@ -4888,7 +5465,7 @@
           </p:nvSpPr>
           <p:spPr>
             <a:xfrm rot="18900000">
-              <a:off x="2065644" y="2948411"/>
+              <a:off x="782276" y="4531655"/>
               <a:ext cx="727162" cy="215444"/>
             </a:xfrm>
             <a:prstGeom prst="rect">
@@ -4935,7 +5512,7 @@
         </p:sp>
         <p:sp>
           <p:nvSpPr>
-            <p:cNvPr id="799" name="TextBox 798">
+            <p:cNvPr id="566" name="TextBox 565">
               <a:extLst>
                 <a:ext uri="{FF2B5EF4-FFF2-40B4-BE49-F238E27FC236}">
                   <a16:creationId xmlns:a16="http://schemas.microsoft.com/office/drawing/2014/main" id="{86089FEC-2278-C079-DCBB-7A50144475AB}"/>
@@ -4947,7 +5524,7 @@
           </p:nvSpPr>
           <p:spPr>
             <a:xfrm rot="18900000">
-              <a:off x="2314739" y="2978498"/>
+              <a:off x="1031371" y="4561742"/>
               <a:ext cx="812261" cy="215444"/>
             </a:xfrm>
             <a:prstGeom prst="rect">
@@ -4994,7 +5571,7 @@
         </p:sp>
         <p:sp>
           <p:nvSpPr>
-            <p:cNvPr id="800" name="TextBox 799">
+            <p:cNvPr id="567" name="TextBox 566">
               <a:extLst>
                 <a:ext uri="{FF2B5EF4-FFF2-40B4-BE49-F238E27FC236}">
                   <a16:creationId xmlns:a16="http://schemas.microsoft.com/office/drawing/2014/main" id="{6A5F783F-4454-E7E5-F050-00FCB38103F6}"/>
@@ -5006,7 +5583,7 @@
           </p:nvSpPr>
           <p:spPr>
             <a:xfrm rot="18900000">
-              <a:off x="2612375" y="2978498"/>
+              <a:off x="1329007" y="4561742"/>
               <a:ext cx="812261" cy="215444"/>
             </a:xfrm>
             <a:prstGeom prst="rect">
@@ -5026,7 +5603,7 @@
                 </a:spcBef>
               </a:pPr>
               <a:r>
-                <a:rPr lang="en-US" sz="800">
+                <a:rPr lang="en-US" sz="800" dirty="0">
                   <a:solidFill>
                     <a:schemeClr val="tx1">
                       <a:lumMod val="65000"/>
@@ -5038,7 +5615,7 @@
                 </a:rPr>
                 <a:t>-0.5 to -0.25</a:t>
               </a:r>
-              <a:endParaRPr lang="en-GB" sz="800">
+              <a:endParaRPr lang="en-GB" sz="800" dirty="0">
                 <a:solidFill>
                   <a:schemeClr val="tx1">
                     <a:lumMod val="65000"/>
@@ -5053,7 +5630,7 @@
         </p:sp>
         <p:sp>
           <p:nvSpPr>
-            <p:cNvPr id="801" name="TextBox 800">
+            <p:cNvPr id="568" name="TextBox 567">
               <a:extLst>
                 <a:ext uri="{FF2B5EF4-FFF2-40B4-BE49-F238E27FC236}">
                   <a16:creationId xmlns:a16="http://schemas.microsoft.com/office/drawing/2014/main" id="{15FD003F-BBD5-5F51-52AF-9E35B3EB33F9}"/>
@@ -5065,7 +5642,7 @@
           </p:nvSpPr>
           <p:spPr>
             <a:xfrm rot="18900000">
-              <a:off x="2929061" y="2978498"/>
+              <a:off x="1645693" y="4561742"/>
               <a:ext cx="812261" cy="215444"/>
             </a:xfrm>
             <a:prstGeom prst="rect">
@@ -5112,7 +5689,7 @@
         </p:sp>
         <p:sp>
           <p:nvSpPr>
-            <p:cNvPr id="802" name="TextBox 801">
+            <p:cNvPr id="569" name="TextBox 568">
               <a:extLst>
                 <a:ext uri="{FF2B5EF4-FFF2-40B4-BE49-F238E27FC236}">
                   <a16:creationId xmlns:a16="http://schemas.microsoft.com/office/drawing/2014/main" id="{6A8BD231-0C6E-38AC-84FD-01F3547E1375}"/>
@@ -5124,7 +5701,7 @@
           </p:nvSpPr>
           <p:spPr>
             <a:xfrm rot="18900000">
-              <a:off x="3217172" y="2978498"/>
+              <a:off x="1933804" y="4561742"/>
               <a:ext cx="812261" cy="215444"/>
             </a:xfrm>
             <a:prstGeom prst="rect">
@@ -5171,7 +5748,7 @@
         </p:sp>
         <p:sp>
           <p:nvSpPr>
-            <p:cNvPr id="803" name="TextBox 802">
+            <p:cNvPr id="570" name="TextBox 569">
               <a:extLst>
                 <a:ext uri="{FF2B5EF4-FFF2-40B4-BE49-F238E27FC236}">
                   <a16:creationId xmlns:a16="http://schemas.microsoft.com/office/drawing/2014/main" id="{032A67A3-654D-717D-0F1B-595346E199C9}"/>
@@ -5183,7 +5760,7 @@
           </p:nvSpPr>
           <p:spPr>
             <a:xfrm rot="18900000">
-              <a:off x="3514808" y="2978498"/>
+              <a:off x="2231440" y="4561742"/>
               <a:ext cx="812261" cy="215444"/>
             </a:xfrm>
             <a:prstGeom prst="rect">
@@ -5230,7 +5807,7 @@
         </p:sp>
         <p:sp>
           <p:nvSpPr>
-            <p:cNvPr id="804" name="TextBox 803">
+            <p:cNvPr id="571" name="TextBox 570">
               <a:extLst>
                 <a:ext uri="{FF2B5EF4-FFF2-40B4-BE49-F238E27FC236}">
                   <a16:creationId xmlns:a16="http://schemas.microsoft.com/office/drawing/2014/main" id="{EF3606A8-1D00-7F4E-24FF-0E81E2E75690}"/>
@@ -5242,7 +5819,7 @@
           </p:nvSpPr>
           <p:spPr>
             <a:xfrm rot="18900000">
-              <a:off x="3812444" y="2978498"/>
+              <a:off x="2529076" y="4561742"/>
               <a:ext cx="812261" cy="215444"/>
             </a:xfrm>
             <a:prstGeom prst="rect">
@@ -5289,7 +5866,7 @@
         </p:sp>
         <p:sp>
           <p:nvSpPr>
-            <p:cNvPr id="805" name="TextBox 804">
+            <p:cNvPr id="572" name="TextBox 571">
               <a:extLst>
                 <a:ext uri="{FF2B5EF4-FFF2-40B4-BE49-F238E27FC236}">
                   <a16:creationId xmlns:a16="http://schemas.microsoft.com/office/drawing/2014/main" id="{5CD3C202-C2E4-81A3-5E2C-5AE16B3A55D1}"/>
@@ -5301,7 +5878,7 @@
           </p:nvSpPr>
           <p:spPr>
             <a:xfrm rot="18900000">
-              <a:off x="4129130" y="2978498"/>
+              <a:off x="2845762" y="4561742"/>
               <a:ext cx="812261" cy="215444"/>
             </a:xfrm>
             <a:prstGeom prst="rect">
@@ -5348,7 +5925,7 @@
         </p:sp>
         <p:sp>
           <p:nvSpPr>
-            <p:cNvPr id="806" name="TextBox 805">
+            <p:cNvPr id="573" name="TextBox 572">
               <a:extLst>
                 <a:ext uri="{FF2B5EF4-FFF2-40B4-BE49-F238E27FC236}">
                   <a16:creationId xmlns:a16="http://schemas.microsoft.com/office/drawing/2014/main" id="{E6E4CB50-F552-CC10-F438-12FBED92FD68}"/>
@@ -5360,7 +5937,7 @@
           </p:nvSpPr>
           <p:spPr>
             <a:xfrm rot="18900000">
-              <a:off x="4429127" y="2978498"/>
+              <a:off x="3145759" y="4561742"/>
               <a:ext cx="812261" cy="215444"/>
             </a:xfrm>
             <a:prstGeom prst="rect">
@@ -5407,7 +5984,7 @@
         </p:sp>
         <p:sp>
           <p:nvSpPr>
-            <p:cNvPr id="807" name="TextBox 806">
+            <p:cNvPr id="574" name="TextBox 573">
               <a:extLst>
                 <a:ext uri="{FF2B5EF4-FFF2-40B4-BE49-F238E27FC236}">
                   <a16:creationId xmlns:a16="http://schemas.microsoft.com/office/drawing/2014/main" id="{B5BD08C9-137B-7E59-12B1-FDF198AABE7D}"/>
@@ -5419,7 +5996,7 @@
           </p:nvSpPr>
           <p:spPr>
             <a:xfrm rot="18900000">
-              <a:off x="4722041" y="2978498"/>
+              <a:off x="3438673" y="4561742"/>
               <a:ext cx="812261" cy="215444"/>
             </a:xfrm>
             <a:prstGeom prst="rect">
@@ -5466,7 +6043,7 @@
         </p:sp>
         <p:sp>
           <p:nvSpPr>
-            <p:cNvPr id="808" name="TextBox 807">
+            <p:cNvPr id="575" name="TextBox 574">
               <a:extLst>
                 <a:ext uri="{FF2B5EF4-FFF2-40B4-BE49-F238E27FC236}">
                   <a16:creationId xmlns:a16="http://schemas.microsoft.com/office/drawing/2014/main" id="{5A5A82FD-66EE-B741-55F4-53BE0A2A6018}"/>
@@ -5478,7 +6055,7 @@
           </p:nvSpPr>
           <p:spPr>
             <a:xfrm rot="18900000">
-              <a:off x="5041088" y="2978498"/>
+              <a:off x="3757720" y="4561742"/>
               <a:ext cx="812261" cy="215444"/>
             </a:xfrm>
             <a:prstGeom prst="rect">
@@ -5525,7 +6102,7 @@
         </p:sp>
         <p:sp>
           <p:nvSpPr>
-            <p:cNvPr id="809" name="TextBox 808">
+            <p:cNvPr id="704" name="TextBox 703">
               <a:extLst>
                 <a:ext uri="{FF2B5EF4-FFF2-40B4-BE49-F238E27FC236}">
                   <a16:creationId xmlns:a16="http://schemas.microsoft.com/office/drawing/2014/main" id="{485FDC7C-3DDA-2EED-D2B5-29D6F3DE0D39}"/>
@@ -5537,7 +6114,7 @@
           </p:nvSpPr>
           <p:spPr>
             <a:xfrm rot="18900000">
-              <a:off x="5338724" y="2978498"/>
+              <a:off x="4055356" y="4561742"/>
               <a:ext cx="812261" cy="215444"/>
             </a:xfrm>
             <a:prstGeom prst="rect">
@@ -5584,7 +6161,7 @@
         </p:sp>
         <p:sp>
           <p:nvSpPr>
-            <p:cNvPr id="810" name="TextBox 809">
+            <p:cNvPr id="705" name="TextBox 704">
               <a:extLst>
                 <a:ext uri="{FF2B5EF4-FFF2-40B4-BE49-F238E27FC236}">
                   <a16:creationId xmlns:a16="http://schemas.microsoft.com/office/drawing/2014/main" id="{847B5E79-0C69-8AC4-BEAC-E08FF089B9B0}"/>
@@ -5596,7 +6173,7 @@
           </p:nvSpPr>
           <p:spPr>
             <a:xfrm rot="18900000">
-              <a:off x="5646668" y="2978498"/>
+              <a:off x="4363300" y="4561742"/>
               <a:ext cx="812261" cy="215444"/>
             </a:xfrm>
             <a:prstGeom prst="rect">
@@ -5643,7 +6220,7 @@
         </p:sp>
         <p:sp>
           <p:nvSpPr>
-            <p:cNvPr id="811" name="TextBox 810">
+            <p:cNvPr id="706" name="TextBox 705">
               <a:extLst>
                 <a:ext uri="{FF2B5EF4-FFF2-40B4-BE49-F238E27FC236}">
                   <a16:creationId xmlns:a16="http://schemas.microsoft.com/office/drawing/2014/main" id="{C729B2FE-2F22-46F6-3E91-9BC0BE993564}"/>
@@ -5655,7 +6232,7 @@
           </p:nvSpPr>
           <p:spPr>
             <a:xfrm rot="18900000">
-              <a:off x="5944298" y="2978498"/>
+              <a:off x="4660930" y="4561742"/>
               <a:ext cx="812261" cy="215444"/>
             </a:xfrm>
             <a:prstGeom prst="rect">
@@ -5702,7 +6279,7 @@
         </p:sp>
         <p:cxnSp>
           <p:nvCxnSpPr>
-            <p:cNvPr id="812" name="Straight Arrow Connector 811">
+            <p:cNvPr id="707" name="Straight Arrow Connector 706">
               <a:extLst>
                 <a:ext uri="{FF2B5EF4-FFF2-40B4-BE49-F238E27FC236}">
                   <a16:creationId xmlns:a16="http://schemas.microsoft.com/office/drawing/2014/main" id="{8080C198-1846-D9B7-73D4-CEADD65F5EE0}"/>
@@ -5714,7 +6291,7 @@
           </p:nvCxnSpPr>
           <p:spPr>
             <a:xfrm flipV="1">
-              <a:off x="2316527" y="2087787"/>
+              <a:off x="1033159" y="3671031"/>
               <a:ext cx="0" cy="180000"/>
             </a:xfrm>
             <a:prstGeom prst="straightConnector1">
@@ -5748,7 +6325,7 @@
         </p:cxnSp>
         <p:sp>
           <p:nvSpPr>
-            <p:cNvPr id="813" name="TextBox 812">
+            <p:cNvPr id="708" name="TextBox 707">
               <a:extLst>
                 <a:ext uri="{FF2B5EF4-FFF2-40B4-BE49-F238E27FC236}">
                   <a16:creationId xmlns:a16="http://schemas.microsoft.com/office/drawing/2014/main" id="{124A1F7A-8D81-C4ED-1CF7-339111F3BD5A}"/>
@@ -5760,7 +6337,7 @@
           </p:nvSpPr>
           <p:spPr>
             <a:xfrm>
-              <a:off x="2077843" y="1742214"/>
+              <a:off x="794475" y="3325458"/>
               <a:ext cx="1501647" cy="338554"/>
             </a:xfrm>
             <a:prstGeom prst="rect">
@@ -5879,7 +6456,7 @@
         </p:sp>
         <p:cxnSp>
           <p:nvCxnSpPr>
-            <p:cNvPr id="814" name="Straight Arrow Connector 813">
+            <p:cNvPr id="709" name="Straight Arrow Connector 708">
               <a:extLst>
                 <a:ext uri="{FF2B5EF4-FFF2-40B4-BE49-F238E27FC236}">
                   <a16:creationId xmlns:a16="http://schemas.microsoft.com/office/drawing/2014/main" id="{B4CE250C-946B-E330-B4AE-0FCE02EAD020}"/>
@@ -5893,7 +6470,7 @@
           </p:nvCxnSpPr>
           <p:spPr>
             <a:xfrm>
-              <a:off x="3575277" y="1385841"/>
+              <a:off x="2291909" y="2969085"/>
               <a:ext cx="3168000" cy="0"/>
             </a:xfrm>
             <a:prstGeom prst="straightConnector1">
@@ -5927,7 +6504,7 @@
         </p:cxnSp>
         <p:cxnSp>
           <p:nvCxnSpPr>
-            <p:cNvPr id="815" name="Straight Arrow Connector 814">
+            <p:cNvPr id="710" name="Straight Arrow Connector 709">
               <a:extLst>
                 <a:ext uri="{FF2B5EF4-FFF2-40B4-BE49-F238E27FC236}">
                   <a16:creationId xmlns:a16="http://schemas.microsoft.com/office/drawing/2014/main" id="{CC802D79-A266-5EFF-0F53-EF76232B1898}"/>
@@ -5941,7 +6518,7 @@
           </p:nvCxnSpPr>
           <p:spPr>
             <a:xfrm flipH="1" flipV="1">
-              <a:off x="2077843" y="1385841"/>
+              <a:off x="794475" y="2969085"/>
               <a:ext cx="1400667" cy="0"/>
             </a:xfrm>
             <a:prstGeom prst="straightConnector1">
@@ -5975,7 +6552,7 @@
         </p:cxnSp>
         <p:sp>
           <p:nvSpPr>
-            <p:cNvPr id="816" name="TextBox 815">
+            <p:cNvPr id="711" name="TextBox 710">
               <a:extLst>
                 <a:ext uri="{FF2B5EF4-FFF2-40B4-BE49-F238E27FC236}">
                   <a16:creationId xmlns:a16="http://schemas.microsoft.com/office/drawing/2014/main" id="{45FE07C0-C8F5-141A-561A-067EAB2840E0}"/>
@@ -5987,7 +6564,7 @@
           </p:nvSpPr>
           <p:spPr>
             <a:xfrm>
-              <a:off x="1929355" y="1385841"/>
+              <a:off x="645987" y="2969085"/>
               <a:ext cx="1689732" cy="338554"/>
             </a:xfrm>
             <a:prstGeom prst="rect">
@@ -6106,7 +6683,7 @@
         </p:sp>
         <p:sp>
           <p:nvSpPr>
-            <p:cNvPr id="817" name="TextBox 816">
+            <p:cNvPr id="712" name="TextBox 711">
               <a:extLst>
                 <a:ext uri="{FF2B5EF4-FFF2-40B4-BE49-F238E27FC236}">
                   <a16:creationId xmlns:a16="http://schemas.microsoft.com/office/drawing/2014/main" id="{FCC45529-6055-C58D-5B60-13F401179F4A}"/>
@@ -6118,7 +6695,7 @@
           </p:nvSpPr>
           <p:spPr>
             <a:xfrm>
-              <a:off x="3525514" y="1366293"/>
+              <a:off x="2242146" y="2949537"/>
               <a:ext cx="3248609" cy="338554"/>
             </a:xfrm>
             <a:prstGeom prst="rect">
@@ -6237,7 +6814,7 @@
         </p:sp>
         <p:sp>
           <p:nvSpPr>
-            <p:cNvPr id="818" name="Left Brace 817">
+            <p:cNvPr id="713" name="Left Brace 712">
               <a:extLst>
                 <a:ext uri="{FF2B5EF4-FFF2-40B4-BE49-F238E27FC236}">
                   <a16:creationId xmlns:a16="http://schemas.microsoft.com/office/drawing/2014/main" id="{8C54A99F-18DF-C081-2270-42F08648AE8F}"/>
@@ -6249,7 +6826,7 @@
           </p:nvSpPr>
           <p:spPr>
             <a:xfrm rot="5400000">
-              <a:off x="5807373" y="1846158"/>
+              <a:off x="4524005" y="3429402"/>
               <a:ext cx="259108" cy="1515533"/>
             </a:xfrm>
             <a:prstGeom prst="leftBrace">
@@ -6302,7 +6879,7 @@
         </p:sp>
         <p:sp>
           <p:nvSpPr>
-            <p:cNvPr id="819" name="TextBox 818">
+            <p:cNvPr id="714" name="TextBox 713">
               <a:extLst>
                 <a:ext uri="{FF2B5EF4-FFF2-40B4-BE49-F238E27FC236}">
                   <a16:creationId xmlns:a16="http://schemas.microsoft.com/office/drawing/2014/main" id="{8F186772-691A-0E8C-AEB4-D9F790E022C0}"/>
@@ -6314,8 +6891,8 @@
           </p:nvSpPr>
           <p:spPr>
             <a:xfrm>
-              <a:off x="4121628" y="1943680"/>
-              <a:ext cx="2661540" cy="461665"/>
+              <a:off x="3895792" y="3351956"/>
+              <a:ext cx="1534618" cy="707886"/>
             </a:xfrm>
             <a:prstGeom prst="rect">
               <a:avLst/>
@@ -6328,7 +6905,7 @@
             </a:bodyPr>
             <a:lstStyle/>
             <a:p>
-              <a:pPr algn="r" defTabSz="914126" eaLnBrk="0" fontAlgn="base" hangingPunct="0">
+              <a:pPr algn="ctr" defTabSz="914126" eaLnBrk="0" fontAlgn="base" hangingPunct="0">
                 <a:spcBef>
                   <a:spcPct val="0"/>
                 </a:spcBef>
@@ -6387,7 +6964,7 @@
               </a:r>
             </a:p>
             <a:p>
-              <a:pPr algn="r" defTabSz="914126" eaLnBrk="0" fontAlgn="base" hangingPunct="0">
+              <a:pPr algn="ctr" defTabSz="914126" eaLnBrk="0" fontAlgn="base" hangingPunct="0">
                 <a:spcBef>
                   <a:spcPct val="0"/>
                 </a:spcBef>
@@ -6420,7 +6997,7 @@
         </p:sp>
         <p:sp>
           <p:nvSpPr>
-            <p:cNvPr id="820" name="TextBox 819">
+            <p:cNvPr id="715" name="TextBox 714">
               <a:extLst>
                 <a:ext uri="{FF2B5EF4-FFF2-40B4-BE49-F238E27FC236}">
                   <a16:creationId xmlns:a16="http://schemas.microsoft.com/office/drawing/2014/main" id="{152563CF-3D1E-959D-111B-AFA9001360B0}"/>
@@ -6432,7 +7009,7 @@
           </p:nvSpPr>
           <p:spPr>
             <a:xfrm>
-              <a:off x="2650246" y="893628"/>
+              <a:off x="1366878" y="2476872"/>
               <a:ext cx="1766262" cy="215444"/>
             </a:xfrm>
             <a:prstGeom prst="rect">
@@ -6518,7 +7095,7 @@
         </p:sp>
         <p:sp>
           <p:nvSpPr>
-            <p:cNvPr id="821" name="Rectangle 820">
+            <p:cNvPr id="716" name="Rectangle 715">
               <a:extLst>
                 <a:ext uri="{FF2B5EF4-FFF2-40B4-BE49-F238E27FC236}">
                   <a16:creationId xmlns:a16="http://schemas.microsoft.com/office/drawing/2014/main" id="{1F3AAFE2-0005-3FFA-D41B-11A4CB30E651}"/>
@@ -6530,7 +7107,7 @@
           </p:nvSpPr>
           <p:spPr>
             <a:xfrm>
-              <a:off x="3258025" y="2221499"/>
+              <a:off x="1974657" y="3804743"/>
               <a:ext cx="565751" cy="262396"/>
             </a:xfrm>
             <a:prstGeom prst="rect">
@@ -6579,7 +7156,7 @@
         </p:sp>
         <p:cxnSp>
           <p:nvCxnSpPr>
-            <p:cNvPr id="822" name="Straight Arrow Connector 821">
+            <p:cNvPr id="717" name="Straight Arrow Connector 716">
               <a:extLst>
                 <a:ext uri="{FF2B5EF4-FFF2-40B4-BE49-F238E27FC236}">
                   <a16:creationId xmlns:a16="http://schemas.microsoft.com/office/drawing/2014/main" id="{B9CB41C7-ADEF-1841-9020-336D07BC0DD2}"/>
@@ -6593,7 +7170,7 @@
           </p:nvCxnSpPr>
           <p:spPr>
             <a:xfrm flipH="1" flipV="1">
-              <a:off x="3525514" y="1094788"/>
+              <a:off x="2242146" y="2678032"/>
               <a:ext cx="0" cy="1368000"/>
             </a:xfrm>
             <a:prstGeom prst="straightConnector1">
@@ -6626,43 +7203,211 @@
           </p:style>
         </p:cxnSp>
       </p:grpSp>
-      <mc:AlternateContent xmlns:mc="http://schemas.openxmlformats.org/markup-compatibility/2006">
-        <mc:Choice xmlns:a14="http://schemas.microsoft.com/office/drawing/2010/main" Requires="a14">
-          <p:sp>
-            <p:nvSpPr>
-              <p:cNvPr id="823" name="TextBox 822">
-                <a:extLst>
-                  <a:ext uri="{FF2B5EF4-FFF2-40B4-BE49-F238E27FC236}">
-                    <a16:creationId xmlns:a16="http://schemas.microsoft.com/office/drawing/2014/main" id="{9A1A1337-286B-F58B-4806-26E1A4EBD115}"/>
-                  </a:ext>
-                </a:extLst>
-              </p:cNvPr>
-              <p:cNvSpPr txBox="1"/>
-              <p:nvPr/>
-            </p:nvSpPr>
-            <p:spPr>
-              <a:xfrm>
-                <a:off x="-65372" y="698822"/>
-                <a:ext cx="1689732" cy="348493"/>
-              </a:xfrm>
-              <a:prstGeom prst="rect">
-                <a:avLst/>
-              </a:prstGeom>
-              <a:noFill/>
-            </p:spPr>
-            <p:txBody>
-              <a:bodyPr wrap="square" rtlCol="0">
-                <a:spAutoFit/>
-              </a:bodyPr>
-              <a:lstStyle/>
-              <a:p>
-                <a:pPr algn="ctr" defTabSz="914126" eaLnBrk="0" fontAlgn="base" hangingPunct="0">
-                  <a:spcBef>
-                    <a:spcPct val="0"/>
-                  </a:spcBef>
-                </a:pPr>
-                <a:r>
-                  <a:rPr lang="en-US" sz="1000" b="1" dirty="0">
+      <p:grpSp>
+        <p:nvGrpSpPr>
+          <p:cNvPr id="976" name="Group 975">
+            <a:extLst>
+              <a:ext uri="{FF2B5EF4-FFF2-40B4-BE49-F238E27FC236}">
+                <a16:creationId xmlns:a16="http://schemas.microsoft.com/office/drawing/2014/main" id="{82A83032-B90D-0800-ED32-A25CBB908076}"/>
+              </a:ext>
+            </a:extLst>
+          </p:cNvPr>
+          <p:cNvGrpSpPr/>
+          <p:nvPr/>
+        </p:nvGrpSpPr>
+        <p:grpSpPr>
+          <a:xfrm>
+            <a:off x="2207216" y="388026"/>
+            <a:ext cx="1729055" cy="1572352"/>
+            <a:chOff x="-77897" y="947122"/>
+            <a:chExt cx="1729055" cy="1572352"/>
+          </a:xfrm>
+        </p:grpSpPr>
+        <mc:AlternateContent xmlns:mc="http://schemas.openxmlformats.org/markup-compatibility/2006">
+          <mc:Choice xmlns:a14="http://schemas.microsoft.com/office/drawing/2010/main" Requires="a14">
+            <p:sp>
+              <p:nvSpPr>
+                <p:cNvPr id="718" name="TextBox 717">
+                  <a:extLst>
+                    <a:ext uri="{FF2B5EF4-FFF2-40B4-BE49-F238E27FC236}">
+                      <a16:creationId xmlns:a16="http://schemas.microsoft.com/office/drawing/2014/main" id="{9A1A1337-286B-F58B-4806-26E1A4EBD115}"/>
+                    </a:ext>
+                  </a:extLst>
+                </p:cNvPr>
+                <p:cNvSpPr txBox="1"/>
+                <p:nvPr/>
+              </p:nvSpPr>
+              <p:spPr>
+                <a:xfrm>
+                  <a:off x="-65372" y="1164040"/>
+                  <a:ext cx="1689732" cy="300019"/>
+                </a:xfrm>
+                <a:prstGeom prst="rect">
+                  <a:avLst/>
+                </a:prstGeom>
+                <a:noFill/>
+              </p:spPr>
+              <p:txBody>
+                <a:bodyPr wrap="square" rtlCol="0">
+                  <a:spAutoFit/>
+                </a:bodyPr>
+                <a:lstStyle/>
+                <a:p>
+                  <a:pPr algn="ctr" defTabSz="914126" eaLnBrk="0" fontAlgn="base" hangingPunct="0">
+                    <a:spcBef>
+                      <a:spcPct val="0"/>
+                    </a:spcBef>
+                  </a:pPr>
+                  <a:r>
+                    <a:rPr lang="en-US" sz="800" b="1" dirty="0">
+                      <a:solidFill>
+                        <a:schemeClr val="tx1">
+                          <a:lumMod val="65000"/>
+                          <a:lumOff val="35000"/>
+                        </a:schemeClr>
+                      </a:solidFill>
+                      <a:ea typeface="Calibri" panose="020F0502020204030204" pitchFamily="34" charset="0"/>
+                      <a:cs typeface="Calibri" panose="020F0502020204030204" pitchFamily="34" charset="0"/>
+                    </a:rPr>
+                    <a:t>FER = </a:t>
+                  </a:r>
+                  <a14:m>
+                    <m:oMath xmlns:m="http://schemas.openxmlformats.org/officeDocument/2006/math">
+                      <m:f>
+                        <m:fPr>
+                          <m:ctrlPr>
+                            <a:rPr lang="en-US" sz="800" b="1" i="1">
+                              <a:solidFill>
+                                <a:schemeClr val="tx1">
+                                  <a:lumMod val="65000"/>
+                                  <a:lumOff val="35000"/>
+                                </a:schemeClr>
+                              </a:solidFill>
+                              <a:latin typeface="Cambria Math" panose="02040503050406030204" pitchFamily="18" charset="0"/>
+                              <a:ea typeface="Verdana" panose="020B0604030504040204" pitchFamily="34" charset="0"/>
+                            </a:rPr>
+                          </m:ctrlPr>
+                        </m:fPr>
+                        <m:num>
+                          <m:r>
+                            <m:rPr>
+                              <m:nor/>
+                            </m:rPr>
+                            <a:rPr lang="en-US" sz="800" b="1" dirty="0">
+                              <a:solidFill>
+                                <a:schemeClr val="tx1">
+                                  <a:lumMod val="65000"/>
+                                  <a:lumOff val="35000"/>
+                                </a:schemeClr>
+                              </a:solidFill>
+                              <a:ea typeface="Calibri" panose="020F0502020204030204" pitchFamily="34" charset="0"/>
+                              <a:cs typeface="Calibri" panose="020F0502020204030204" pitchFamily="34" charset="0"/>
+                            </a:rPr>
+                            <m:t>O</m:t>
+                          </m:r>
+                          <m:r>
+                            <m:rPr>
+                              <m:nor/>
+                            </m:rPr>
+                            <a:rPr lang="en-US" sz="800" b="1" baseline="-25000" dirty="0">
+                              <a:solidFill>
+                                <a:schemeClr val="tx1">
+                                  <a:lumMod val="65000"/>
+                                  <a:lumOff val="35000"/>
+                                </a:schemeClr>
+                              </a:solidFill>
+                              <a:ea typeface="Calibri" panose="020F0502020204030204" pitchFamily="34" charset="0"/>
+                              <a:cs typeface="Calibri" panose="020F0502020204030204" pitchFamily="34" charset="0"/>
+                            </a:rPr>
+                            <m:t>point</m:t>
+                          </m:r>
+                          <m:r>
+                            <m:rPr>
+                              <m:nor/>
+                            </m:rPr>
+                            <a:rPr lang="en-US" sz="800" b="1" dirty="0">
+                              <a:solidFill>
+                                <a:schemeClr val="tx1">
+                                  <a:lumMod val="65000"/>
+                                  <a:lumOff val="35000"/>
+                                </a:schemeClr>
+                              </a:solidFill>
+                              <a:ea typeface="Calibri" panose="020F0502020204030204" pitchFamily="34" charset="0"/>
+                              <a:cs typeface="Calibri" panose="020F0502020204030204" pitchFamily="34" charset="0"/>
+                            </a:rPr>
+                            <m:t> – </m:t>
+                          </m:r>
+                          <m:r>
+                            <m:rPr>
+                              <m:nor/>
+                            </m:rPr>
+                            <a:rPr lang="en-US" sz="800" b="1" dirty="0">
+                              <a:solidFill>
+                                <a:schemeClr val="tx1">
+                                  <a:lumMod val="65000"/>
+                                  <a:lumOff val="35000"/>
+                                </a:schemeClr>
+                              </a:solidFill>
+                              <a:ea typeface="Calibri" panose="020F0502020204030204" pitchFamily="34" charset="0"/>
+                              <a:cs typeface="Calibri" panose="020F0502020204030204" pitchFamily="34" charset="0"/>
+                            </a:rPr>
+                            <m:t>FgridCA</m:t>
+                          </m:r>
+                          <m:r>
+                            <m:rPr>
+                              <m:nor/>
+                            </m:rPr>
+                            <a:rPr lang="en-US" sz="800" b="1" baseline="-25000" dirty="0">
+                              <a:solidFill>
+                                <a:schemeClr val="tx1">
+                                  <a:lumMod val="65000"/>
+                                  <a:lumOff val="35000"/>
+                                </a:schemeClr>
+                              </a:solidFill>
+                              <a:ea typeface="Calibri" panose="020F0502020204030204" pitchFamily="34" charset="0"/>
+                              <a:cs typeface="Calibri" panose="020F0502020204030204" pitchFamily="34" charset="0"/>
+                            </a:rPr>
+                            <m:t>L</m:t>
+                          </m:r>
+                        </m:num>
+                        <m:den>
+                          <m:r>
+                            <m:rPr>
+                              <m:nor/>
+                            </m:rPr>
+                            <a:rPr lang="en-US" sz="800" b="1" dirty="0">
+                              <a:solidFill>
+                                <a:schemeClr val="tx1">
+                                  <a:lumMod val="65000"/>
+                                  <a:lumOff val="35000"/>
+                                </a:schemeClr>
+                              </a:solidFill>
+                              <a:ea typeface="Calibri" panose="020F0502020204030204" pitchFamily="34" charset="0"/>
+                              <a:cs typeface="Calibri" panose="020F0502020204030204" pitchFamily="34" charset="0"/>
+                            </a:rPr>
+                            <m:t>F</m:t>
+                          </m:r>
+                          <m:r>
+                            <m:rPr>
+                              <m:nor/>
+                            </m:rPr>
+                            <a:rPr lang="en-US" sz="800" b="1" baseline="-25000" dirty="0">
+                              <a:solidFill>
+                                <a:schemeClr val="tx1">
+                                  <a:lumMod val="65000"/>
+                                  <a:lumOff val="35000"/>
+                                </a:schemeClr>
+                              </a:solidFill>
+                              <a:ea typeface="Calibri" panose="020F0502020204030204" pitchFamily="34" charset="0"/>
+                              <a:cs typeface="Calibri" panose="020F0502020204030204" pitchFamily="34" charset="0"/>
+                            </a:rPr>
+                            <m:t>gridCAL</m:t>
+                          </m:r>
+                        </m:den>
+                      </m:f>
+                    </m:oMath>
+                  </a14:m>
+                  <a:endParaRPr lang="en-US" sz="800" b="1" dirty="0">
                     <a:solidFill>
                       <a:schemeClr val="tx1">
                         <a:lumMod val="65000"/>
@@ -6671,129 +7416,381 @@
                     </a:solidFill>
                     <a:ea typeface="Calibri" panose="020F0502020204030204" pitchFamily="34" charset="0"/>
                     <a:cs typeface="Calibri" panose="020F0502020204030204" pitchFamily="34" charset="0"/>
-                  </a:rPr>
-                  <a:t>FER = </a:t>
-                </a:r>
-                <a14:m>
-                  <m:oMath xmlns:m="http://schemas.openxmlformats.org/officeDocument/2006/math">
-                    <m:f>
-                      <m:fPr>
-                        <m:ctrlPr>
-                          <a:rPr lang="en-US" sz="1000" b="1" i="1">
-                            <a:solidFill>
-                              <a:schemeClr val="tx1">
-                                <a:lumMod val="65000"/>
-                                <a:lumOff val="35000"/>
-                              </a:schemeClr>
-                            </a:solidFill>
-                            <a:ea typeface="Verdana" panose="020B0604030504040204" pitchFamily="34" charset="0"/>
-                          </a:rPr>
-                        </m:ctrlPr>
-                      </m:fPr>
-                      <m:num>
-                        <m:r>
-                          <m:rPr>
-                            <m:nor/>
-                          </m:rPr>
-                          <a:rPr lang="en-US" sz="1000" b="1" dirty="0">
-                            <a:solidFill>
-                              <a:schemeClr val="tx1">
-                                <a:lumMod val="65000"/>
-                                <a:lumOff val="35000"/>
-                              </a:schemeClr>
-                            </a:solidFill>
-                            <a:ea typeface="Calibri" panose="020F0502020204030204" pitchFamily="34" charset="0"/>
-                            <a:cs typeface="Calibri" panose="020F0502020204030204" pitchFamily="34" charset="0"/>
-                          </a:rPr>
-                          <m:t>O</m:t>
-                        </m:r>
-                        <m:r>
-                          <m:rPr>
-                            <m:nor/>
-                          </m:rPr>
-                          <a:rPr lang="en-US" sz="1000" b="1" baseline="-25000" dirty="0">
-                            <a:solidFill>
-                              <a:schemeClr val="tx1">
-                                <a:lumMod val="65000"/>
-                                <a:lumOff val="35000"/>
-                              </a:schemeClr>
-                            </a:solidFill>
-                            <a:ea typeface="Calibri" panose="020F0502020204030204" pitchFamily="34" charset="0"/>
-                            <a:cs typeface="Calibri" panose="020F0502020204030204" pitchFamily="34" charset="0"/>
-                          </a:rPr>
-                          <m:t>point</m:t>
-                        </m:r>
-                        <m:r>
-                          <m:rPr>
-                            <m:nor/>
-                          </m:rPr>
-                          <a:rPr lang="en-US" sz="1000" b="1" dirty="0">
-                            <a:solidFill>
-                              <a:schemeClr val="tx1">
-                                <a:lumMod val="65000"/>
-                                <a:lumOff val="35000"/>
-                              </a:schemeClr>
-                            </a:solidFill>
-                            <a:ea typeface="Calibri" panose="020F0502020204030204" pitchFamily="34" charset="0"/>
-                            <a:cs typeface="Calibri" panose="020F0502020204030204" pitchFamily="34" charset="0"/>
-                          </a:rPr>
-                          <m:t> – </m:t>
-                        </m:r>
-                        <m:r>
-                          <m:rPr>
-                            <m:nor/>
-                          </m:rPr>
-                          <a:rPr lang="en-US" sz="1000" b="1" dirty="0">
-                            <a:solidFill>
-                              <a:schemeClr val="tx1">
-                                <a:lumMod val="65000"/>
-                                <a:lumOff val="35000"/>
-                              </a:schemeClr>
-                            </a:solidFill>
-                            <a:ea typeface="Calibri" panose="020F0502020204030204" pitchFamily="34" charset="0"/>
-                            <a:cs typeface="Calibri" panose="020F0502020204030204" pitchFamily="34" charset="0"/>
-                          </a:rPr>
-                          <m:t>FgridCAL</m:t>
-                        </m:r>
-                      </m:num>
-                      <m:den>
-                        <m:r>
-                          <m:rPr>
-                            <m:nor/>
-                          </m:rPr>
-                          <a:rPr lang="en-US" sz="1000" b="1" dirty="0">
-                            <a:solidFill>
-                              <a:schemeClr val="tx1">
-                                <a:lumMod val="65000"/>
-                                <a:lumOff val="35000"/>
-                              </a:schemeClr>
-                            </a:solidFill>
-                            <a:ea typeface="Calibri" panose="020F0502020204030204" pitchFamily="34" charset="0"/>
-                            <a:cs typeface="Calibri" panose="020F0502020204030204" pitchFamily="34" charset="0"/>
-                          </a:rPr>
-                          <m:t>F</m:t>
-                        </m:r>
-                        <m:r>
-                          <m:rPr>
-                            <m:nor/>
-                          </m:rPr>
-                          <a:rPr lang="en-US" sz="1000" b="1" baseline="-25000" dirty="0">
-                            <a:solidFill>
-                              <a:schemeClr val="tx1">
-                                <a:lumMod val="65000"/>
-                                <a:lumOff val="35000"/>
-                              </a:schemeClr>
-                            </a:solidFill>
-                            <a:ea typeface="Calibri" panose="020F0502020204030204" pitchFamily="34" charset="0"/>
-                            <a:cs typeface="Calibri" panose="020F0502020204030204" pitchFamily="34" charset="0"/>
-                          </a:rPr>
-                          <m:t>gridCAL</m:t>
-                        </m:r>
-                      </m:den>
-                    </m:f>
-                  </m:oMath>
-                </a14:m>
-                <a:endParaRPr lang="en-US" sz="1000" b="1" dirty="0">
+                  </a:endParaRPr>
+                </a:p>
+              </p:txBody>
+            </p:sp>
+          </mc:Choice>
+          <mc:Fallback>
+            <p:sp>
+              <p:nvSpPr>
+                <p:cNvPr id="718" name="TextBox 717">
+                  <a:extLst>
+                    <a:ext uri="{FF2B5EF4-FFF2-40B4-BE49-F238E27FC236}">
+                      <a16:creationId xmlns:a16="http://schemas.microsoft.com/office/drawing/2014/main" id="{9A1A1337-286B-F58B-4806-26E1A4EBD115}"/>
+                    </a:ext>
+                  </a:extLst>
+                </p:cNvPr>
+                <p:cNvSpPr txBox="1">
+                  <a:spLocks noRot="1" noChangeAspect="1" noMove="1" noResize="1" noEditPoints="1" noAdjustHandles="1" noChangeArrowheads="1" noChangeShapeType="1" noTextEdit="1"/>
+                </p:cNvSpPr>
+                <p:nvPr/>
+              </p:nvSpPr>
+              <p:spPr>
+                <a:xfrm>
+                  <a:off x="-65372" y="1164040"/>
+                  <a:ext cx="1689732" cy="300019"/>
+                </a:xfrm>
+                <a:prstGeom prst="rect">
+                  <a:avLst/>
+                </a:prstGeom>
+                <a:blipFill>
+                  <a:blip r:embed="rId3"/>
+                  <a:stretch>
+                    <a:fillRect b="-2041"/>
+                  </a:stretch>
+                </a:blipFill>
+              </p:spPr>
+              <p:txBody>
+                <a:bodyPr/>
+                <a:lstStyle/>
+                <a:p>
+                  <a:r>
+                    <a:rPr lang="it-IT">
+                      <a:noFill/>
+                    </a:rPr>
+                    <a:t> </a:t>
+                  </a:r>
+                </a:p>
+              </p:txBody>
+            </p:sp>
+          </mc:Fallback>
+        </mc:AlternateContent>
+        <p:sp>
+          <p:nvSpPr>
+            <p:cNvPr id="719" name="TextBox 718">
+              <a:extLst>
+                <a:ext uri="{FF2B5EF4-FFF2-40B4-BE49-F238E27FC236}">
+                  <a16:creationId xmlns:a16="http://schemas.microsoft.com/office/drawing/2014/main" id="{812A3294-F4F0-A024-806C-37E0D177DB6A}"/>
+                </a:ext>
+              </a:extLst>
+            </p:cNvPr>
+            <p:cNvSpPr txBox="1"/>
+            <p:nvPr/>
+          </p:nvSpPr>
+          <p:spPr>
+            <a:xfrm>
+              <a:off x="-65373" y="1565367"/>
+              <a:ext cx="1716531" cy="954107"/>
+            </a:xfrm>
+            <a:prstGeom prst="rect">
+              <a:avLst/>
+            </a:prstGeom>
+            <a:noFill/>
+          </p:spPr>
+          <p:txBody>
+            <a:bodyPr wrap="square" rtlCol="0">
+              <a:spAutoFit/>
+            </a:bodyPr>
+            <a:lstStyle/>
+            <a:p>
+              <a:pPr algn="ctr" defTabSz="914126" eaLnBrk="0" fontAlgn="base" hangingPunct="0">
+                <a:spcBef>
+                  <a:spcPct val="0"/>
+                </a:spcBef>
+              </a:pPr>
+              <a:r>
+                <a:rPr lang="en-US" sz="800" dirty="0">
+                  <a:solidFill>
+                    <a:schemeClr val="tx1">
+                      <a:lumMod val="65000"/>
+                      <a:lumOff val="35000"/>
+                    </a:schemeClr>
+                  </a:solidFill>
+                  <a:ea typeface="Calibri Light" panose="020F0302020204030204" pitchFamily="34" charset="0"/>
+                  <a:cs typeface="Calibri Light" panose="020F0302020204030204" pitchFamily="34" charset="0"/>
+                </a:rPr>
+                <a:t>O</a:t>
+              </a:r>
+              <a:r>
+                <a:rPr lang="en-US" sz="800" baseline="-25000" dirty="0">
+                  <a:solidFill>
+                    <a:schemeClr val="tx1">
+                      <a:lumMod val="65000"/>
+                      <a:lumOff val="35000"/>
+                    </a:schemeClr>
+                  </a:solidFill>
+                  <a:ea typeface="Calibri Light" panose="020F0302020204030204" pitchFamily="34" charset="0"/>
+                  <a:cs typeface="Calibri Light" panose="020F0302020204030204" pitchFamily="34" charset="0"/>
+                </a:rPr>
+                <a:t>point</a:t>
+              </a:r>
+              <a:r>
+                <a:rPr lang="en-US" sz="800" dirty="0">
+                  <a:solidFill>
+                    <a:schemeClr val="tx1">
+                      <a:lumMod val="65000"/>
+                      <a:lumOff val="35000"/>
+                    </a:schemeClr>
+                  </a:solidFill>
+                  <a:ea typeface="Calibri Light" panose="020F0302020204030204" pitchFamily="34" charset="0"/>
+                  <a:cs typeface="Calibri Light" panose="020F0302020204030204" pitchFamily="34" charset="0"/>
+                </a:rPr>
+                <a:t> = </a:t>
+              </a:r>
+            </a:p>
+            <a:p>
+              <a:pPr algn="ctr" defTabSz="914126" eaLnBrk="0" fontAlgn="base" hangingPunct="0">
+                <a:spcBef>
+                  <a:spcPct val="0"/>
+                </a:spcBef>
+              </a:pPr>
+              <a:r>
+                <a:rPr lang="en-US" sz="800" dirty="0">
+                  <a:solidFill>
+                    <a:schemeClr val="tx1">
+                      <a:lumMod val="65000"/>
+                      <a:lumOff val="35000"/>
+                    </a:schemeClr>
+                  </a:solidFill>
+                  <a:ea typeface="Calibri Light" panose="020F0302020204030204" pitchFamily="34" charset="0"/>
+                  <a:cs typeface="Calibri Light" panose="020F0302020204030204" pitchFamily="34" charset="0"/>
+                </a:rPr>
+                <a:t>point-rainfall observations </a:t>
+              </a:r>
+            </a:p>
+            <a:p>
+              <a:pPr algn="ctr" defTabSz="914126" eaLnBrk="0" fontAlgn="base" hangingPunct="0">
+                <a:spcBef>
+                  <a:spcPct val="0"/>
+                </a:spcBef>
+              </a:pPr>
+              <a:r>
+                <a:rPr lang="en-US" sz="800" dirty="0">
+                  <a:solidFill>
+                    <a:schemeClr val="tx1">
+                      <a:lumMod val="65000"/>
+                      <a:lumOff val="35000"/>
+                    </a:schemeClr>
+                  </a:solidFill>
+                  <a:ea typeface="Calibri Light" panose="020F0302020204030204" pitchFamily="34" charset="0"/>
+                  <a:cs typeface="Calibri Light" panose="020F0302020204030204" pitchFamily="34" charset="0"/>
+                </a:rPr>
+                <a:t>(e.g., synop)</a:t>
+              </a:r>
+            </a:p>
+            <a:p>
+              <a:pPr algn="ctr" defTabSz="914126" eaLnBrk="0" fontAlgn="base" hangingPunct="0">
+                <a:spcBef>
+                  <a:spcPct val="0"/>
+                </a:spcBef>
+              </a:pPr>
+              <a:endParaRPr lang="en-US" sz="800" dirty="0">
+                <a:solidFill>
+                  <a:schemeClr val="tx1">
+                    <a:lumMod val="65000"/>
+                    <a:lumOff val="35000"/>
+                  </a:schemeClr>
+                </a:solidFill>
+                <a:ea typeface="Calibri Light" panose="020F0302020204030204" pitchFamily="34" charset="0"/>
+                <a:cs typeface="Calibri Light" panose="020F0302020204030204" pitchFamily="34" charset="0"/>
+              </a:endParaRPr>
+            </a:p>
+            <a:p>
+              <a:pPr algn="ctr" defTabSz="914126" eaLnBrk="0" fontAlgn="base" hangingPunct="0">
+                <a:spcBef>
+                  <a:spcPct val="0"/>
+                </a:spcBef>
+              </a:pPr>
+              <a:r>
+                <a:rPr lang="en-US" sz="800" dirty="0">
+                  <a:solidFill>
+                    <a:schemeClr val="tx1">
+                      <a:lumMod val="65000"/>
+                      <a:lumOff val="35000"/>
+                    </a:schemeClr>
+                  </a:solidFill>
+                  <a:ea typeface="Calibri Light" panose="020F0302020204030204" pitchFamily="34" charset="0"/>
+                  <a:cs typeface="Calibri Light" panose="020F0302020204030204" pitchFamily="34" charset="0"/>
+                </a:rPr>
+                <a:t>F</a:t>
+              </a:r>
+              <a:r>
+                <a:rPr lang="en-US" sz="800" baseline="-25000" dirty="0">
+                  <a:solidFill>
+                    <a:schemeClr val="tx1">
+                      <a:lumMod val="65000"/>
+                      <a:lumOff val="35000"/>
+                    </a:schemeClr>
+                  </a:solidFill>
+                  <a:ea typeface="Calibri Light" panose="020F0302020204030204" pitchFamily="34" charset="0"/>
+                  <a:cs typeface="Calibri Light" panose="020F0302020204030204" pitchFamily="34" charset="0"/>
+                </a:rPr>
+                <a:t>gridCAL </a:t>
+              </a:r>
+              <a:r>
+                <a:rPr lang="en-US" sz="800" dirty="0">
+                  <a:solidFill>
+                    <a:schemeClr val="tx1">
+                      <a:lumMod val="65000"/>
+                      <a:lumOff val="35000"/>
+                    </a:schemeClr>
+                  </a:solidFill>
+                  <a:ea typeface="Calibri Light" panose="020F0302020204030204" pitchFamily="34" charset="0"/>
+                  <a:cs typeface="Calibri Light" panose="020F0302020204030204" pitchFamily="34" charset="0"/>
+                </a:rPr>
+                <a:t>= </a:t>
+              </a:r>
+            </a:p>
+            <a:p>
+              <a:pPr algn="ctr" defTabSz="914126" eaLnBrk="0" fontAlgn="base" hangingPunct="0">
+                <a:spcBef>
+                  <a:spcPct val="0"/>
+                </a:spcBef>
+              </a:pPr>
+              <a:r>
+                <a:rPr lang="en-US" sz="800" dirty="0">
+                  <a:solidFill>
+                    <a:schemeClr val="tx1">
+                      <a:lumMod val="65000"/>
+                      <a:lumOff val="35000"/>
+                    </a:schemeClr>
+                  </a:solidFill>
+                  <a:ea typeface="Calibri Light" panose="020F0302020204030204" pitchFamily="34" charset="0"/>
+                  <a:cs typeface="Calibri Light" panose="020F0302020204030204" pitchFamily="34" charset="0"/>
+                </a:rPr>
+                <a:t>calibration rainfall forecasts </a:t>
+              </a:r>
+            </a:p>
+            <a:p>
+              <a:pPr algn="ctr" defTabSz="914126" eaLnBrk="0" fontAlgn="base" hangingPunct="0">
+                <a:spcBef>
+                  <a:spcPct val="0"/>
+                </a:spcBef>
+              </a:pPr>
+              <a:r>
+                <a:rPr lang="en-US" sz="800" dirty="0">
+                  <a:solidFill>
+                    <a:schemeClr val="tx1">
+                      <a:lumMod val="65000"/>
+                      <a:lumOff val="35000"/>
+                    </a:schemeClr>
+                  </a:solidFill>
+                  <a:ea typeface="Calibri Light" panose="020F0302020204030204" pitchFamily="34" charset="0"/>
+                  <a:cs typeface="Calibri Light" panose="020F0302020204030204" pitchFamily="34" charset="0"/>
+                </a:rPr>
+                <a:t>(short-range, &gt;= 1 mm/acc)</a:t>
+              </a:r>
+              <a:endParaRPr lang="en-US" sz="800" baseline="-25000" dirty="0">
+                <a:solidFill>
+                  <a:schemeClr val="tx1">
+                    <a:lumMod val="65000"/>
+                    <a:lumOff val="35000"/>
+                  </a:schemeClr>
+                </a:solidFill>
+                <a:ea typeface="Calibri Light" panose="020F0302020204030204" pitchFamily="34" charset="0"/>
+                <a:cs typeface="Calibri Light" panose="020F0302020204030204" pitchFamily="34" charset="0"/>
+              </a:endParaRPr>
+            </a:p>
+          </p:txBody>
+        </p:sp>
+        <p:sp>
+          <p:nvSpPr>
+            <p:cNvPr id="722" name="Rectangle 721">
+              <a:extLst>
+                <a:ext uri="{FF2B5EF4-FFF2-40B4-BE49-F238E27FC236}">
+                  <a16:creationId xmlns:a16="http://schemas.microsoft.com/office/drawing/2014/main" id="{402D41CA-166E-D485-0B2E-19B642F168A0}"/>
+                </a:ext>
+              </a:extLst>
+            </p:cNvPr>
+            <p:cNvSpPr/>
+            <p:nvPr/>
+          </p:nvSpPr>
+          <p:spPr>
+            <a:xfrm>
+              <a:off x="23668" y="947122"/>
+              <a:ext cx="1508443" cy="1572352"/>
+            </a:xfrm>
+            <a:prstGeom prst="rect">
+              <a:avLst/>
+            </a:prstGeom>
+            <a:noFill/>
+            <a:ln w="6350">
+              <a:solidFill>
+                <a:schemeClr val="bg1">
+                  <a:lumMod val="50000"/>
+                </a:schemeClr>
+              </a:solidFill>
+            </a:ln>
+            <a:effectLst/>
+          </p:spPr>
+          <p:style>
+            <a:lnRef idx="1">
+              <a:schemeClr val="accent1"/>
+            </a:lnRef>
+            <a:fillRef idx="3">
+              <a:schemeClr val="accent1"/>
+            </a:fillRef>
+            <a:effectRef idx="2">
+              <a:schemeClr val="accent1"/>
+            </a:effectRef>
+            <a:fontRef idx="minor">
+              <a:schemeClr val="lt1"/>
+            </a:fontRef>
+          </p:style>
+          <p:txBody>
+            <a:bodyPr rtlCol="0" anchor="ctr"/>
+            <a:lstStyle/>
+            <a:p>
+              <a:pPr algn="ctr"/>
+              <a:endParaRPr lang="en-GB" sz="800">
+                <a:solidFill>
+                  <a:schemeClr val="tx1">
+                    <a:lumMod val="65000"/>
+                    <a:lumOff val="35000"/>
+                  </a:schemeClr>
+                </a:solidFill>
+                <a:ea typeface="Calibri Light" panose="020F0302020204030204" pitchFamily="34" charset="0"/>
+                <a:cs typeface="Calibri Light" panose="020F0302020204030204" pitchFamily="34" charset="0"/>
+              </a:endParaRPr>
+            </a:p>
+          </p:txBody>
+        </p:sp>
+        <p:sp>
+          <p:nvSpPr>
+            <p:cNvPr id="724" name="TextBox 723">
+              <a:extLst>
+                <a:ext uri="{FF2B5EF4-FFF2-40B4-BE49-F238E27FC236}">
+                  <a16:creationId xmlns:a16="http://schemas.microsoft.com/office/drawing/2014/main" id="{22FBD439-7724-2A46-FA0E-3B88FED8377E}"/>
+                </a:ext>
+              </a:extLst>
+            </p:cNvPr>
+            <p:cNvSpPr txBox="1"/>
+            <p:nvPr/>
+          </p:nvSpPr>
+          <p:spPr>
+            <a:xfrm>
+              <a:off x="-77897" y="955473"/>
+              <a:ext cx="1689732" cy="215444"/>
+            </a:xfrm>
+            <a:prstGeom prst="rect">
+              <a:avLst/>
+            </a:prstGeom>
+            <a:noFill/>
+          </p:spPr>
+          <p:txBody>
+            <a:bodyPr wrap="square" rtlCol="0">
+              <a:spAutoFit/>
+            </a:bodyPr>
+            <a:lstStyle/>
+            <a:p>
+              <a:pPr algn="ctr" defTabSz="914126" eaLnBrk="0" fontAlgn="base" hangingPunct="0">
+                <a:spcBef>
+                  <a:spcPct val="0"/>
+                </a:spcBef>
+              </a:pPr>
+              <a:r>
+                <a:rPr lang="en-US" sz="800" b="1" dirty="0">
                   <a:solidFill>
                     <a:schemeClr val="tx1">
                       <a:lumMod val="65000"/>
@@ -6802,578 +7799,10 @@
                   </a:solidFill>
                   <a:ea typeface="Calibri" panose="020F0502020204030204" pitchFamily="34" charset="0"/>
                   <a:cs typeface="Calibri" panose="020F0502020204030204" pitchFamily="34" charset="0"/>
-                </a:endParaRPr>
-              </a:p>
-            </p:txBody>
-          </p:sp>
-        </mc:Choice>
-        <mc:Fallback>
-          <p:sp>
-            <p:nvSpPr>
-              <p:cNvPr id="823" name="TextBox 822">
-                <a:extLst>
-                  <a:ext uri="{FF2B5EF4-FFF2-40B4-BE49-F238E27FC236}">
-                    <a16:creationId xmlns:a16="http://schemas.microsoft.com/office/drawing/2014/main" id="{9A1A1337-286B-F58B-4806-26E1A4EBD115}"/>
-                  </a:ext>
-                </a:extLst>
-              </p:cNvPr>
-              <p:cNvSpPr txBox="1">
-                <a:spLocks noRot="1" noChangeAspect="1" noMove="1" noResize="1" noEditPoints="1" noAdjustHandles="1" noChangeArrowheads="1" noChangeShapeType="1" noTextEdit="1"/>
-              </p:cNvSpPr>
-              <p:nvPr/>
-            </p:nvSpPr>
-            <p:spPr>
-              <a:xfrm>
-                <a:off x="-65372" y="698822"/>
-                <a:ext cx="1689732" cy="348493"/>
-              </a:xfrm>
-              <a:prstGeom prst="rect">
-                <a:avLst/>
-              </a:prstGeom>
-              <a:blipFill>
-                <a:blip r:embed="rId3"/>
-                <a:stretch>
-                  <a:fillRect b="-5263"/>
-                </a:stretch>
-              </a:blipFill>
-            </p:spPr>
-            <p:txBody>
-              <a:bodyPr/>
-              <a:lstStyle/>
-              <a:p>
-                <a:r>
-                  <a:rPr lang="it-IT">
-                    <a:noFill/>
-                  </a:rPr>
-                  <a:t> </a:t>
-                </a:r>
-              </a:p>
-            </p:txBody>
-          </p:sp>
-        </mc:Fallback>
-      </mc:AlternateContent>
-      <p:sp>
-        <p:nvSpPr>
-          <p:cNvPr id="824" name="TextBox 823">
-            <a:extLst>
-              <a:ext uri="{FF2B5EF4-FFF2-40B4-BE49-F238E27FC236}">
-                <a16:creationId xmlns:a16="http://schemas.microsoft.com/office/drawing/2014/main" id="{812A3294-F4F0-A024-806C-37E0D177DB6A}"/>
-              </a:ext>
-            </a:extLst>
-          </p:cNvPr>
-          <p:cNvSpPr txBox="1"/>
-          <p:nvPr/>
-        </p:nvSpPr>
-        <p:spPr>
-          <a:xfrm>
-            <a:off x="-65373" y="1100149"/>
-            <a:ext cx="1716531" cy="1323439"/>
-          </a:xfrm>
-          <a:prstGeom prst="rect">
-            <a:avLst/>
-          </a:prstGeom>
-          <a:noFill/>
-        </p:spPr>
-        <p:txBody>
-          <a:bodyPr wrap="square" rtlCol="0">
-            <a:spAutoFit/>
-          </a:bodyPr>
-          <a:lstStyle/>
-          <a:p>
-            <a:pPr algn="ctr" defTabSz="914126" eaLnBrk="0" fontAlgn="base" hangingPunct="0">
-              <a:spcBef>
-                <a:spcPct val="0"/>
-              </a:spcBef>
-            </a:pPr>
-            <a:r>
-              <a:rPr lang="en-US" sz="1000" dirty="0">
-                <a:solidFill>
-                  <a:schemeClr val="tx1">
-                    <a:lumMod val="65000"/>
-                    <a:lumOff val="35000"/>
-                  </a:schemeClr>
-                </a:solidFill>
-                <a:ea typeface="Calibri Light" panose="020F0302020204030204" pitchFamily="34" charset="0"/>
-                <a:cs typeface="Calibri Light" panose="020F0302020204030204" pitchFamily="34" charset="0"/>
-              </a:rPr>
-              <a:t>O</a:t>
-            </a:r>
-            <a:r>
-              <a:rPr lang="en-US" sz="1000" baseline="-25000" dirty="0">
-                <a:solidFill>
-                  <a:schemeClr val="tx1">
-                    <a:lumMod val="65000"/>
-                    <a:lumOff val="35000"/>
-                  </a:schemeClr>
-                </a:solidFill>
-                <a:ea typeface="Calibri Light" panose="020F0302020204030204" pitchFamily="34" charset="0"/>
-                <a:cs typeface="Calibri Light" panose="020F0302020204030204" pitchFamily="34" charset="0"/>
-              </a:rPr>
-              <a:t>point</a:t>
-            </a:r>
-            <a:r>
-              <a:rPr lang="en-US" sz="1000" dirty="0">
-                <a:solidFill>
-                  <a:schemeClr val="tx1">
-                    <a:lumMod val="65000"/>
-                    <a:lumOff val="35000"/>
-                  </a:schemeClr>
-                </a:solidFill>
-                <a:ea typeface="Calibri Light" panose="020F0302020204030204" pitchFamily="34" charset="0"/>
-                <a:cs typeface="Calibri Light" panose="020F0302020204030204" pitchFamily="34" charset="0"/>
-              </a:rPr>
-              <a:t> = </a:t>
-            </a:r>
-          </a:p>
-          <a:p>
-            <a:pPr algn="ctr" defTabSz="914126" eaLnBrk="0" fontAlgn="base" hangingPunct="0">
-              <a:spcBef>
-                <a:spcPct val="0"/>
-              </a:spcBef>
-            </a:pPr>
-            <a:r>
-              <a:rPr lang="en-US" sz="1000" dirty="0">
-                <a:solidFill>
-                  <a:schemeClr val="tx1">
-                    <a:lumMod val="65000"/>
-                    <a:lumOff val="35000"/>
-                  </a:schemeClr>
-                </a:solidFill>
-                <a:ea typeface="Calibri Light" panose="020F0302020204030204" pitchFamily="34" charset="0"/>
-                <a:cs typeface="Calibri Light" panose="020F0302020204030204" pitchFamily="34" charset="0"/>
-              </a:rPr>
-              <a:t>point-rainfall observations </a:t>
-            </a:r>
-          </a:p>
-          <a:p>
-            <a:pPr algn="ctr" defTabSz="914126" eaLnBrk="0" fontAlgn="base" hangingPunct="0">
-              <a:spcBef>
-                <a:spcPct val="0"/>
-              </a:spcBef>
-            </a:pPr>
-            <a:r>
-              <a:rPr lang="en-US" sz="1000" dirty="0">
-                <a:solidFill>
-                  <a:schemeClr val="tx1">
-                    <a:lumMod val="65000"/>
-                    <a:lumOff val="35000"/>
-                  </a:schemeClr>
-                </a:solidFill>
-                <a:ea typeface="Calibri Light" panose="020F0302020204030204" pitchFamily="34" charset="0"/>
-                <a:cs typeface="Calibri Light" panose="020F0302020204030204" pitchFamily="34" charset="0"/>
-              </a:rPr>
-              <a:t>(e.g., synop)</a:t>
-            </a:r>
-          </a:p>
-          <a:p>
-            <a:pPr algn="ctr" defTabSz="914126" eaLnBrk="0" fontAlgn="base" hangingPunct="0">
-              <a:spcBef>
-                <a:spcPct val="0"/>
-              </a:spcBef>
-            </a:pPr>
-            <a:endParaRPr lang="en-US" sz="1000" dirty="0">
-              <a:solidFill>
-                <a:schemeClr val="tx1">
-                  <a:lumMod val="65000"/>
-                  <a:lumOff val="35000"/>
-                </a:schemeClr>
-              </a:solidFill>
-              <a:ea typeface="Calibri Light" panose="020F0302020204030204" pitchFamily="34" charset="0"/>
-              <a:cs typeface="Calibri Light" panose="020F0302020204030204" pitchFamily="34" charset="0"/>
-            </a:endParaRPr>
-          </a:p>
-          <a:p>
-            <a:pPr algn="ctr" defTabSz="914126" eaLnBrk="0" fontAlgn="base" hangingPunct="0">
-              <a:spcBef>
-                <a:spcPct val="0"/>
-              </a:spcBef>
-            </a:pPr>
-            <a:r>
-              <a:rPr lang="en-US" sz="1000" dirty="0">
-                <a:solidFill>
-                  <a:schemeClr val="tx1">
-                    <a:lumMod val="65000"/>
-                    <a:lumOff val="35000"/>
-                  </a:schemeClr>
-                </a:solidFill>
-                <a:ea typeface="Calibri Light" panose="020F0302020204030204" pitchFamily="34" charset="0"/>
-                <a:cs typeface="Calibri Light" panose="020F0302020204030204" pitchFamily="34" charset="0"/>
-              </a:rPr>
-              <a:t>F</a:t>
-            </a:r>
-            <a:r>
-              <a:rPr lang="en-US" sz="1000" baseline="-25000" dirty="0">
-                <a:solidFill>
-                  <a:schemeClr val="tx1">
-                    <a:lumMod val="65000"/>
-                    <a:lumOff val="35000"/>
-                  </a:schemeClr>
-                </a:solidFill>
-                <a:ea typeface="Calibri Light" panose="020F0302020204030204" pitchFamily="34" charset="0"/>
-                <a:cs typeface="Calibri Light" panose="020F0302020204030204" pitchFamily="34" charset="0"/>
-              </a:rPr>
-              <a:t>gridCAL </a:t>
-            </a:r>
-            <a:r>
-              <a:rPr lang="en-US" sz="1000" dirty="0">
-                <a:solidFill>
-                  <a:schemeClr val="tx1">
-                    <a:lumMod val="65000"/>
-                    <a:lumOff val="35000"/>
-                  </a:schemeClr>
-                </a:solidFill>
-                <a:ea typeface="Calibri Light" panose="020F0302020204030204" pitchFamily="34" charset="0"/>
-                <a:cs typeface="Calibri Light" panose="020F0302020204030204" pitchFamily="34" charset="0"/>
-              </a:rPr>
-              <a:t>= </a:t>
-            </a:r>
-          </a:p>
-          <a:p>
-            <a:pPr algn="ctr" defTabSz="914126" eaLnBrk="0" fontAlgn="base" hangingPunct="0">
-              <a:spcBef>
-                <a:spcPct val="0"/>
-              </a:spcBef>
-            </a:pPr>
-            <a:r>
-              <a:rPr lang="en-US" sz="1000" dirty="0">
-                <a:solidFill>
-                  <a:schemeClr val="tx1">
-                    <a:lumMod val="65000"/>
-                    <a:lumOff val="35000"/>
-                  </a:schemeClr>
-                </a:solidFill>
-                <a:ea typeface="Calibri Light" panose="020F0302020204030204" pitchFamily="34" charset="0"/>
-                <a:cs typeface="Calibri Light" panose="020F0302020204030204" pitchFamily="34" charset="0"/>
-              </a:rPr>
-              <a:t>calibration rainfall forecasts </a:t>
-            </a:r>
-          </a:p>
-          <a:p>
-            <a:pPr algn="ctr" defTabSz="914126" eaLnBrk="0" fontAlgn="base" hangingPunct="0">
-              <a:spcBef>
-                <a:spcPct val="0"/>
-              </a:spcBef>
-            </a:pPr>
-            <a:r>
-              <a:rPr lang="en-US" sz="1000" dirty="0">
-                <a:solidFill>
-                  <a:schemeClr val="tx1">
-                    <a:lumMod val="65000"/>
-                    <a:lumOff val="35000"/>
-                  </a:schemeClr>
-                </a:solidFill>
-                <a:ea typeface="Calibri Light" panose="020F0302020204030204" pitchFamily="34" charset="0"/>
-                <a:cs typeface="Calibri Light" panose="020F0302020204030204" pitchFamily="34" charset="0"/>
-              </a:rPr>
-              <a:t>(short-range, &gt;= 1 mm/acc)</a:t>
-            </a:r>
-            <a:endParaRPr lang="en-US" sz="1000" baseline="-25000" dirty="0">
-              <a:solidFill>
-                <a:schemeClr val="tx1">
-                  <a:lumMod val="65000"/>
-                  <a:lumOff val="35000"/>
-                </a:schemeClr>
-              </a:solidFill>
-              <a:ea typeface="Calibri Light" panose="020F0302020204030204" pitchFamily="34" charset="0"/>
-              <a:cs typeface="Calibri Light" panose="020F0302020204030204" pitchFamily="34" charset="0"/>
-            </a:endParaRPr>
-          </a:p>
-        </p:txBody>
-      </p:sp>
-      <p:sp>
-        <p:nvSpPr>
-          <p:cNvPr id="825" name="TextBox 824">
-            <a:extLst>
-              <a:ext uri="{FF2B5EF4-FFF2-40B4-BE49-F238E27FC236}">
-                <a16:creationId xmlns:a16="http://schemas.microsoft.com/office/drawing/2014/main" id="{AB3851F4-A68B-CC96-F21E-942109A6FA75}"/>
-              </a:ext>
-            </a:extLst>
-          </p:cNvPr>
-          <p:cNvSpPr txBox="1"/>
-          <p:nvPr/>
-        </p:nvSpPr>
-        <p:spPr>
-          <a:xfrm>
-            <a:off x="-61498" y="-508286"/>
-            <a:ext cx="6919498" cy="523220"/>
-          </a:xfrm>
-          <a:prstGeom prst="rect">
-            <a:avLst/>
-          </a:prstGeom>
-          <a:noFill/>
-        </p:spPr>
-        <p:txBody>
-          <a:bodyPr wrap="square" rtlCol="0">
-            <a:spAutoFit/>
-          </a:bodyPr>
-          <a:lstStyle/>
-          <a:p>
-            <a:pPr defTabSz="914126" eaLnBrk="0" fontAlgn="base" hangingPunct="0">
-              <a:spcBef>
-                <a:spcPct val="0"/>
-              </a:spcBef>
-            </a:pPr>
-            <a:r>
-              <a:rPr lang="en-US" sz="1400" b="1" dirty="0">
-                <a:solidFill>
-                  <a:schemeClr val="tx1">
-                    <a:lumMod val="85000"/>
-                    <a:lumOff val="15000"/>
-                  </a:schemeClr>
-                </a:solidFill>
-                <a:ea typeface="Calibri" panose="020F0502020204030204" pitchFamily="34" charset="0"/>
-                <a:cs typeface="Calibri" panose="020F0502020204030204" pitchFamily="34" charset="0"/>
-              </a:rPr>
-              <a:t>Graphical representation of the ecPoint post-processing technique</a:t>
-            </a:r>
-          </a:p>
-          <a:p>
-            <a:pPr defTabSz="914126" eaLnBrk="0" fontAlgn="base" hangingPunct="0">
-              <a:spcBef>
-                <a:spcPct val="0"/>
-              </a:spcBef>
-            </a:pPr>
-            <a:r>
-              <a:rPr lang="en-US" sz="1400" dirty="0">
-                <a:solidFill>
-                  <a:schemeClr val="tx1">
-                    <a:lumMod val="85000"/>
-                    <a:lumOff val="15000"/>
-                  </a:schemeClr>
-                </a:solidFill>
-                <a:ea typeface="Calibri Light" panose="020F0302020204030204" pitchFamily="34" charset="0"/>
-                <a:cs typeface="Calibri Light" panose="020F0302020204030204" pitchFamily="34" charset="0"/>
-              </a:rPr>
-              <a:t>Mapping function and decision tree</a:t>
-            </a:r>
-            <a:endParaRPr lang="en-GB" sz="1400" dirty="0">
-              <a:solidFill>
-                <a:schemeClr val="tx1">
-                  <a:lumMod val="85000"/>
-                  <a:lumOff val="15000"/>
-                </a:schemeClr>
-              </a:solidFill>
-              <a:ea typeface="Calibri Light" panose="020F0302020204030204" pitchFamily="34" charset="0"/>
-              <a:cs typeface="Calibri Light" panose="020F0302020204030204" pitchFamily="34" charset="0"/>
-            </a:endParaRPr>
-          </a:p>
-        </p:txBody>
-      </p:sp>
-      <p:sp>
-        <p:nvSpPr>
-          <p:cNvPr id="826" name="TextBox 825">
-            <a:extLst>
-              <a:ext uri="{FF2B5EF4-FFF2-40B4-BE49-F238E27FC236}">
-                <a16:creationId xmlns:a16="http://schemas.microsoft.com/office/drawing/2014/main" id="{28B884CB-BF57-8119-58D1-AA624199839B}"/>
-              </a:ext>
-            </a:extLst>
-          </p:cNvPr>
-          <p:cNvSpPr txBox="1"/>
-          <p:nvPr/>
-        </p:nvSpPr>
-        <p:spPr>
-          <a:xfrm>
-            <a:off x="-61498" y="-10076"/>
-            <a:ext cx="6013792" cy="400110"/>
-          </a:xfrm>
-          <a:prstGeom prst="rect">
-            <a:avLst/>
-          </a:prstGeom>
-          <a:noFill/>
-        </p:spPr>
-        <p:txBody>
-          <a:bodyPr wrap="square" rtlCol="0">
-            <a:spAutoFit/>
-          </a:bodyPr>
-          <a:lstStyle/>
-          <a:p>
-            <a:pPr defTabSz="914126" eaLnBrk="0" fontAlgn="base" hangingPunct="0">
-              <a:spcBef>
-                <a:spcPct val="0"/>
-              </a:spcBef>
-            </a:pPr>
-            <a:r>
-              <a:rPr lang="en-US" sz="1000" dirty="0">
-                <a:solidFill>
-                  <a:schemeClr val="tx1">
-                    <a:lumMod val="65000"/>
-                    <a:lumOff val="35000"/>
-                  </a:schemeClr>
-                </a:solidFill>
-                <a:ea typeface="Calibri Light" panose="020F0302020204030204" pitchFamily="34" charset="0"/>
-                <a:cs typeface="Calibri Light" panose="020F0302020204030204" pitchFamily="34" charset="0"/>
-              </a:rPr>
-              <a:t>(a) Error formulation for accumulated variables (Forecast Error Ratio, FER), and errors’ distribution for all cases in the training dataset (Mapping Function, MF)</a:t>
-            </a:r>
-            <a:endParaRPr lang="en-GB" sz="1000" dirty="0">
-              <a:solidFill>
-                <a:schemeClr val="tx1">
-                  <a:lumMod val="65000"/>
-                  <a:lumOff val="35000"/>
-                </a:schemeClr>
-              </a:solidFill>
-              <a:ea typeface="Calibri Light" panose="020F0302020204030204" pitchFamily="34" charset="0"/>
-              <a:cs typeface="Calibri Light" panose="020F0302020204030204" pitchFamily="34" charset="0"/>
-            </a:endParaRPr>
-          </a:p>
-        </p:txBody>
-      </p:sp>
-      <p:sp>
-        <p:nvSpPr>
-          <p:cNvPr id="827" name="Rectangle 826">
-            <a:extLst>
-              <a:ext uri="{FF2B5EF4-FFF2-40B4-BE49-F238E27FC236}">
-                <a16:creationId xmlns:a16="http://schemas.microsoft.com/office/drawing/2014/main" id="{402D41CA-166E-D485-0B2E-19B642F168A0}"/>
-              </a:ext>
-            </a:extLst>
-          </p:cNvPr>
-          <p:cNvSpPr/>
-          <p:nvPr/>
-        </p:nvSpPr>
-        <p:spPr>
-          <a:xfrm>
-            <a:off x="23668" y="481904"/>
-            <a:ext cx="1508443" cy="2184302"/>
-          </a:xfrm>
-          <a:prstGeom prst="rect">
-            <a:avLst/>
-          </a:prstGeom>
-          <a:noFill/>
-          <a:ln w="6350">
-            <a:solidFill>
-              <a:schemeClr val="bg1">
-                <a:lumMod val="50000"/>
-              </a:schemeClr>
-            </a:solidFill>
-          </a:ln>
-          <a:effectLst/>
-        </p:spPr>
-        <p:style>
-          <a:lnRef idx="1">
-            <a:schemeClr val="accent1"/>
-          </a:lnRef>
-          <a:fillRef idx="3">
-            <a:schemeClr val="accent1"/>
-          </a:fillRef>
-          <a:effectRef idx="2">
-            <a:schemeClr val="accent1"/>
-          </a:effectRef>
-          <a:fontRef idx="minor">
-            <a:schemeClr val="lt1"/>
-          </a:fontRef>
-        </p:style>
-        <p:txBody>
-          <a:bodyPr rtlCol="0" anchor="ctr"/>
-          <a:lstStyle/>
-          <a:p>
-            <a:pPr algn="ctr"/>
-            <a:endParaRPr lang="en-GB" sz="1000">
-              <a:solidFill>
-                <a:schemeClr val="tx1">
-                  <a:lumMod val="65000"/>
-                  <a:lumOff val="35000"/>
-                </a:schemeClr>
-              </a:solidFill>
-              <a:ea typeface="Calibri Light" panose="020F0302020204030204" pitchFamily="34" charset="0"/>
-              <a:cs typeface="Calibri Light" panose="020F0302020204030204" pitchFamily="34" charset="0"/>
-            </a:endParaRPr>
-          </a:p>
-        </p:txBody>
-      </p:sp>
-      <p:sp>
-        <p:nvSpPr>
-          <p:cNvPr id="828" name="TextBox 827">
-            <a:extLst>
-              <a:ext uri="{FF2B5EF4-FFF2-40B4-BE49-F238E27FC236}">
-                <a16:creationId xmlns:a16="http://schemas.microsoft.com/office/drawing/2014/main" id="{B994B6A2-599C-4743-AAAB-3E0550FFC008}"/>
-              </a:ext>
-            </a:extLst>
-          </p:cNvPr>
-          <p:cNvSpPr txBox="1"/>
-          <p:nvPr/>
-        </p:nvSpPr>
-        <p:spPr>
-          <a:xfrm>
-            <a:off x="-61499" y="3023132"/>
-            <a:ext cx="7359389" cy="215444"/>
-          </a:xfrm>
-          <a:prstGeom prst="rect">
-            <a:avLst/>
-          </a:prstGeom>
-          <a:noFill/>
-        </p:spPr>
-        <p:txBody>
-          <a:bodyPr wrap="square" rtlCol="0">
-            <a:spAutoFit/>
-          </a:bodyPr>
-          <a:lstStyle/>
-          <a:p>
-            <a:pPr defTabSz="914126" eaLnBrk="0" fontAlgn="base" hangingPunct="0">
-              <a:spcBef>
-                <a:spcPct val="0"/>
-              </a:spcBef>
-            </a:pPr>
-            <a:r>
-              <a:rPr lang="en-US" sz="800" dirty="0">
-                <a:solidFill>
-                  <a:schemeClr val="tx1">
-                    <a:lumMod val="65000"/>
-                    <a:lumOff val="35000"/>
-                  </a:schemeClr>
-                </a:solidFill>
-                <a:ea typeface="Calibri Light" panose="020F0302020204030204" pitchFamily="34" charset="0"/>
-                <a:cs typeface="Calibri Light" panose="020F0302020204030204" pitchFamily="34" charset="0"/>
-              </a:rPr>
-              <a:t>(b) Univariate and multivariate ecPoint represented, respectively, as a “single-leaf” and “multiple-leaf” decision tree (DT) </a:t>
-            </a:r>
-            <a:endParaRPr lang="en-GB" sz="800" dirty="0">
-              <a:solidFill>
-                <a:schemeClr val="tx1">
-                  <a:lumMod val="65000"/>
-                  <a:lumOff val="35000"/>
-                </a:schemeClr>
-              </a:solidFill>
-              <a:ea typeface="Calibri Light" panose="020F0302020204030204" pitchFamily="34" charset="0"/>
-              <a:cs typeface="Calibri Light" panose="020F0302020204030204" pitchFamily="34" charset="0"/>
-            </a:endParaRPr>
-          </a:p>
-        </p:txBody>
-      </p:sp>
-      <p:sp>
-        <p:nvSpPr>
-          <p:cNvPr id="829" name="TextBox 828">
-            <a:extLst>
-              <a:ext uri="{FF2B5EF4-FFF2-40B4-BE49-F238E27FC236}">
-                <a16:creationId xmlns:a16="http://schemas.microsoft.com/office/drawing/2014/main" id="{22FBD439-7724-2A46-FA0E-3B88FED8377E}"/>
-              </a:ext>
-            </a:extLst>
-          </p:cNvPr>
-          <p:cNvSpPr txBox="1"/>
-          <p:nvPr/>
-        </p:nvSpPr>
-        <p:spPr>
-          <a:xfrm>
-            <a:off x="-77897" y="490255"/>
-            <a:ext cx="1689732" cy="246221"/>
-          </a:xfrm>
-          <a:prstGeom prst="rect">
-            <a:avLst/>
-          </a:prstGeom>
-          <a:noFill/>
-        </p:spPr>
-        <p:txBody>
-          <a:bodyPr wrap="square" rtlCol="0">
-            <a:spAutoFit/>
-          </a:bodyPr>
-          <a:lstStyle/>
-          <a:p>
-            <a:pPr algn="ctr" defTabSz="914126" eaLnBrk="0" fontAlgn="base" hangingPunct="0">
-              <a:spcBef>
-                <a:spcPct val="0"/>
-              </a:spcBef>
-            </a:pPr>
-            <a:r>
-              <a:rPr lang="en-US" sz="1000" b="1" dirty="0">
+                </a:rPr>
+                <a:t>Forecast Error Ratio (FER)</a:t>
+              </a:r>
+              <a:endParaRPr lang="en-US" sz="800" b="1" baseline="-25000" dirty="0">
                 <a:solidFill>
                   <a:schemeClr val="tx1">
                     <a:lumMod val="65000"/>
@@ -7382,28 +7811,53 @@
                 </a:solidFill>
                 <a:ea typeface="Calibri" panose="020F0502020204030204" pitchFamily="34" charset="0"/>
                 <a:cs typeface="Calibri" panose="020F0502020204030204" pitchFamily="34" charset="0"/>
-              </a:rPr>
-              <a:t>Forecast Error Ratio (FER)</a:t>
-            </a:r>
-            <a:endParaRPr lang="en-US" sz="1000" b="1" baseline="-25000" dirty="0">
-              <a:solidFill>
-                <a:schemeClr val="tx1">
-                  <a:lumMod val="65000"/>
-                  <a:lumOff val="35000"/>
-                </a:schemeClr>
-              </a:solidFill>
-              <a:ea typeface="Calibri" panose="020F0502020204030204" pitchFamily="34" charset="0"/>
-              <a:cs typeface="Calibri" panose="020F0502020204030204" pitchFamily="34" charset="0"/>
-            </a:endParaRPr>
-          </a:p>
-        </p:txBody>
-      </p:sp>
+              </a:endParaRPr>
+            </a:p>
+          </p:txBody>
+        </p:sp>
+      </p:grpSp>
+    </p:spTree>
+    <p:extLst>
+      <p:ext uri="{BB962C8B-B14F-4D97-AF65-F5344CB8AC3E}">
+        <p14:creationId xmlns:p14="http://schemas.microsoft.com/office/powerpoint/2010/main" val="118045167"/>
+      </p:ext>
+    </p:extLst>
+  </p:cSld>
+  <p:clrMapOvr>
+    <a:masterClrMapping/>
+  </p:clrMapOvr>
+</p:sld>
+</file>
+
+<file path=ppt/slides/slide3.xml><?xml version="1.0" encoding="utf-8"?>
+<p:sld xmlns:a="http://schemas.openxmlformats.org/drawingml/2006/main" xmlns:r="http://schemas.openxmlformats.org/officeDocument/2006/relationships" xmlns:p="http://schemas.openxmlformats.org/presentationml/2006/main">
+  <p:cSld>
+    <p:spTree>
+      <p:nvGrpSpPr>
+        <p:cNvPr id="1" name="">
+          <a:extLst>
+            <a:ext uri="{FF2B5EF4-FFF2-40B4-BE49-F238E27FC236}">
+              <a16:creationId xmlns:a16="http://schemas.microsoft.com/office/drawing/2014/main" id="{838BB682-EDA3-3736-E458-4D28C5AE6861}"/>
+            </a:ext>
+          </a:extLst>
+        </p:cNvPr>
+        <p:cNvGrpSpPr/>
+        <p:nvPr/>
+      </p:nvGrpSpPr>
+      <p:grpSpPr>
+        <a:xfrm>
+          <a:off x="0" y="0"/>
+          <a:ext cx="0" cy="0"/>
+          <a:chOff x="0" y="0"/>
+          <a:chExt cx="0" cy="0"/>
+        </a:xfrm>
+      </p:grpSpPr>
       <p:grpSp>
         <p:nvGrpSpPr>
-          <p:cNvPr id="847" name="Group 846">
+          <p:cNvPr id="725" name="Group 724">
             <a:extLst>
               <a:ext uri="{FF2B5EF4-FFF2-40B4-BE49-F238E27FC236}">
-                <a16:creationId xmlns:a16="http://schemas.microsoft.com/office/drawing/2014/main" id="{BCD7B029-BED2-6F78-B39D-38E3537588E0}"/>
+                <a16:creationId xmlns:a16="http://schemas.microsoft.com/office/drawing/2014/main" id="{7015B24F-640A-D4FC-D0F7-45807A0AA57D}"/>
               </a:ext>
             </a:extLst>
           </p:cNvPr>
@@ -7412,7 +7866,7 @@
         </p:nvGrpSpPr>
         <p:grpSpPr>
           <a:xfrm>
-            <a:off x="-4347" y="3271922"/>
+            <a:off x="0" y="167772"/>
             <a:ext cx="6856640" cy="5244213"/>
             <a:chOff x="-4347" y="3748965"/>
             <a:chExt cx="6856640" cy="5244213"/>
@@ -7420,10 +7874,10 @@
         </p:grpSpPr>
         <p:sp>
           <p:nvSpPr>
-            <p:cNvPr id="2" name="Ovale 220">
-              <a:extLst>
-                <a:ext uri="{FF2B5EF4-FFF2-40B4-BE49-F238E27FC236}">
-                  <a16:creationId xmlns:a16="http://schemas.microsoft.com/office/drawing/2014/main" id="{8B0DA195-B0CA-6D8B-7DF5-31F6319FCB09}"/>
+            <p:cNvPr id="726" name="Ovale 220">
+              <a:extLst>
+                <a:ext uri="{FF2B5EF4-FFF2-40B4-BE49-F238E27FC236}">
+                  <a16:creationId xmlns:a16="http://schemas.microsoft.com/office/drawing/2014/main" id="{C10E1803-3FC9-AF71-F017-C81947F13BD7}"/>
                 </a:ext>
               </a:extLst>
             </p:cNvPr>
@@ -7474,10 +7928,10 @@
         </p:sp>
         <p:sp>
           <p:nvSpPr>
-            <p:cNvPr id="17" name="TextBox 16">
-              <a:extLst>
-                <a:ext uri="{FF2B5EF4-FFF2-40B4-BE49-F238E27FC236}">
-                  <a16:creationId xmlns:a16="http://schemas.microsoft.com/office/drawing/2014/main" id="{399037C4-50DD-48BD-592E-B9FAEABD690B}"/>
+            <p:cNvPr id="727" name="TextBox 726">
+              <a:extLst>
+                <a:ext uri="{FF2B5EF4-FFF2-40B4-BE49-F238E27FC236}">
+                  <a16:creationId xmlns:a16="http://schemas.microsoft.com/office/drawing/2014/main" id="{5A7E0B35-BEE3-5B5F-38DC-D36FCD21485F}"/>
                 </a:ext>
               </a:extLst>
             </p:cNvPr>
@@ -7516,10 +7970,10 @@
         </p:sp>
         <p:pic>
           <p:nvPicPr>
-            <p:cNvPr id="18" name="Graphic 88" descr="Leaf with solid fill">
-              <a:extLst>
-                <a:ext uri="{FF2B5EF4-FFF2-40B4-BE49-F238E27FC236}">
-                  <a16:creationId xmlns:a16="http://schemas.microsoft.com/office/drawing/2014/main" id="{BCA90329-A36F-69F7-4DD4-FE4F9E76318C}"/>
+            <p:cNvPr id="728" name="Graphic 88" descr="Leaf with solid fill">
+              <a:extLst>
+                <a:ext uri="{FF2B5EF4-FFF2-40B4-BE49-F238E27FC236}">
+                  <a16:creationId xmlns:a16="http://schemas.microsoft.com/office/drawing/2014/main" id="{802BA69C-12D4-485D-AA07-D5D16EF1B0B1}"/>
                 </a:ext>
               </a:extLst>
             </p:cNvPr>
@@ -7529,10 +7983,10 @@
             <p:nvPr/>
           </p:nvPicPr>
           <p:blipFill>
-            <a:blip r:embed="rId4">
+            <a:blip r:embed="rId2">
               <a:extLst>
                 <a:ext uri="{96DAC541-7B7A-43D3-8B79-37D633B846F1}">
-                  <asvg:svgBlip xmlns:asvg="http://schemas.microsoft.com/office/drawing/2016/SVG/main" r:embed="rId5"/>
+                  <asvg:svgBlip xmlns:asvg="http://schemas.microsoft.com/office/drawing/2016/SVG/main" r:embed="rId3"/>
                 </a:ext>
               </a:extLst>
             </a:blip>
@@ -7552,10 +8006,10 @@
         </p:pic>
         <p:sp>
           <p:nvSpPr>
-            <p:cNvPr id="19" name="CasellaDiTesto 26">
-              <a:extLst>
-                <a:ext uri="{FF2B5EF4-FFF2-40B4-BE49-F238E27FC236}">
-                  <a16:creationId xmlns:a16="http://schemas.microsoft.com/office/drawing/2014/main" id="{FDE94364-0189-FBDF-872E-85466892C2CB}"/>
+            <p:cNvPr id="729" name="CasellaDiTesto 26">
+              <a:extLst>
+                <a:ext uri="{FF2B5EF4-FFF2-40B4-BE49-F238E27FC236}">
+                  <a16:creationId xmlns:a16="http://schemas.microsoft.com/office/drawing/2014/main" id="{BD52DE52-0069-F75C-BE0A-8F15053EA0F0}"/>
                 </a:ext>
               </a:extLst>
             </p:cNvPr>
@@ -7591,10 +8045,10 @@
         </p:sp>
         <p:grpSp>
           <p:nvGrpSpPr>
-            <p:cNvPr id="20" name="Group 19">
-              <a:extLst>
-                <a:ext uri="{FF2B5EF4-FFF2-40B4-BE49-F238E27FC236}">
-                  <a16:creationId xmlns:a16="http://schemas.microsoft.com/office/drawing/2014/main" id="{79B7A497-1B98-6876-195F-2DF40627ADEE}"/>
+            <p:cNvPr id="730" name="Group 729">
+              <a:extLst>
+                <a:ext uri="{FF2B5EF4-FFF2-40B4-BE49-F238E27FC236}">
+                  <a16:creationId xmlns:a16="http://schemas.microsoft.com/office/drawing/2014/main" id="{D2EB4B12-64BC-A1FC-609E-FB473EE472DA}"/>
                 </a:ext>
               </a:extLst>
             </p:cNvPr>
@@ -7611,10 +8065,10 @@
           </p:grpSpPr>
           <p:pic>
             <p:nvPicPr>
-              <p:cNvPr id="21" name="Elemento grafico 246" descr="Deciduous tree with solid fill">
+              <p:cNvPr id="971" name="Elemento grafico 246" descr="Deciduous tree with solid fill">
                 <a:extLst>
                   <a:ext uri="{FF2B5EF4-FFF2-40B4-BE49-F238E27FC236}">
-                    <a16:creationId xmlns:a16="http://schemas.microsoft.com/office/drawing/2014/main" id="{822EEF7E-600C-6A1E-C67D-DB0D99ABDBD3}"/>
+                    <a16:creationId xmlns:a16="http://schemas.microsoft.com/office/drawing/2014/main" id="{97C67A12-8637-B69A-7EEC-B3DB5822D968}"/>
                   </a:ext>
                 </a:extLst>
               </p:cNvPr>
@@ -7624,10 +8078,10 @@
               <p:nvPr/>
             </p:nvPicPr>
             <p:blipFill>
-              <a:blip r:embed="rId6">
+              <a:blip r:embed="rId4">
                 <a:extLst>
                   <a:ext uri="{96DAC541-7B7A-43D3-8B79-37D633B846F1}">
-                    <asvg:svgBlip xmlns:asvg="http://schemas.microsoft.com/office/drawing/2016/SVG/main" r:embed="rId7"/>
+                    <asvg:svgBlip xmlns:asvg="http://schemas.microsoft.com/office/drawing/2016/SVG/main" r:embed="rId5"/>
                   </a:ext>
                 </a:extLst>
               </a:blip>
@@ -7691,10 +8145,10 @@
           </p:pic>
           <p:pic>
             <p:nvPicPr>
-              <p:cNvPr id="22" name="Elemento grafico 247" descr="Deciduous tree with solid fill">
+              <p:cNvPr id="972" name="Elemento grafico 247" descr="Deciduous tree with solid fill">
                 <a:extLst>
                   <a:ext uri="{FF2B5EF4-FFF2-40B4-BE49-F238E27FC236}">
-                    <a16:creationId xmlns:a16="http://schemas.microsoft.com/office/drawing/2014/main" id="{B2096F15-8B27-59CE-A7CB-B0AEDCC5A4D4}"/>
+                    <a16:creationId xmlns:a16="http://schemas.microsoft.com/office/drawing/2014/main" id="{F45F8BDD-506B-59FB-4154-9D7CB11C2727}"/>
                   </a:ext>
                 </a:extLst>
               </p:cNvPr>
@@ -7704,10 +8158,10 @@
               <p:nvPr/>
             </p:nvPicPr>
             <p:blipFill>
-              <a:blip r:embed="rId8">
+              <a:blip r:embed="rId6">
                 <a:extLst>
                   <a:ext uri="{96DAC541-7B7A-43D3-8B79-37D633B846F1}">
-                    <asvg:svgBlip xmlns:asvg="http://schemas.microsoft.com/office/drawing/2016/SVG/main" r:embed="rId9"/>
+                    <asvg:svgBlip xmlns:asvg="http://schemas.microsoft.com/office/drawing/2016/SVG/main" r:embed="rId7"/>
                   </a:ext>
                 </a:extLst>
               </a:blip>
@@ -7771,10 +8225,10 @@
           </p:pic>
           <p:pic>
             <p:nvPicPr>
-              <p:cNvPr id="23" name="Elemento grafico 248" descr="Deciduous tree with solid fill">
+              <p:cNvPr id="973" name="Elemento grafico 248" descr="Deciduous tree with solid fill">
                 <a:extLst>
                   <a:ext uri="{FF2B5EF4-FFF2-40B4-BE49-F238E27FC236}">
-                    <a16:creationId xmlns:a16="http://schemas.microsoft.com/office/drawing/2014/main" id="{1C128FEF-8AD8-B8BE-4262-0EF20EC6823D}"/>
+                    <a16:creationId xmlns:a16="http://schemas.microsoft.com/office/drawing/2014/main" id="{4AC34FE2-898B-446F-4268-0368B8063C24}"/>
                   </a:ext>
                 </a:extLst>
               </p:cNvPr>
@@ -7784,10 +8238,10 @@
               <p:nvPr/>
             </p:nvPicPr>
             <p:blipFill>
-              <a:blip r:embed="rId10">
+              <a:blip r:embed="rId8">
                 <a:extLst>
                   <a:ext uri="{96DAC541-7B7A-43D3-8B79-37D633B846F1}">
-                    <asvg:svgBlip xmlns:asvg="http://schemas.microsoft.com/office/drawing/2016/SVG/main" r:embed="rId11"/>
+                    <asvg:svgBlip xmlns:asvg="http://schemas.microsoft.com/office/drawing/2016/SVG/main" r:embed="rId9"/>
                   </a:ext>
                 </a:extLst>
               </a:blip>
@@ -7851,10 +8305,10 @@
           </p:pic>
           <p:pic>
             <p:nvPicPr>
-              <p:cNvPr id="24" name="Elemento grafico 249" descr="Deciduous tree with solid fill">
+              <p:cNvPr id="974" name="Elemento grafico 249" descr="Deciduous tree with solid fill">
                 <a:extLst>
                   <a:ext uri="{FF2B5EF4-FFF2-40B4-BE49-F238E27FC236}">
-                    <a16:creationId xmlns:a16="http://schemas.microsoft.com/office/drawing/2014/main" id="{4B77BDFB-BC07-6C49-2399-4064CD614393}"/>
+                    <a16:creationId xmlns:a16="http://schemas.microsoft.com/office/drawing/2014/main" id="{560ACF51-3D16-E80B-08D5-9C9A51757950}"/>
                   </a:ext>
                 </a:extLst>
               </p:cNvPr>
@@ -7864,10 +8318,10 @@
               <p:nvPr/>
             </p:nvPicPr>
             <p:blipFill>
-              <a:blip r:embed="rId12">
+              <a:blip r:embed="rId10">
                 <a:extLst>
                   <a:ext uri="{96DAC541-7B7A-43D3-8B79-37D633B846F1}">
-                    <asvg:svgBlip xmlns:asvg="http://schemas.microsoft.com/office/drawing/2016/SVG/main" r:embed="rId13"/>
+                    <asvg:svgBlip xmlns:asvg="http://schemas.microsoft.com/office/drawing/2016/SVG/main" r:embed="rId11"/>
                   </a:ext>
                 </a:extLst>
               </a:blip>
@@ -7931,10 +8385,10 @@
           </p:pic>
           <p:pic>
             <p:nvPicPr>
-              <p:cNvPr id="25" name="Elemento grafico 250" descr="Deciduous tree with solid fill">
+              <p:cNvPr id="975" name="Elemento grafico 250" descr="Deciduous tree with solid fill">
                 <a:extLst>
                   <a:ext uri="{FF2B5EF4-FFF2-40B4-BE49-F238E27FC236}">
-                    <a16:creationId xmlns:a16="http://schemas.microsoft.com/office/drawing/2014/main" id="{74D0F17B-7F89-24B0-C35F-0DD88DA21C53}"/>
+                    <a16:creationId xmlns:a16="http://schemas.microsoft.com/office/drawing/2014/main" id="{CD1CD6D9-69EA-FEAC-D2D1-B549E342312B}"/>
                   </a:ext>
                 </a:extLst>
               </p:cNvPr>
@@ -7944,10 +8398,10 @@
               <p:nvPr/>
             </p:nvPicPr>
             <p:blipFill>
-              <a:blip r:embed="rId14">
+              <a:blip r:embed="rId12">
                 <a:extLst>
                   <a:ext uri="{96DAC541-7B7A-43D3-8B79-37D633B846F1}">
-                    <asvg:svgBlip xmlns:asvg="http://schemas.microsoft.com/office/drawing/2016/SVG/main" r:embed="rId15"/>
+                    <asvg:svgBlip xmlns:asvg="http://schemas.microsoft.com/office/drawing/2016/SVG/main" r:embed="rId13"/>
                   </a:ext>
                 </a:extLst>
               </a:blip>
@@ -8012,10 +8466,10 @@
         </p:grpSp>
         <p:sp>
           <p:nvSpPr>
-            <p:cNvPr id="26" name="CasellaDiTesto 252">
-              <a:extLst>
-                <a:ext uri="{FF2B5EF4-FFF2-40B4-BE49-F238E27FC236}">
-                  <a16:creationId xmlns:a16="http://schemas.microsoft.com/office/drawing/2014/main" id="{00D4488A-99D6-649B-632E-3A242C091AF8}"/>
+            <p:cNvPr id="731" name="CasellaDiTesto 252">
+              <a:extLst>
+                <a:ext uri="{FF2B5EF4-FFF2-40B4-BE49-F238E27FC236}">
+                  <a16:creationId xmlns:a16="http://schemas.microsoft.com/office/drawing/2014/main" id="{F842F50F-9968-5EFA-B01C-47089B839E8A}"/>
                 </a:ext>
               </a:extLst>
             </p:cNvPr>
@@ -8096,10 +8550,10 @@
         </p:sp>
         <p:pic>
           <p:nvPicPr>
-            <p:cNvPr id="27" name="Picture 26">
-              <a:extLst>
-                <a:ext uri="{FF2B5EF4-FFF2-40B4-BE49-F238E27FC236}">
-                  <a16:creationId xmlns:a16="http://schemas.microsoft.com/office/drawing/2014/main" id="{B8E05BA3-B4E5-7992-75E8-8EFD5A6CB71E}"/>
+            <p:cNvPr id="732" name="Picture 731">
+              <a:extLst>
+                <a:ext uri="{FF2B5EF4-FFF2-40B4-BE49-F238E27FC236}">
+                  <a16:creationId xmlns:a16="http://schemas.microsoft.com/office/drawing/2014/main" id="{1F521D4A-7B54-F3DF-30DB-49994257B70E}"/>
                 </a:ext>
               </a:extLst>
             </p:cNvPr>
@@ -8109,7 +8563,7 @@
             <p:nvPr/>
           </p:nvPicPr>
           <p:blipFill>
-            <a:blip r:embed="rId16">
+            <a:blip r:embed="rId14">
               <a:clrChange>
                 <a:clrFrom>
                   <a:srgbClr val="F0F0F0"/>
@@ -8141,10 +8595,10 @@
         </p:pic>
         <p:cxnSp>
           <p:nvCxnSpPr>
-            <p:cNvPr id="28" name="Straight Connector 27">
-              <a:extLst>
-                <a:ext uri="{FF2B5EF4-FFF2-40B4-BE49-F238E27FC236}">
-                  <a16:creationId xmlns:a16="http://schemas.microsoft.com/office/drawing/2014/main" id="{B7052EE0-5CB5-718C-7D47-3A7A69F9F263}"/>
+            <p:cNvPr id="733" name="Straight Connector 732">
+              <a:extLst>
+                <a:ext uri="{FF2B5EF4-FFF2-40B4-BE49-F238E27FC236}">
+                  <a16:creationId xmlns:a16="http://schemas.microsoft.com/office/drawing/2014/main" id="{FDDA0BBE-0929-DF2A-4AA7-4262972A10DE}"/>
                 </a:ext>
               </a:extLst>
             </p:cNvPr>
@@ -8187,10 +8641,10 @@
         </p:cxnSp>
         <p:cxnSp>
           <p:nvCxnSpPr>
-            <p:cNvPr id="29" name="Straight Connector 28">
-              <a:extLst>
-                <a:ext uri="{FF2B5EF4-FFF2-40B4-BE49-F238E27FC236}">
-                  <a16:creationId xmlns:a16="http://schemas.microsoft.com/office/drawing/2014/main" id="{E08456AD-C174-2F44-6CDE-BF9390633308}"/>
+            <p:cNvPr id="734" name="Straight Connector 733">
+              <a:extLst>
+                <a:ext uri="{FF2B5EF4-FFF2-40B4-BE49-F238E27FC236}">
+                  <a16:creationId xmlns:a16="http://schemas.microsoft.com/office/drawing/2014/main" id="{E70423C2-58CB-58AB-F037-073A68ACD77D}"/>
                 </a:ext>
               </a:extLst>
             </p:cNvPr>
@@ -8234,10 +8688,10 @@
         </p:cxnSp>
         <p:cxnSp>
           <p:nvCxnSpPr>
-            <p:cNvPr id="30" name="Straight Connector 29">
-              <a:extLst>
-                <a:ext uri="{FF2B5EF4-FFF2-40B4-BE49-F238E27FC236}">
-                  <a16:creationId xmlns:a16="http://schemas.microsoft.com/office/drawing/2014/main" id="{6D021ED7-06E1-FA1C-01B4-576AEF7F542A}"/>
+            <p:cNvPr id="735" name="Straight Connector 734">
+              <a:extLst>
+                <a:ext uri="{FF2B5EF4-FFF2-40B4-BE49-F238E27FC236}">
+                  <a16:creationId xmlns:a16="http://schemas.microsoft.com/office/drawing/2014/main" id="{F44E9ADB-99F0-A044-8AD9-62EA2DA86722}"/>
                 </a:ext>
               </a:extLst>
             </p:cNvPr>
@@ -8281,10 +8735,10 @@
         </p:cxnSp>
         <p:sp>
           <p:nvSpPr>
-            <p:cNvPr id="31" name="CasellaDiTesto 239">
-              <a:extLst>
-                <a:ext uri="{FF2B5EF4-FFF2-40B4-BE49-F238E27FC236}">
-                  <a16:creationId xmlns:a16="http://schemas.microsoft.com/office/drawing/2014/main" id="{08F1D0FB-1072-0825-CD08-857F3E19E505}"/>
+            <p:cNvPr id="736" name="CasellaDiTesto 239">
+              <a:extLst>
+                <a:ext uri="{FF2B5EF4-FFF2-40B4-BE49-F238E27FC236}">
+                  <a16:creationId xmlns:a16="http://schemas.microsoft.com/office/drawing/2014/main" id="{1A913268-05EA-D790-D700-DFB305CB83C1}"/>
                 </a:ext>
               </a:extLst>
             </p:cNvPr>
@@ -8348,10 +8802,10 @@
         </p:sp>
         <p:pic>
           <p:nvPicPr>
-            <p:cNvPr id="32" name="Picture 31">
-              <a:extLst>
-                <a:ext uri="{FF2B5EF4-FFF2-40B4-BE49-F238E27FC236}">
-                  <a16:creationId xmlns:a16="http://schemas.microsoft.com/office/drawing/2014/main" id="{85C22BA3-86C7-4796-90B4-D9AC2ACF0CA7}"/>
+            <p:cNvPr id="737" name="Picture 736">
+              <a:extLst>
+                <a:ext uri="{FF2B5EF4-FFF2-40B4-BE49-F238E27FC236}">
+                  <a16:creationId xmlns:a16="http://schemas.microsoft.com/office/drawing/2014/main" id="{44C530A5-3603-6A9E-ABD9-DD704A5E50FA}"/>
                 </a:ext>
               </a:extLst>
             </p:cNvPr>
@@ -8361,7 +8815,7 @@
             <p:nvPr/>
           </p:nvPicPr>
           <p:blipFill>
-            <a:blip r:embed="rId17">
+            <a:blip r:embed="rId15">
               <a:clrChange>
                 <a:clrFrom>
                   <a:srgbClr val="F0F0F0"/>
@@ -8393,10 +8847,10 @@
         </p:pic>
         <p:cxnSp>
           <p:nvCxnSpPr>
-            <p:cNvPr id="33" name="Straight Connector 32">
-              <a:extLst>
-                <a:ext uri="{FF2B5EF4-FFF2-40B4-BE49-F238E27FC236}">
-                  <a16:creationId xmlns:a16="http://schemas.microsoft.com/office/drawing/2014/main" id="{F363FF82-8E60-FAB6-614D-A395EDBC5C67}"/>
+            <p:cNvPr id="738" name="Straight Connector 737">
+              <a:extLst>
+                <a:ext uri="{FF2B5EF4-FFF2-40B4-BE49-F238E27FC236}">
+                  <a16:creationId xmlns:a16="http://schemas.microsoft.com/office/drawing/2014/main" id="{0B9F629E-64C2-D4F6-9639-6F13CAA81A7C}"/>
                 </a:ext>
               </a:extLst>
             </p:cNvPr>
@@ -8439,10 +8893,10 @@
         </p:cxnSp>
         <p:cxnSp>
           <p:nvCxnSpPr>
-            <p:cNvPr id="34" name="Straight Connector 33">
-              <a:extLst>
-                <a:ext uri="{FF2B5EF4-FFF2-40B4-BE49-F238E27FC236}">
-                  <a16:creationId xmlns:a16="http://schemas.microsoft.com/office/drawing/2014/main" id="{912272D6-6E1D-9884-2678-935DCC16715B}"/>
+            <p:cNvPr id="739" name="Straight Connector 738">
+              <a:extLst>
+                <a:ext uri="{FF2B5EF4-FFF2-40B4-BE49-F238E27FC236}">
+                  <a16:creationId xmlns:a16="http://schemas.microsoft.com/office/drawing/2014/main" id="{FDD02384-1B17-F5E6-4620-2071251B6EE0}"/>
                 </a:ext>
               </a:extLst>
             </p:cNvPr>
@@ -8485,10 +8939,10 @@
         </p:cxnSp>
         <p:cxnSp>
           <p:nvCxnSpPr>
-            <p:cNvPr id="35" name="Straight Connector 34">
-              <a:extLst>
-                <a:ext uri="{FF2B5EF4-FFF2-40B4-BE49-F238E27FC236}">
-                  <a16:creationId xmlns:a16="http://schemas.microsoft.com/office/drawing/2014/main" id="{0503D04F-783E-3865-AA40-F94BFF264BBC}"/>
+            <p:cNvPr id="740" name="Straight Connector 739">
+              <a:extLst>
+                <a:ext uri="{FF2B5EF4-FFF2-40B4-BE49-F238E27FC236}">
+                  <a16:creationId xmlns:a16="http://schemas.microsoft.com/office/drawing/2014/main" id="{E960B044-FDED-1FA0-5E75-A5E2EA72718B}"/>
                 </a:ext>
               </a:extLst>
             </p:cNvPr>
@@ -8532,10 +8986,10 @@
         </p:cxnSp>
         <p:cxnSp>
           <p:nvCxnSpPr>
-            <p:cNvPr id="36" name="Straight Connector 35">
-              <a:extLst>
-                <a:ext uri="{FF2B5EF4-FFF2-40B4-BE49-F238E27FC236}">
-                  <a16:creationId xmlns:a16="http://schemas.microsoft.com/office/drawing/2014/main" id="{6315A5DE-CAD3-6E55-B075-070A1124BCE2}"/>
+            <p:cNvPr id="741" name="Straight Connector 740">
+              <a:extLst>
+                <a:ext uri="{FF2B5EF4-FFF2-40B4-BE49-F238E27FC236}">
+                  <a16:creationId xmlns:a16="http://schemas.microsoft.com/office/drawing/2014/main" id="{F55688F7-E1DD-0D6E-894D-171003BDCFB3}"/>
                 </a:ext>
               </a:extLst>
             </p:cNvPr>
@@ -8579,10 +9033,10 @@
         </p:cxnSp>
         <p:sp>
           <p:nvSpPr>
-            <p:cNvPr id="37" name="CasellaDiTesto 239">
-              <a:extLst>
-                <a:ext uri="{FF2B5EF4-FFF2-40B4-BE49-F238E27FC236}">
-                  <a16:creationId xmlns:a16="http://schemas.microsoft.com/office/drawing/2014/main" id="{85932847-61C2-B312-2C2D-D253AF331C3C}"/>
+            <p:cNvPr id="845" name="CasellaDiTesto 239">
+              <a:extLst>
+                <a:ext uri="{FF2B5EF4-FFF2-40B4-BE49-F238E27FC236}">
+                  <a16:creationId xmlns:a16="http://schemas.microsoft.com/office/drawing/2014/main" id="{AB12486E-691F-5028-488A-BB1643CD3BC1}"/>
                 </a:ext>
               </a:extLst>
             </p:cNvPr>
@@ -8646,10 +9100,10 @@
         </p:sp>
         <p:cxnSp>
           <p:nvCxnSpPr>
-            <p:cNvPr id="38" name="Straight Connector 37">
-              <a:extLst>
-                <a:ext uri="{FF2B5EF4-FFF2-40B4-BE49-F238E27FC236}">
-                  <a16:creationId xmlns:a16="http://schemas.microsoft.com/office/drawing/2014/main" id="{8EC4C3F0-87B2-C8F7-455D-1666B610AEC0}"/>
+            <p:cNvPr id="846" name="Straight Connector 845">
+              <a:extLst>
+                <a:ext uri="{FF2B5EF4-FFF2-40B4-BE49-F238E27FC236}">
+                  <a16:creationId xmlns:a16="http://schemas.microsoft.com/office/drawing/2014/main" id="{6F8454CD-FBA1-A76E-D6BC-A1D239B704CD}"/>
                 </a:ext>
               </a:extLst>
             </p:cNvPr>
@@ -8690,10 +9144,10 @@
         </p:cxnSp>
         <p:cxnSp>
           <p:nvCxnSpPr>
-            <p:cNvPr id="39" name="Straight Connector 38">
-              <a:extLst>
-                <a:ext uri="{FF2B5EF4-FFF2-40B4-BE49-F238E27FC236}">
-                  <a16:creationId xmlns:a16="http://schemas.microsoft.com/office/drawing/2014/main" id="{10DC24DE-7627-DB28-2B87-89AC2A6265DD}"/>
+            <p:cNvPr id="848" name="Straight Connector 847">
+              <a:extLst>
+                <a:ext uri="{FF2B5EF4-FFF2-40B4-BE49-F238E27FC236}">
+                  <a16:creationId xmlns:a16="http://schemas.microsoft.com/office/drawing/2014/main" id="{3272D6B1-F201-E56B-7166-8E7A01ABD3BB}"/>
                 </a:ext>
               </a:extLst>
             </p:cNvPr>
@@ -8734,10 +9188,10 @@
         </p:cxnSp>
         <p:cxnSp>
           <p:nvCxnSpPr>
-            <p:cNvPr id="40" name="Straight Connector 39">
-              <a:extLst>
-                <a:ext uri="{FF2B5EF4-FFF2-40B4-BE49-F238E27FC236}">
-                  <a16:creationId xmlns:a16="http://schemas.microsoft.com/office/drawing/2014/main" id="{0B6E1491-D225-7722-29D8-E77ECB58CDCB}"/>
+            <p:cNvPr id="849" name="Straight Connector 848">
+              <a:extLst>
+                <a:ext uri="{FF2B5EF4-FFF2-40B4-BE49-F238E27FC236}">
+                  <a16:creationId xmlns:a16="http://schemas.microsoft.com/office/drawing/2014/main" id="{2931C644-7E68-AFB7-EA4A-F58B35898FB4}"/>
                 </a:ext>
               </a:extLst>
             </p:cNvPr>
@@ -8778,10 +9232,10 @@
         </p:cxnSp>
         <p:sp>
           <p:nvSpPr>
-            <p:cNvPr id="41" name="TextBox 40">
-              <a:extLst>
-                <a:ext uri="{FF2B5EF4-FFF2-40B4-BE49-F238E27FC236}">
-                  <a16:creationId xmlns:a16="http://schemas.microsoft.com/office/drawing/2014/main" id="{8C39652F-37DF-E3EB-0205-6D49A4B2D07E}"/>
+            <p:cNvPr id="850" name="TextBox 849">
+              <a:extLst>
+                <a:ext uri="{FF2B5EF4-FFF2-40B4-BE49-F238E27FC236}">
+                  <a16:creationId xmlns:a16="http://schemas.microsoft.com/office/drawing/2014/main" id="{9B3FC991-C2B9-C8EE-909A-54C7A25383ED}"/>
                 </a:ext>
               </a:extLst>
             </p:cNvPr>
@@ -8822,10 +9276,10 @@
         </p:sp>
         <p:sp>
           <p:nvSpPr>
-            <p:cNvPr id="42" name="Ovale 14">
-              <a:extLst>
-                <a:ext uri="{FF2B5EF4-FFF2-40B4-BE49-F238E27FC236}">
-                  <a16:creationId xmlns:a16="http://schemas.microsoft.com/office/drawing/2014/main" id="{FA637C27-7A63-6A13-78D6-2EE08D14EBF1}"/>
+            <p:cNvPr id="851" name="Ovale 14">
+              <a:extLst>
+                <a:ext uri="{FF2B5EF4-FFF2-40B4-BE49-F238E27FC236}">
+                  <a16:creationId xmlns:a16="http://schemas.microsoft.com/office/drawing/2014/main" id="{E8774214-AF53-2589-F445-A084BEA60F99}"/>
                 </a:ext>
               </a:extLst>
             </p:cNvPr>
@@ -8878,10 +9332,10 @@
         </p:sp>
         <p:sp>
           <p:nvSpPr>
-            <p:cNvPr id="43" name="TextBox 42">
-              <a:extLst>
-                <a:ext uri="{FF2B5EF4-FFF2-40B4-BE49-F238E27FC236}">
-                  <a16:creationId xmlns:a16="http://schemas.microsoft.com/office/drawing/2014/main" id="{8816B08A-7195-136A-2158-FD294086A9A0}"/>
+            <p:cNvPr id="852" name="TextBox 851">
+              <a:extLst>
+                <a:ext uri="{FF2B5EF4-FFF2-40B4-BE49-F238E27FC236}">
+                  <a16:creationId xmlns:a16="http://schemas.microsoft.com/office/drawing/2014/main" id="{CCEB02E9-915F-EF6C-441C-54A21A8DD17D}"/>
                 </a:ext>
               </a:extLst>
             </p:cNvPr>
@@ -8922,10 +9376,10 @@
         </p:sp>
         <p:cxnSp>
           <p:nvCxnSpPr>
-            <p:cNvPr id="44" name="Straight Connector 43">
-              <a:extLst>
-                <a:ext uri="{FF2B5EF4-FFF2-40B4-BE49-F238E27FC236}">
-                  <a16:creationId xmlns:a16="http://schemas.microsoft.com/office/drawing/2014/main" id="{398200CA-E9E6-E17D-53AA-8F0B403B87B6}"/>
+            <p:cNvPr id="853" name="Straight Connector 852">
+              <a:extLst>
+                <a:ext uri="{FF2B5EF4-FFF2-40B4-BE49-F238E27FC236}">
+                  <a16:creationId xmlns:a16="http://schemas.microsoft.com/office/drawing/2014/main" id="{FFAF9E68-6454-3813-B0D1-1DB01586DD78}"/>
                 </a:ext>
               </a:extLst>
             </p:cNvPr>
@@ -8966,10 +9420,10 @@
         </p:cxnSp>
         <p:sp>
           <p:nvSpPr>
-            <p:cNvPr id="45" name="Ovale 14">
-              <a:extLst>
-                <a:ext uri="{FF2B5EF4-FFF2-40B4-BE49-F238E27FC236}">
-                  <a16:creationId xmlns:a16="http://schemas.microsoft.com/office/drawing/2014/main" id="{6C1E53C8-E6B1-5B6C-777E-B9314C07B343}"/>
+            <p:cNvPr id="854" name="Ovale 14">
+              <a:extLst>
+                <a:ext uri="{FF2B5EF4-FFF2-40B4-BE49-F238E27FC236}">
+                  <a16:creationId xmlns:a16="http://schemas.microsoft.com/office/drawing/2014/main" id="{34B0145A-BA96-1085-AD62-2B2DBB40100C}"/>
                 </a:ext>
               </a:extLst>
             </p:cNvPr>
@@ -9022,10 +9476,10 @@
         </p:sp>
         <p:pic>
           <p:nvPicPr>
-            <p:cNvPr id="46" name="Picture 45">
-              <a:extLst>
-                <a:ext uri="{FF2B5EF4-FFF2-40B4-BE49-F238E27FC236}">
-                  <a16:creationId xmlns:a16="http://schemas.microsoft.com/office/drawing/2014/main" id="{C1AB3186-ABF0-02A1-9CA6-71151AB85EAC}"/>
+            <p:cNvPr id="855" name="Picture 854">
+              <a:extLst>
+                <a:ext uri="{FF2B5EF4-FFF2-40B4-BE49-F238E27FC236}">
+                  <a16:creationId xmlns:a16="http://schemas.microsoft.com/office/drawing/2014/main" id="{319BBE73-4DE1-DAA5-878E-0007F4CE6428}"/>
                 </a:ext>
               </a:extLst>
             </p:cNvPr>
@@ -9035,7 +9489,7 @@
             <p:nvPr/>
           </p:nvPicPr>
           <p:blipFill>
-            <a:blip r:embed="rId18">
+            <a:blip r:embed="rId16">
               <a:clrChange>
                 <a:clrFrom>
                   <a:srgbClr val="F0F0F0"/>
@@ -9067,10 +9521,10 @@
         </p:pic>
         <p:cxnSp>
           <p:nvCxnSpPr>
-            <p:cNvPr id="47" name="Straight Connector 46">
-              <a:extLst>
-                <a:ext uri="{FF2B5EF4-FFF2-40B4-BE49-F238E27FC236}">
-                  <a16:creationId xmlns:a16="http://schemas.microsoft.com/office/drawing/2014/main" id="{267DC4D9-FEE8-D48E-4BEB-24057FA8F89D}"/>
+            <p:cNvPr id="856" name="Straight Connector 855">
+              <a:extLst>
+                <a:ext uri="{FF2B5EF4-FFF2-40B4-BE49-F238E27FC236}">
+                  <a16:creationId xmlns:a16="http://schemas.microsoft.com/office/drawing/2014/main" id="{0B8D0336-627F-4EEE-2515-5911E339E470}"/>
                 </a:ext>
               </a:extLst>
             </p:cNvPr>
@@ -9113,10 +9567,10 @@
         </p:cxnSp>
         <p:cxnSp>
           <p:nvCxnSpPr>
-            <p:cNvPr id="48" name="Straight Connector 47">
-              <a:extLst>
-                <a:ext uri="{FF2B5EF4-FFF2-40B4-BE49-F238E27FC236}">
-                  <a16:creationId xmlns:a16="http://schemas.microsoft.com/office/drawing/2014/main" id="{E0C1C880-CB0C-2354-5F2C-77F4F22A4C9D}"/>
+            <p:cNvPr id="857" name="Straight Connector 856">
+              <a:extLst>
+                <a:ext uri="{FF2B5EF4-FFF2-40B4-BE49-F238E27FC236}">
+                  <a16:creationId xmlns:a16="http://schemas.microsoft.com/office/drawing/2014/main" id="{E7F02BB2-84A4-2108-FBE1-A54A58753DB7}"/>
                 </a:ext>
               </a:extLst>
             </p:cNvPr>
@@ -9159,10 +9613,10 @@
         </p:cxnSp>
         <p:cxnSp>
           <p:nvCxnSpPr>
-            <p:cNvPr id="49" name="Straight Connector 48">
-              <a:extLst>
-                <a:ext uri="{FF2B5EF4-FFF2-40B4-BE49-F238E27FC236}">
-                  <a16:creationId xmlns:a16="http://schemas.microsoft.com/office/drawing/2014/main" id="{52E556AA-5CF0-6CE5-2C53-D29069E04D4C}"/>
+            <p:cNvPr id="858" name="Straight Connector 857">
+              <a:extLst>
+                <a:ext uri="{FF2B5EF4-FFF2-40B4-BE49-F238E27FC236}">
+                  <a16:creationId xmlns:a16="http://schemas.microsoft.com/office/drawing/2014/main" id="{6CBAE190-8B3D-9A12-AD77-1C14BD915608}"/>
                 </a:ext>
               </a:extLst>
             </p:cNvPr>
@@ -9206,10 +9660,10 @@
         </p:cxnSp>
         <p:cxnSp>
           <p:nvCxnSpPr>
-            <p:cNvPr id="50" name="Straight Connector 49">
-              <a:extLst>
-                <a:ext uri="{FF2B5EF4-FFF2-40B4-BE49-F238E27FC236}">
-                  <a16:creationId xmlns:a16="http://schemas.microsoft.com/office/drawing/2014/main" id="{07FEA8E0-8BAD-9B8A-2D3F-AD1BCDB3A926}"/>
+            <p:cNvPr id="859" name="Straight Connector 858">
+              <a:extLst>
+                <a:ext uri="{FF2B5EF4-FFF2-40B4-BE49-F238E27FC236}">
+                  <a16:creationId xmlns:a16="http://schemas.microsoft.com/office/drawing/2014/main" id="{0CE3C514-8487-72D8-974B-1E26ED52DF16}"/>
                 </a:ext>
               </a:extLst>
             </p:cNvPr>
@@ -9253,10 +9707,10 @@
         </p:cxnSp>
         <p:sp>
           <p:nvSpPr>
-            <p:cNvPr id="51" name="CasellaDiTesto 239">
-              <a:extLst>
-                <a:ext uri="{FF2B5EF4-FFF2-40B4-BE49-F238E27FC236}">
-                  <a16:creationId xmlns:a16="http://schemas.microsoft.com/office/drawing/2014/main" id="{3B21A155-FB16-A831-2A65-652A740FE0AA}"/>
+            <p:cNvPr id="860" name="CasellaDiTesto 239">
+              <a:extLst>
+                <a:ext uri="{FF2B5EF4-FFF2-40B4-BE49-F238E27FC236}">
+                  <a16:creationId xmlns:a16="http://schemas.microsoft.com/office/drawing/2014/main" id="{DB52DBDA-87D7-FC68-2AD5-3D456C2FCEB9}"/>
                 </a:ext>
               </a:extLst>
             </p:cNvPr>
@@ -9320,10 +9774,10 @@
         </p:sp>
         <p:pic>
           <p:nvPicPr>
-            <p:cNvPr id="52" name="Picture 51">
-              <a:extLst>
-                <a:ext uri="{FF2B5EF4-FFF2-40B4-BE49-F238E27FC236}">
-                  <a16:creationId xmlns:a16="http://schemas.microsoft.com/office/drawing/2014/main" id="{686EB4C2-C295-2E84-0FDA-876D5F59F8A5}"/>
+            <p:cNvPr id="861" name="Picture 860">
+              <a:extLst>
+                <a:ext uri="{FF2B5EF4-FFF2-40B4-BE49-F238E27FC236}">
+                  <a16:creationId xmlns:a16="http://schemas.microsoft.com/office/drawing/2014/main" id="{F2012B59-FE07-D425-82EF-AB73A560AF72}"/>
                 </a:ext>
               </a:extLst>
             </p:cNvPr>
@@ -9333,7 +9787,7 @@
             <p:nvPr/>
           </p:nvPicPr>
           <p:blipFill>
-            <a:blip r:embed="rId19">
+            <a:blip r:embed="rId17">
               <a:clrChange>
                 <a:clrFrom>
                   <a:srgbClr val="F0F0F0"/>
@@ -9365,10 +9819,10 @@
         </p:pic>
         <p:cxnSp>
           <p:nvCxnSpPr>
-            <p:cNvPr id="53" name="Straight Connector 52">
-              <a:extLst>
-                <a:ext uri="{FF2B5EF4-FFF2-40B4-BE49-F238E27FC236}">
-                  <a16:creationId xmlns:a16="http://schemas.microsoft.com/office/drawing/2014/main" id="{5F4E7C8F-E979-C323-ADFE-26CB0B3A95C6}"/>
+            <p:cNvPr id="862" name="Straight Connector 861">
+              <a:extLst>
+                <a:ext uri="{FF2B5EF4-FFF2-40B4-BE49-F238E27FC236}">
+                  <a16:creationId xmlns:a16="http://schemas.microsoft.com/office/drawing/2014/main" id="{28553F69-2EF3-510F-8A60-06289A945FEB}"/>
                 </a:ext>
               </a:extLst>
             </p:cNvPr>
@@ -9411,10 +9865,10 @@
         </p:cxnSp>
         <p:cxnSp>
           <p:nvCxnSpPr>
-            <p:cNvPr id="54" name="Straight Connector 53">
-              <a:extLst>
-                <a:ext uri="{FF2B5EF4-FFF2-40B4-BE49-F238E27FC236}">
-                  <a16:creationId xmlns:a16="http://schemas.microsoft.com/office/drawing/2014/main" id="{51EB0D72-04E7-BFA3-ED09-95FB4DA87CFC}"/>
+            <p:cNvPr id="863" name="Straight Connector 862">
+              <a:extLst>
+                <a:ext uri="{FF2B5EF4-FFF2-40B4-BE49-F238E27FC236}">
+                  <a16:creationId xmlns:a16="http://schemas.microsoft.com/office/drawing/2014/main" id="{6FB64B37-2854-27DC-F640-9A92BF472ACB}"/>
                 </a:ext>
               </a:extLst>
             </p:cNvPr>
@@ -9457,10 +9911,10 @@
         </p:cxnSp>
         <p:cxnSp>
           <p:nvCxnSpPr>
-            <p:cNvPr id="55" name="Straight Connector 54">
-              <a:extLst>
-                <a:ext uri="{FF2B5EF4-FFF2-40B4-BE49-F238E27FC236}">
-                  <a16:creationId xmlns:a16="http://schemas.microsoft.com/office/drawing/2014/main" id="{F4ED9AD2-CB01-87AF-AC17-8A93DC6D115B}"/>
+            <p:cNvPr id="864" name="Straight Connector 863">
+              <a:extLst>
+                <a:ext uri="{FF2B5EF4-FFF2-40B4-BE49-F238E27FC236}">
+                  <a16:creationId xmlns:a16="http://schemas.microsoft.com/office/drawing/2014/main" id="{D554CCEC-D96E-D861-D3AC-B2CAE77BF844}"/>
                 </a:ext>
               </a:extLst>
             </p:cNvPr>
@@ -9504,10 +9958,10 @@
         </p:cxnSp>
         <p:cxnSp>
           <p:nvCxnSpPr>
-            <p:cNvPr id="56" name="Straight Connector 55">
-              <a:extLst>
-                <a:ext uri="{FF2B5EF4-FFF2-40B4-BE49-F238E27FC236}">
-                  <a16:creationId xmlns:a16="http://schemas.microsoft.com/office/drawing/2014/main" id="{0EF53EAB-F4D3-AEDA-336E-34508899298B}"/>
+            <p:cNvPr id="865" name="Straight Connector 864">
+              <a:extLst>
+                <a:ext uri="{FF2B5EF4-FFF2-40B4-BE49-F238E27FC236}">
+                  <a16:creationId xmlns:a16="http://schemas.microsoft.com/office/drawing/2014/main" id="{AC609F64-4786-216F-48F9-4342DA42801C}"/>
                 </a:ext>
               </a:extLst>
             </p:cNvPr>
@@ -9551,10 +10005,10 @@
         </p:cxnSp>
         <p:sp>
           <p:nvSpPr>
-            <p:cNvPr id="57" name="CasellaDiTesto 239">
-              <a:extLst>
-                <a:ext uri="{FF2B5EF4-FFF2-40B4-BE49-F238E27FC236}">
-                  <a16:creationId xmlns:a16="http://schemas.microsoft.com/office/drawing/2014/main" id="{6B56C57B-14E2-B0B7-CCCB-D36E3184FBEB}"/>
+            <p:cNvPr id="866" name="CasellaDiTesto 239">
+              <a:extLst>
+                <a:ext uri="{FF2B5EF4-FFF2-40B4-BE49-F238E27FC236}">
+                  <a16:creationId xmlns:a16="http://schemas.microsoft.com/office/drawing/2014/main" id="{66BC6DC6-FB55-AC25-A6C3-16FF2BF650EA}"/>
                 </a:ext>
               </a:extLst>
             </p:cNvPr>
@@ -9618,10 +10072,10 @@
         </p:sp>
         <p:cxnSp>
           <p:nvCxnSpPr>
-            <p:cNvPr id="58" name="Straight Connector 57">
-              <a:extLst>
-                <a:ext uri="{FF2B5EF4-FFF2-40B4-BE49-F238E27FC236}">
-                  <a16:creationId xmlns:a16="http://schemas.microsoft.com/office/drawing/2014/main" id="{2BE71C81-97B7-6F01-9246-B24618B6493C}"/>
+            <p:cNvPr id="867" name="Straight Connector 866">
+              <a:extLst>
+                <a:ext uri="{FF2B5EF4-FFF2-40B4-BE49-F238E27FC236}">
+                  <a16:creationId xmlns:a16="http://schemas.microsoft.com/office/drawing/2014/main" id="{738CFD7C-8E4D-CBFC-4714-3F40C4B3E43E}"/>
                 </a:ext>
               </a:extLst>
             </p:cNvPr>
@@ -9662,10 +10116,10 @@
         </p:cxnSp>
         <p:cxnSp>
           <p:nvCxnSpPr>
-            <p:cNvPr id="59" name="Straight Connector 58">
-              <a:extLst>
-                <a:ext uri="{FF2B5EF4-FFF2-40B4-BE49-F238E27FC236}">
-                  <a16:creationId xmlns:a16="http://schemas.microsoft.com/office/drawing/2014/main" id="{54913B1F-ECC9-5D43-9FE7-B9C21B30D654}"/>
+            <p:cNvPr id="868" name="Straight Connector 867">
+              <a:extLst>
+                <a:ext uri="{FF2B5EF4-FFF2-40B4-BE49-F238E27FC236}">
+                  <a16:creationId xmlns:a16="http://schemas.microsoft.com/office/drawing/2014/main" id="{DD6A028D-7315-3F67-6C93-B06D40A76963}"/>
                 </a:ext>
               </a:extLst>
             </p:cNvPr>
@@ -9706,10 +10160,10 @@
         </p:cxnSp>
         <p:cxnSp>
           <p:nvCxnSpPr>
-            <p:cNvPr id="60" name="Straight Connector 59">
-              <a:extLst>
-                <a:ext uri="{FF2B5EF4-FFF2-40B4-BE49-F238E27FC236}">
-                  <a16:creationId xmlns:a16="http://schemas.microsoft.com/office/drawing/2014/main" id="{3B5A02F0-3DE6-CAB7-89F7-4165DF7F3A74}"/>
+            <p:cNvPr id="869" name="Straight Connector 868">
+              <a:extLst>
+                <a:ext uri="{FF2B5EF4-FFF2-40B4-BE49-F238E27FC236}">
+                  <a16:creationId xmlns:a16="http://schemas.microsoft.com/office/drawing/2014/main" id="{AE002E0B-8090-4DAD-80FD-42CBA07E955F}"/>
                 </a:ext>
               </a:extLst>
             </p:cNvPr>
@@ -9750,10 +10204,10 @@
         </p:cxnSp>
         <p:sp>
           <p:nvSpPr>
-            <p:cNvPr id="61" name="TextBox 60">
-              <a:extLst>
-                <a:ext uri="{FF2B5EF4-FFF2-40B4-BE49-F238E27FC236}">
-                  <a16:creationId xmlns:a16="http://schemas.microsoft.com/office/drawing/2014/main" id="{7FA43ADC-AD9A-8299-959C-BCC147E6DF0B}"/>
+            <p:cNvPr id="870" name="TextBox 869">
+              <a:extLst>
+                <a:ext uri="{FF2B5EF4-FFF2-40B4-BE49-F238E27FC236}">
+                  <a16:creationId xmlns:a16="http://schemas.microsoft.com/office/drawing/2014/main" id="{52B673CA-2D73-A65B-EF54-D3961D451676}"/>
                 </a:ext>
               </a:extLst>
             </p:cNvPr>
@@ -9794,10 +10248,10 @@
         </p:sp>
         <p:sp>
           <p:nvSpPr>
-            <p:cNvPr id="62" name="Ovale 14">
-              <a:extLst>
-                <a:ext uri="{FF2B5EF4-FFF2-40B4-BE49-F238E27FC236}">
-                  <a16:creationId xmlns:a16="http://schemas.microsoft.com/office/drawing/2014/main" id="{E0F25DF8-DC5B-36AB-8019-CF1B033718FF}"/>
+            <p:cNvPr id="871" name="Ovale 14">
+              <a:extLst>
+                <a:ext uri="{FF2B5EF4-FFF2-40B4-BE49-F238E27FC236}">
+                  <a16:creationId xmlns:a16="http://schemas.microsoft.com/office/drawing/2014/main" id="{4A127CD2-4782-C212-779C-F3319B6EBB5D}"/>
                 </a:ext>
               </a:extLst>
             </p:cNvPr>
@@ -9850,10 +10304,10 @@
         </p:sp>
         <p:sp>
           <p:nvSpPr>
-            <p:cNvPr id="63" name="TextBox 62">
-              <a:extLst>
-                <a:ext uri="{FF2B5EF4-FFF2-40B4-BE49-F238E27FC236}">
-                  <a16:creationId xmlns:a16="http://schemas.microsoft.com/office/drawing/2014/main" id="{07E7A0EE-349B-8E3C-D727-8B9E5E09CE53}"/>
+            <p:cNvPr id="872" name="TextBox 871">
+              <a:extLst>
+                <a:ext uri="{FF2B5EF4-FFF2-40B4-BE49-F238E27FC236}">
+                  <a16:creationId xmlns:a16="http://schemas.microsoft.com/office/drawing/2014/main" id="{A8F92470-8625-03B2-8642-A222DEA1D3EA}"/>
                 </a:ext>
               </a:extLst>
             </p:cNvPr>
@@ -9894,10 +10348,10 @@
         </p:sp>
         <p:cxnSp>
           <p:nvCxnSpPr>
-            <p:cNvPr id="512" name="Straight Connector 511">
-              <a:extLst>
-                <a:ext uri="{FF2B5EF4-FFF2-40B4-BE49-F238E27FC236}">
-                  <a16:creationId xmlns:a16="http://schemas.microsoft.com/office/drawing/2014/main" id="{8F77DC1F-FE83-6F8F-6567-31492A8C0217}"/>
+            <p:cNvPr id="873" name="Straight Connector 872">
+              <a:extLst>
+                <a:ext uri="{FF2B5EF4-FFF2-40B4-BE49-F238E27FC236}">
+                  <a16:creationId xmlns:a16="http://schemas.microsoft.com/office/drawing/2014/main" id="{4D121FBC-3CA8-0247-F543-813962D11ACC}"/>
                 </a:ext>
               </a:extLst>
             </p:cNvPr>
@@ -9938,10 +10392,10 @@
         </p:cxnSp>
         <p:sp>
           <p:nvSpPr>
-            <p:cNvPr id="513" name="Ovale 14">
-              <a:extLst>
-                <a:ext uri="{FF2B5EF4-FFF2-40B4-BE49-F238E27FC236}">
-                  <a16:creationId xmlns:a16="http://schemas.microsoft.com/office/drawing/2014/main" id="{05F132F9-53D9-68E7-FE18-7100CD04E873}"/>
+            <p:cNvPr id="874" name="Ovale 14">
+              <a:extLst>
+                <a:ext uri="{FF2B5EF4-FFF2-40B4-BE49-F238E27FC236}">
+                  <a16:creationId xmlns:a16="http://schemas.microsoft.com/office/drawing/2014/main" id="{EE1073DD-F966-A095-C7E4-5982F6B35474}"/>
                 </a:ext>
               </a:extLst>
             </p:cNvPr>
@@ -9994,10 +10448,10 @@
         </p:sp>
         <p:pic>
           <p:nvPicPr>
-            <p:cNvPr id="514" name="Picture 513">
-              <a:extLst>
-                <a:ext uri="{FF2B5EF4-FFF2-40B4-BE49-F238E27FC236}">
-                  <a16:creationId xmlns:a16="http://schemas.microsoft.com/office/drawing/2014/main" id="{92EA86E6-55DD-68EA-B0D4-C052556B8472}"/>
+            <p:cNvPr id="875" name="Picture 874">
+              <a:extLst>
+                <a:ext uri="{FF2B5EF4-FFF2-40B4-BE49-F238E27FC236}">
+                  <a16:creationId xmlns:a16="http://schemas.microsoft.com/office/drawing/2014/main" id="{51A27F87-3691-C68A-1473-E4A94A69FA7D}"/>
                 </a:ext>
               </a:extLst>
             </p:cNvPr>
@@ -10007,7 +10461,7 @@
             <p:nvPr/>
           </p:nvPicPr>
           <p:blipFill>
-            <a:blip r:embed="rId20">
+            <a:blip r:embed="rId18">
               <a:clrChange>
                 <a:clrFrom>
                   <a:srgbClr val="F0F0F0"/>
@@ -10039,10 +10493,10 @@
         </p:pic>
         <p:cxnSp>
           <p:nvCxnSpPr>
-            <p:cNvPr id="515" name="Straight Connector 514">
-              <a:extLst>
-                <a:ext uri="{FF2B5EF4-FFF2-40B4-BE49-F238E27FC236}">
-                  <a16:creationId xmlns:a16="http://schemas.microsoft.com/office/drawing/2014/main" id="{495881BD-4B16-0EBC-2410-DDCA51E72469}"/>
+            <p:cNvPr id="876" name="Straight Connector 875">
+              <a:extLst>
+                <a:ext uri="{FF2B5EF4-FFF2-40B4-BE49-F238E27FC236}">
+                  <a16:creationId xmlns:a16="http://schemas.microsoft.com/office/drawing/2014/main" id="{EB6DADF8-4243-80F8-DC7A-74362E80C190}"/>
                 </a:ext>
               </a:extLst>
             </p:cNvPr>
@@ -10085,10 +10539,10 @@
         </p:cxnSp>
         <p:cxnSp>
           <p:nvCxnSpPr>
-            <p:cNvPr id="516" name="Straight Connector 515">
-              <a:extLst>
-                <a:ext uri="{FF2B5EF4-FFF2-40B4-BE49-F238E27FC236}">
-                  <a16:creationId xmlns:a16="http://schemas.microsoft.com/office/drawing/2014/main" id="{20F3F69A-F58F-0B52-BB35-D6C2BDFBDCF1}"/>
+            <p:cNvPr id="877" name="Straight Connector 876">
+              <a:extLst>
+                <a:ext uri="{FF2B5EF4-FFF2-40B4-BE49-F238E27FC236}">
+                  <a16:creationId xmlns:a16="http://schemas.microsoft.com/office/drawing/2014/main" id="{07E67B9F-3D29-0768-7C14-47960911476A}"/>
                 </a:ext>
               </a:extLst>
             </p:cNvPr>
@@ -10131,10 +10585,10 @@
         </p:cxnSp>
         <p:cxnSp>
           <p:nvCxnSpPr>
-            <p:cNvPr id="517" name="Straight Connector 516">
-              <a:extLst>
-                <a:ext uri="{FF2B5EF4-FFF2-40B4-BE49-F238E27FC236}">
-                  <a16:creationId xmlns:a16="http://schemas.microsoft.com/office/drawing/2014/main" id="{AA87A4A9-3A36-1230-DF9A-B4C94B35746F}"/>
+            <p:cNvPr id="878" name="Straight Connector 877">
+              <a:extLst>
+                <a:ext uri="{FF2B5EF4-FFF2-40B4-BE49-F238E27FC236}">
+                  <a16:creationId xmlns:a16="http://schemas.microsoft.com/office/drawing/2014/main" id="{0DDF3290-22B1-4478-23F5-0370660ACBE2}"/>
                 </a:ext>
               </a:extLst>
             </p:cNvPr>
@@ -10178,10 +10632,10 @@
         </p:cxnSp>
         <p:cxnSp>
           <p:nvCxnSpPr>
-            <p:cNvPr id="518" name="Straight Connector 517">
-              <a:extLst>
-                <a:ext uri="{FF2B5EF4-FFF2-40B4-BE49-F238E27FC236}">
-                  <a16:creationId xmlns:a16="http://schemas.microsoft.com/office/drawing/2014/main" id="{7793D8B9-5466-65A0-79A3-33C52AE25563}"/>
+            <p:cNvPr id="879" name="Straight Connector 878">
+              <a:extLst>
+                <a:ext uri="{FF2B5EF4-FFF2-40B4-BE49-F238E27FC236}">
+                  <a16:creationId xmlns:a16="http://schemas.microsoft.com/office/drawing/2014/main" id="{118C1392-D3B7-B30C-6F61-E47790643F10}"/>
                 </a:ext>
               </a:extLst>
             </p:cNvPr>
@@ -10225,10 +10679,10 @@
         </p:cxnSp>
         <p:sp>
           <p:nvSpPr>
-            <p:cNvPr id="519" name="CasellaDiTesto 239">
-              <a:extLst>
-                <a:ext uri="{FF2B5EF4-FFF2-40B4-BE49-F238E27FC236}">
-                  <a16:creationId xmlns:a16="http://schemas.microsoft.com/office/drawing/2014/main" id="{0D3A7C9D-71AE-87A8-84A8-DB8825867770}"/>
+            <p:cNvPr id="880" name="CasellaDiTesto 239">
+              <a:extLst>
+                <a:ext uri="{FF2B5EF4-FFF2-40B4-BE49-F238E27FC236}">
+                  <a16:creationId xmlns:a16="http://schemas.microsoft.com/office/drawing/2014/main" id="{CA73682C-A555-EEB4-8B51-93A2BAFBB99D}"/>
                 </a:ext>
               </a:extLst>
             </p:cNvPr>
@@ -10292,10 +10746,10 @@
         </p:sp>
         <p:pic>
           <p:nvPicPr>
-            <p:cNvPr id="520" name="Picture 519">
-              <a:extLst>
-                <a:ext uri="{FF2B5EF4-FFF2-40B4-BE49-F238E27FC236}">
-                  <a16:creationId xmlns:a16="http://schemas.microsoft.com/office/drawing/2014/main" id="{7531662A-9446-1F2B-7692-1E40EB71DD91}"/>
+            <p:cNvPr id="881" name="Picture 880">
+              <a:extLst>
+                <a:ext uri="{FF2B5EF4-FFF2-40B4-BE49-F238E27FC236}">
+                  <a16:creationId xmlns:a16="http://schemas.microsoft.com/office/drawing/2014/main" id="{78D86BF2-7C3F-4934-6D04-9B78FD011853}"/>
                 </a:ext>
               </a:extLst>
             </p:cNvPr>
@@ -10305,7 +10759,7 @@
             <p:nvPr/>
           </p:nvPicPr>
           <p:blipFill>
-            <a:blip r:embed="rId21">
+            <a:blip r:embed="rId19">
               <a:clrChange>
                 <a:clrFrom>
                   <a:srgbClr val="F0F0F0"/>
@@ -10337,10 +10791,10 @@
         </p:pic>
         <p:cxnSp>
           <p:nvCxnSpPr>
-            <p:cNvPr id="521" name="Straight Connector 520">
-              <a:extLst>
-                <a:ext uri="{FF2B5EF4-FFF2-40B4-BE49-F238E27FC236}">
-                  <a16:creationId xmlns:a16="http://schemas.microsoft.com/office/drawing/2014/main" id="{DA797BCC-5841-BF07-1517-ACF916C89BFE}"/>
+            <p:cNvPr id="882" name="Straight Connector 881">
+              <a:extLst>
+                <a:ext uri="{FF2B5EF4-FFF2-40B4-BE49-F238E27FC236}">
+                  <a16:creationId xmlns:a16="http://schemas.microsoft.com/office/drawing/2014/main" id="{EA75FC33-2D59-B4C8-77AF-249C3B6E28A1}"/>
                 </a:ext>
               </a:extLst>
             </p:cNvPr>
@@ -10383,10 +10837,10 @@
         </p:cxnSp>
         <p:cxnSp>
           <p:nvCxnSpPr>
-            <p:cNvPr id="522" name="Straight Connector 521">
-              <a:extLst>
-                <a:ext uri="{FF2B5EF4-FFF2-40B4-BE49-F238E27FC236}">
-                  <a16:creationId xmlns:a16="http://schemas.microsoft.com/office/drawing/2014/main" id="{F7031CEC-DA44-B10D-03C8-E9C562778348}"/>
+            <p:cNvPr id="883" name="Straight Connector 882">
+              <a:extLst>
+                <a:ext uri="{FF2B5EF4-FFF2-40B4-BE49-F238E27FC236}">
+                  <a16:creationId xmlns:a16="http://schemas.microsoft.com/office/drawing/2014/main" id="{EF6CF7E0-B09D-97D5-CF02-40021D6216FA}"/>
                 </a:ext>
               </a:extLst>
             </p:cNvPr>
@@ -10429,10 +10883,10 @@
         </p:cxnSp>
         <p:cxnSp>
           <p:nvCxnSpPr>
-            <p:cNvPr id="523" name="Straight Connector 522">
-              <a:extLst>
-                <a:ext uri="{FF2B5EF4-FFF2-40B4-BE49-F238E27FC236}">
-                  <a16:creationId xmlns:a16="http://schemas.microsoft.com/office/drawing/2014/main" id="{0059B07B-609E-0035-3897-11124F7E4772}"/>
+            <p:cNvPr id="884" name="Straight Connector 883">
+              <a:extLst>
+                <a:ext uri="{FF2B5EF4-FFF2-40B4-BE49-F238E27FC236}">
+                  <a16:creationId xmlns:a16="http://schemas.microsoft.com/office/drawing/2014/main" id="{64AE7E2A-5B52-1D14-5777-9730D7632C32}"/>
                 </a:ext>
               </a:extLst>
             </p:cNvPr>
@@ -10476,10 +10930,10 @@
         </p:cxnSp>
         <p:cxnSp>
           <p:nvCxnSpPr>
-            <p:cNvPr id="524" name="Straight Connector 523">
-              <a:extLst>
-                <a:ext uri="{FF2B5EF4-FFF2-40B4-BE49-F238E27FC236}">
-                  <a16:creationId xmlns:a16="http://schemas.microsoft.com/office/drawing/2014/main" id="{E44FE1E1-774D-4788-61A3-63AF7B682FD4}"/>
+            <p:cNvPr id="885" name="Straight Connector 884">
+              <a:extLst>
+                <a:ext uri="{FF2B5EF4-FFF2-40B4-BE49-F238E27FC236}">
+                  <a16:creationId xmlns:a16="http://schemas.microsoft.com/office/drawing/2014/main" id="{AC4DB0D2-B769-5F16-DAFE-C7AFF2DB12DF}"/>
                 </a:ext>
               </a:extLst>
             </p:cNvPr>
@@ -10523,10 +10977,10 @@
         </p:cxnSp>
         <p:sp>
           <p:nvSpPr>
-            <p:cNvPr id="525" name="CasellaDiTesto 239">
-              <a:extLst>
-                <a:ext uri="{FF2B5EF4-FFF2-40B4-BE49-F238E27FC236}">
-                  <a16:creationId xmlns:a16="http://schemas.microsoft.com/office/drawing/2014/main" id="{732AC74D-A4AB-37A4-AFF6-CD5A2F8EF173}"/>
+            <p:cNvPr id="886" name="CasellaDiTesto 239">
+              <a:extLst>
+                <a:ext uri="{FF2B5EF4-FFF2-40B4-BE49-F238E27FC236}">
+                  <a16:creationId xmlns:a16="http://schemas.microsoft.com/office/drawing/2014/main" id="{65B5D3A6-248E-ED60-DA9C-83EC7392CA3F}"/>
                 </a:ext>
               </a:extLst>
             </p:cNvPr>
@@ -10590,10 +11044,10 @@
         </p:sp>
         <p:pic>
           <p:nvPicPr>
-            <p:cNvPr id="526" name="Picture 525">
-              <a:extLst>
-                <a:ext uri="{FF2B5EF4-FFF2-40B4-BE49-F238E27FC236}">
-                  <a16:creationId xmlns:a16="http://schemas.microsoft.com/office/drawing/2014/main" id="{086654CD-505B-9984-C365-9DD56A4DC31D}"/>
+            <p:cNvPr id="887" name="Picture 886">
+              <a:extLst>
+                <a:ext uri="{FF2B5EF4-FFF2-40B4-BE49-F238E27FC236}">
+                  <a16:creationId xmlns:a16="http://schemas.microsoft.com/office/drawing/2014/main" id="{17722F26-814D-AF9A-638D-10E79C4E0407}"/>
                 </a:ext>
               </a:extLst>
             </p:cNvPr>
@@ -10603,7 +11057,7 @@
             <p:nvPr/>
           </p:nvPicPr>
           <p:blipFill>
-            <a:blip r:embed="rId22">
+            <a:blip r:embed="rId20">
               <a:clrChange>
                 <a:clrFrom>
                   <a:srgbClr val="F0F0F0"/>
@@ -10635,10 +11089,10 @@
         </p:pic>
         <p:cxnSp>
           <p:nvCxnSpPr>
-            <p:cNvPr id="527" name="Straight Connector 526">
-              <a:extLst>
-                <a:ext uri="{FF2B5EF4-FFF2-40B4-BE49-F238E27FC236}">
-                  <a16:creationId xmlns:a16="http://schemas.microsoft.com/office/drawing/2014/main" id="{BF689FD7-BBB7-2E39-ADF1-BB6AF2E49DE3}"/>
+            <p:cNvPr id="888" name="Straight Connector 887">
+              <a:extLst>
+                <a:ext uri="{FF2B5EF4-FFF2-40B4-BE49-F238E27FC236}">
+                  <a16:creationId xmlns:a16="http://schemas.microsoft.com/office/drawing/2014/main" id="{FD6711C6-7CB6-9924-DC3D-EC914A1C911E}"/>
                 </a:ext>
               </a:extLst>
             </p:cNvPr>
@@ -10681,10 +11135,10 @@
         </p:cxnSp>
         <p:cxnSp>
           <p:nvCxnSpPr>
-            <p:cNvPr id="528" name="Straight Connector 527">
-              <a:extLst>
-                <a:ext uri="{FF2B5EF4-FFF2-40B4-BE49-F238E27FC236}">
-                  <a16:creationId xmlns:a16="http://schemas.microsoft.com/office/drawing/2014/main" id="{18D73780-BE06-D7ED-354D-365ABD28D03E}"/>
+            <p:cNvPr id="889" name="Straight Connector 888">
+              <a:extLst>
+                <a:ext uri="{FF2B5EF4-FFF2-40B4-BE49-F238E27FC236}">
+                  <a16:creationId xmlns:a16="http://schemas.microsoft.com/office/drawing/2014/main" id="{678DFE38-5186-59E9-6CEC-4D5FA542BBE5}"/>
                 </a:ext>
               </a:extLst>
             </p:cNvPr>
@@ -10727,10 +11181,10 @@
         </p:cxnSp>
         <p:cxnSp>
           <p:nvCxnSpPr>
-            <p:cNvPr id="529" name="Straight Connector 528">
-              <a:extLst>
-                <a:ext uri="{FF2B5EF4-FFF2-40B4-BE49-F238E27FC236}">
-                  <a16:creationId xmlns:a16="http://schemas.microsoft.com/office/drawing/2014/main" id="{3EAF9445-DF61-7557-22BA-9D101A6BE63C}"/>
+            <p:cNvPr id="890" name="Straight Connector 889">
+              <a:extLst>
+                <a:ext uri="{FF2B5EF4-FFF2-40B4-BE49-F238E27FC236}">
+                  <a16:creationId xmlns:a16="http://schemas.microsoft.com/office/drawing/2014/main" id="{E268BED9-CE8F-1BEC-175B-4B0E64687879}"/>
                 </a:ext>
               </a:extLst>
             </p:cNvPr>
@@ -10774,10 +11228,10 @@
         </p:cxnSp>
         <p:cxnSp>
           <p:nvCxnSpPr>
-            <p:cNvPr id="530" name="Straight Connector 529">
-              <a:extLst>
-                <a:ext uri="{FF2B5EF4-FFF2-40B4-BE49-F238E27FC236}">
-                  <a16:creationId xmlns:a16="http://schemas.microsoft.com/office/drawing/2014/main" id="{C9C9EF74-F242-4E4F-8C67-92437EF6D1E0}"/>
+            <p:cNvPr id="891" name="Straight Connector 890">
+              <a:extLst>
+                <a:ext uri="{FF2B5EF4-FFF2-40B4-BE49-F238E27FC236}">
+                  <a16:creationId xmlns:a16="http://schemas.microsoft.com/office/drawing/2014/main" id="{829808BD-CE45-DCCE-7F76-452CFDB4F9FB}"/>
                 </a:ext>
               </a:extLst>
             </p:cNvPr>
@@ -10821,10 +11275,10 @@
         </p:cxnSp>
         <p:sp>
           <p:nvSpPr>
-            <p:cNvPr id="531" name="CasellaDiTesto 239">
-              <a:extLst>
-                <a:ext uri="{FF2B5EF4-FFF2-40B4-BE49-F238E27FC236}">
-                  <a16:creationId xmlns:a16="http://schemas.microsoft.com/office/drawing/2014/main" id="{9CC3F7B5-B658-882C-2567-7116019A5E76}"/>
+            <p:cNvPr id="892" name="CasellaDiTesto 239">
+              <a:extLst>
+                <a:ext uri="{FF2B5EF4-FFF2-40B4-BE49-F238E27FC236}">
+                  <a16:creationId xmlns:a16="http://schemas.microsoft.com/office/drawing/2014/main" id="{12DE670D-054F-3A5C-073C-E1E19253FE01}"/>
                 </a:ext>
               </a:extLst>
             </p:cNvPr>
@@ -10888,10 +11342,10 @@
         </p:sp>
         <p:cxnSp>
           <p:nvCxnSpPr>
-            <p:cNvPr id="532" name="Straight Connector 531">
-              <a:extLst>
-                <a:ext uri="{FF2B5EF4-FFF2-40B4-BE49-F238E27FC236}">
-                  <a16:creationId xmlns:a16="http://schemas.microsoft.com/office/drawing/2014/main" id="{4155524A-03D3-6BB6-5283-C18FE451C0A4}"/>
+            <p:cNvPr id="893" name="Straight Connector 892">
+              <a:extLst>
+                <a:ext uri="{FF2B5EF4-FFF2-40B4-BE49-F238E27FC236}">
+                  <a16:creationId xmlns:a16="http://schemas.microsoft.com/office/drawing/2014/main" id="{46E976CB-9FE3-3CB2-72E5-863DD3489540}"/>
                 </a:ext>
               </a:extLst>
             </p:cNvPr>
@@ -10932,10 +11386,10 @@
         </p:cxnSp>
         <p:cxnSp>
           <p:nvCxnSpPr>
-            <p:cNvPr id="533" name="Straight Connector 532">
-              <a:extLst>
-                <a:ext uri="{FF2B5EF4-FFF2-40B4-BE49-F238E27FC236}">
-                  <a16:creationId xmlns:a16="http://schemas.microsoft.com/office/drawing/2014/main" id="{1A4ABCCF-E482-1AAB-7E3F-A036599638E0}"/>
+            <p:cNvPr id="894" name="Straight Connector 893">
+              <a:extLst>
+                <a:ext uri="{FF2B5EF4-FFF2-40B4-BE49-F238E27FC236}">
+                  <a16:creationId xmlns:a16="http://schemas.microsoft.com/office/drawing/2014/main" id="{E9F8319F-2C83-B8E3-2F0C-D272FFE4C04D}"/>
                 </a:ext>
               </a:extLst>
             </p:cNvPr>
@@ -10976,10 +11430,10 @@
         </p:cxnSp>
         <p:cxnSp>
           <p:nvCxnSpPr>
-            <p:cNvPr id="534" name="Straight Connector 533">
-              <a:extLst>
-                <a:ext uri="{FF2B5EF4-FFF2-40B4-BE49-F238E27FC236}">
-                  <a16:creationId xmlns:a16="http://schemas.microsoft.com/office/drawing/2014/main" id="{0F12B33E-4364-855A-87CD-7DE7F87E723F}"/>
+            <p:cNvPr id="895" name="Straight Connector 894">
+              <a:extLst>
+                <a:ext uri="{FF2B5EF4-FFF2-40B4-BE49-F238E27FC236}">
+                  <a16:creationId xmlns:a16="http://schemas.microsoft.com/office/drawing/2014/main" id="{3C3A3CC8-5A6B-EEAE-137C-B60CCB2F3264}"/>
                 </a:ext>
               </a:extLst>
             </p:cNvPr>
@@ -11020,10 +11474,10 @@
         </p:cxnSp>
         <p:sp>
           <p:nvSpPr>
-            <p:cNvPr id="535" name="TextBox 534">
-              <a:extLst>
-                <a:ext uri="{FF2B5EF4-FFF2-40B4-BE49-F238E27FC236}">
-                  <a16:creationId xmlns:a16="http://schemas.microsoft.com/office/drawing/2014/main" id="{E5BCC0AC-DCAF-42F9-4C51-16F3E70B10B2}"/>
+            <p:cNvPr id="896" name="TextBox 895">
+              <a:extLst>
+                <a:ext uri="{FF2B5EF4-FFF2-40B4-BE49-F238E27FC236}">
+                  <a16:creationId xmlns:a16="http://schemas.microsoft.com/office/drawing/2014/main" id="{5EA9E22C-5B7C-5508-BFFD-42D0F3814E3D}"/>
                 </a:ext>
               </a:extLst>
             </p:cNvPr>
@@ -11064,10 +11518,10 @@
         </p:sp>
         <p:sp>
           <p:nvSpPr>
-            <p:cNvPr id="536" name="Ovale 14">
-              <a:extLst>
-                <a:ext uri="{FF2B5EF4-FFF2-40B4-BE49-F238E27FC236}">
-                  <a16:creationId xmlns:a16="http://schemas.microsoft.com/office/drawing/2014/main" id="{965A4EAD-0E5D-E119-27C3-82BEFBCE7328}"/>
+            <p:cNvPr id="897" name="Ovale 14">
+              <a:extLst>
+                <a:ext uri="{FF2B5EF4-FFF2-40B4-BE49-F238E27FC236}">
+                  <a16:creationId xmlns:a16="http://schemas.microsoft.com/office/drawing/2014/main" id="{8A73F9AF-31C3-4E52-2359-E919F5AEF095}"/>
                 </a:ext>
               </a:extLst>
             </p:cNvPr>
@@ -11120,10 +11574,10 @@
         </p:sp>
         <p:sp>
           <p:nvSpPr>
-            <p:cNvPr id="537" name="TextBox 536">
-              <a:extLst>
-                <a:ext uri="{FF2B5EF4-FFF2-40B4-BE49-F238E27FC236}">
-                  <a16:creationId xmlns:a16="http://schemas.microsoft.com/office/drawing/2014/main" id="{B4DE6B4C-DC78-D8E0-E324-35FE7373107B}"/>
+            <p:cNvPr id="898" name="TextBox 897">
+              <a:extLst>
+                <a:ext uri="{FF2B5EF4-FFF2-40B4-BE49-F238E27FC236}">
+                  <a16:creationId xmlns:a16="http://schemas.microsoft.com/office/drawing/2014/main" id="{9249D789-4AA6-817D-1F9F-EA6BE0D7F6C4}"/>
                 </a:ext>
               </a:extLst>
             </p:cNvPr>
@@ -11164,10 +11618,10 @@
         </p:sp>
         <p:cxnSp>
           <p:nvCxnSpPr>
-            <p:cNvPr id="538" name="Straight Connector 537">
-              <a:extLst>
-                <a:ext uri="{FF2B5EF4-FFF2-40B4-BE49-F238E27FC236}">
-                  <a16:creationId xmlns:a16="http://schemas.microsoft.com/office/drawing/2014/main" id="{326D692F-131E-A899-F095-690A0E2EABB9}"/>
+            <p:cNvPr id="899" name="Straight Connector 898">
+              <a:extLst>
+                <a:ext uri="{FF2B5EF4-FFF2-40B4-BE49-F238E27FC236}">
+                  <a16:creationId xmlns:a16="http://schemas.microsoft.com/office/drawing/2014/main" id="{DADA59B6-4059-701B-49FD-0301EEA805B5}"/>
                 </a:ext>
               </a:extLst>
             </p:cNvPr>
@@ -11208,10 +11662,10 @@
         </p:cxnSp>
         <p:sp>
           <p:nvSpPr>
-            <p:cNvPr id="539" name="Ovale 14">
-              <a:extLst>
-                <a:ext uri="{FF2B5EF4-FFF2-40B4-BE49-F238E27FC236}">
-                  <a16:creationId xmlns:a16="http://schemas.microsoft.com/office/drawing/2014/main" id="{B0D19965-B489-17BE-1C62-8ED35B1C9807}"/>
+            <p:cNvPr id="900" name="Ovale 14">
+              <a:extLst>
+                <a:ext uri="{FF2B5EF4-FFF2-40B4-BE49-F238E27FC236}">
+                  <a16:creationId xmlns:a16="http://schemas.microsoft.com/office/drawing/2014/main" id="{3EE91459-D3B4-018B-3365-4D95ADDC1CDC}"/>
                 </a:ext>
               </a:extLst>
             </p:cNvPr>
@@ -11264,10 +11718,10 @@
         </p:sp>
         <p:pic>
           <p:nvPicPr>
-            <p:cNvPr id="540" name="Picture 539">
-              <a:extLst>
-                <a:ext uri="{FF2B5EF4-FFF2-40B4-BE49-F238E27FC236}">
-                  <a16:creationId xmlns:a16="http://schemas.microsoft.com/office/drawing/2014/main" id="{4904B1E3-D6A1-D957-A7ED-C149AFA10936}"/>
+            <p:cNvPr id="901" name="Picture 900">
+              <a:extLst>
+                <a:ext uri="{FF2B5EF4-FFF2-40B4-BE49-F238E27FC236}">
+                  <a16:creationId xmlns:a16="http://schemas.microsoft.com/office/drawing/2014/main" id="{DC85CA9D-3D7C-31EE-8157-FD1F6E9C9E2A}"/>
                 </a:ext>
               </a:extLst>
             </p:cNvPr>
@@ -11277,7 +11731,7 @@
             <p:nvPr/>
           </p:nvPicPr>
           <p:blipFill>
-            <a:blip r:embed="rId23">
+            <a:blip r:embed="rId21">
               <a:clrChange>
                 <a:clrFrom>
                   <a:srgbClr val="F0F0F0"/>
@@ -11309,10 +11763,10 @@
         </p:pic>
         <p:cxnSp>
           <p:nvCxnSpPr>
-            <p:cNvPr id="541" name="Straight Connector 540">
-              <a:extLst>
-                <a:ext uri="{FF2B5EF4-FFF2-40B4-BE49-F238E27FC236}">
-                  <a16:creationId xmlns:a16="http://schemas.microsoft.com/office/drawing/2014/main" id="{9627AC02-55E4-3D36-9305-A25CF9FF038C}"/>
+            <p:cNvPr id="902" name="Straight Connector 901">
+              <a:extLst>
+                <a:ext uri="{FF2B5EF4-FFF2-40B4-BE49-F238E27FC236}">
+                  <a16:creationId xmlns:a16="http://schemas.microsoft.com/office/drawing/2014/main" id="{FE607CCA-D2D9-06F6-0E17-4F26D34AC944}"/>
                 </a:ext>
               </a:extLst>
             </p:cNvPr>
@@ -11355,10 +11809,10 @@
         </p:cxnSp>
         <p:cxnSp>
           <p:nvCxnSpPr>
-            <p:cNvPr id="542" name="Straight Connector 541">
-              <a:extLst>
-                <a:ext uri="{FF2B5EF4-FFF2-40B4-BE49-F238E27FC236}">
-                  <a16:creationId xmlns:a16="http://schemas.microsoft.com/office/drawing/2014/main" id="{9F6C7475-C659-E3F6-C74B-A74842289E62}"/>
+            <p:cNvPr id="903" name="Straight Connector 902">
+              <a:extLst>
+                <a:ext uri="{FF2B5EF4-FFF2-40B4-BE49-F238E27FC236}">
+                  <a16:creationId xmlns:a16="http://schemas.microsoft.com/office/drawing/2014/main" id="{3939CD23-D229-03F3-061F-8E997A3F94F9}"/>
                 </a:ext>
               </a:extLst>
             </p:cNvPr>
@@ -11401,10 +11855,10 @@
         </p:cxnSp>
         <p:cxnSp>
           <p:nvCxnSpPr>
-            <p:cNvPr id="543" name="Straight Connector 542">
-              <a:extLst>
-                <a:ext uri="{FF2B5EF4-FFF2-40B4-BE49-F238E27FC236}">
-                  <a16:creationId xmlns:a16="http://schemas.microsoft.com/office/drawing/2014/main" id="{B3B20C94-9CEC-C4A4-52BF-11ECEDF746AC}"/>
+            <p:cNvPr id="904" name="Straight Connector 903">
+              <a:extLst>
+                <a:ext uri="{FF2B5EF4-FFF2-40B4-BE49-F238E27FC236}">
+                  <a16:creationId xmlns:a16="http://schemas.microsoft.com/office/drawing/2014/main" id="{ED55C823-CF4B-98F2-A3B2-0567349AE38B}"/>
                 </a:ext>
               </a:extLst>
             </p:cNvPr>
@@ -11448,10 +11902,10 @@
         </p:cxnSp>
         <p:cxnSp>
           <p:nvCxnSpPr>
-            <p:cNvPr id="544" name="Straight Connector 543">
-              <a:extLst>
-                <a:ext uri="{FF2B5EF4-FFF2-40B4-BE49-F238E27FC236}">
-                  <a16:creationId xmlns:a16="http://schemas.microsoft.com/office/drawing/2014/main" id="{BB23AB93-23A2-A3E4-698D-FDB623B417C0}"/>
+            <p:cNvPr id="905" name="Straight Connector 904">
+              <a:extLst>
+                <a:ext uri="{FF2B5EF4-FFF2-40B4-BE49-F238E27FC236}">
+                  <a16:creationId xmlns:a16="http://schemas.microsoft.com/office/drawing/2014/main" id="{6641A791-5C0E-579F-6628-4BC68BD7EBB2}"/>
                 </a:ext>
               </a:extLst>
             </p:cNvPr>
@@ -11495,10 +11949,10 @@
         </p:cxnSp>
         <p:sp>
           <p:nvSpPr>
-            <p:cNvPr id="545" name="CasellaDiTesto 239">
-              <a:extLst>
-                <a:ext uri="{FF2B5EF4-FFF2-40B4-BE49-F238E27FC236}">
-                  <a16:creationId xmlns:a16="http://schemas.microsoft.com/office/drawing/2014/main" id="{2F99C96C-DD3B-58B9-AE63-1B114E0F014B}"/>
+            <p:cNvPr id="906" name="CasellaDiTesto 239">
+              <a:extLst>
+                <a:ext uri="{FF2B5EF4-FFF2-40B4-BE49-F238E27FC236}">
+                  <a16:creationId xmlns:a16="http://schemas.microsoft.com/office/drawing/2014/main" id="{3CE97D45-9C09-B973-297D-06880AD1C107}"/>
                 </a:ext>
               </a:extLst>
             </p:cNvPr>
@@ -11562,10 +12016,10 @@
         </p:sp>
         <p:cxnSp>
           <p:nvCxnSpPr>
-            <p:cNvPr id="546" name="Straight Connector 545">
-              <a:extLst>
-                <a:ext uri="{FF2B5EF4-FFF2-40B4-BE49-F238E27FC236}">
-                  <a16:creationId xmlns:a16="http://schemas.microsoft.com/office/drawing/2014/main" id="{3F1643A9-BE5D-38F4-C85E-A0C906C2C3D7}"/>
+            <p:cNvPr id="907" name="Straight Connector 906">
+              <a:extLst>
+                <a:ext uri="{FF2B5EF4-FFF2-40B4-BE49-F238E27FC236}">
+                  <a16:creationId xmlns:a16="http://schemas.microsoft.com/office/drawing/2014/main" id="{0112F16F-3B52-23DF-A665-337C582B590F}"/>
                 </a:ext>
               </a:extLst>
             </p:cNvPr>
@@ -11606,10 +12060,10 @@
         </p:cxnSp>
         <p:cxnSp>
           <p:nvCxnSpPr>
-            <p:cNvPr id="547" name="Straight Connector 546">
-              <a:extLst>
-                <a:ext uri="{FF2B5EF4-FFF2-40B4-BE49-F238E27FC236}">
-                  <a16:creationId xmlns:a16="http://schemas.microsoft.com/office/drawing/2014/main" id="{DE230113-6A52-4226-E039-0AC68CF01686}"/>
+            <p:cNvPr id="908" name="Straight Connector 907">
+              <a:extLst>
+                <a:ext uri="{FF2B5EF4-FFF2-40B4-BE49-F238E27FC236}">
+                  <a16:creationId xmlns:a16="http://schemas.microsoft.com/office/drawing/2014/main" id="{7781D143-DBFD-DF7E-57C4-C138F5A93FE7}"/>
                 </a:ext>
               </a:extLst>
             </p:cNvPr>
@@ -11650,10 +12104,10 @@
         </p:cxnSp>
         <p:cxnSp>
           <p:nvCxnSpPr>
-            <p:cNvPr id="548" name="Straight Connector 547">
-              <a:extLst>
-                <a:ext uri="{FF2B5EF4-FFF2-40B4-BE49-F238E27FC236}">
-                  <a16:creationId xmlns:a16="http://schemas.microsoft.com/office/drawing/2014/main" id="{0FA64EBB-4C0C-F55D-DFCF-B558C076AF70}"/>
+            <p:cNvPr id="909" name="Straight Connector 908">
+              <a:extLst>
+                <a:ext uri="{FF2B5EF4-FFF2-40B4-BE49-F238E27FC236}">
+                  <a16:creationId xmlns:a16="http://schemas.microsoft.com/office/drawing/2014/main" id="{41607796-8A67-8AE0-048C-4688C736CD55}"/>
                 </a:ext>
               </a:extLst>
             </p:cNvPr>
@@ -11694,10 +12148,10 @@
         </p:cxnSp>
         <p:sp>
           <p:nvSpPr>
-            <p:cNvPr id="549" name="TextBox 548">
-              <a:extLst>
-                <a:ext uri="{FF2B5EF4-FFF2-40B4-BE49-F238E27FC236}">
-                  <a16:creationId xmlns:a16="http://schemas.microsoft.com/office/drawing/2014/main" id="{DD0CFE7D-1C04-ABA1-31B9-7C2A415565B3}"/>
+            <p:cNvPr id="910" name="TextBox 909">
+              <a:extLst>
+                <a:ext uri="{FF2B5EF4-FFF2-40B4-BE49-F238E27FC236}">
+                  <a16:creationId xmlns:a16="http://schemas.microsoft.com/office/drawing/2014/main" id="{40E6B2D4-94FE-07D9-3BB8-7CACCBF50DDC}"/>
                 </a:ext>
               </a:extLst>
             </p:cNvPr>
@@ -11738,10 +12192,10 @@
         </p:sp>
         <p:sp>
           <p:nvSpPr>
-            <p:cNvPr id="550" name="Ovale 14">
-              <a:extLst>
-                <a:ext uri="{FF2B5EF4-FFF2-40B4-BE49-F238E27FC236}">
-                  <a16:creationId xmlns:a16="http://schemas.microsoft.com/office/drawing/2014/main" id="{F6A0F30A-046D-9991-C23E-43004ADFBA94}"/>
+            <p:cNvPr id="911" name="Ovale 14">
+              <a:extLst>
+                <a:ext uri="{FF2B5EF4-FFF2-40B4-BE49-F238E27FC236}">
+                  <a16:creationId xmlns:a16="http://schemas.microsoft.com/office/drawing/2014/main" id="{344DB4B1-3E31-7B65-A901-F96913F33FB2}"/>
                 </a:ext>
               </a:extLst>
             </p:cNvPr>
@@ -11794,10 +12248,10 @@
         </p:sp>
         <p:sp>
           <p:nvSpPr>
-            <p:cNvPr id="551" name="TextBox 550">
-              <a:extLst>
-                <a:ext uri="{FF2B5EF4-FFF2-40B4-BE49-F238E27FC236}">
-                  <a16:creationId xmlns:a16="http://schemas.microsoft.com/office/drawing/2014/main" id="{84A3EA77-A3DB-6C9C-6399-8074F59ED5B2}"/>
+            <p:cNvPr id="912" name="TextBox 911">
+              <a:extLst>
+                <a:ext uri="{FF2B5EF4-FFF2-40B4-BE49-F238E27FC236}">
+                  <a16:creationId xmlns:a16="http://schemas.microsoft.com/office/drawing/2014/main" id="{2CF65DCA-1047-156C-46B3-A5C9459A1C74}"/>
                 </a:ext>
               </a:extLst>
             </p:cNvPr>
@@ -11838,10 +12292,10 @@
         </p:sp>
         <p:cxnSp>
           <p:nvCxnSpPr>
-            <p:cNvPr id="552" name="Straight Connector 551">
-              <a:extLst>
-                <a:ext uri="{FF2B5EF4-FFF2-40B4-BE49-F238E27FC236}">
-                  <a16:creationId xmlns:a16="http://schemas.microsoft.com/office/drawing/2014/main" id="{241AF80F-4EC8-37A3-E44D-A4D40BCAF1FE}"/>
+            <p:cNvPr id="913" name="Straight Connector 912">
+              <a:extLst>
+                <a:ext uri="{FF2B5EF4-FFF2-40B4-BE49-F238E27FC236}">
+                  <a16:creationId xmlns:a16="http://schemas.microsoft.com/office/drawing/2014/main" id="{391F4CBD-5700-C8A3-A1CF-9DB22608455B}"/>
                 </a:ext>
               </a:extLst>
             </p:cNvPr>
@@ -11882,10 +12336,10 @@
         </p:cxnSp>
         <p:sp>
           <p:nvSpPr>
-            <p:cNvPr id="553" name="Ovale 14">
-              <a:extLst>
-                <a:ext uri="{FF2B5EF4-FFF2-40B4-BE49-F238E27FC236}">
-                  <a16:creationId xmlns:a16="http://schemas.microsoft.com/office/drawing/2014/main" id="{2F8776D1-7E4E-91BB-3D06-FBA55F5A80F5}"/>
+            <p:cNvPr id="914" name="Ovale 14">
+              <a:extLst>
+                <a:ext uri="{FF2B5EF4-FFF2-40B4-BE49-F238E27FC236}">
+                  <a16:creationId xmlns:a16="http://schemas.microsoft.com/office/drawing/2014/main" id="{D78A8DF1-FCC4-17F1-B9E2-B373AC30ACED}"/>
                 </a:ext>
               </a:extLst>
             </p:cNvPr>
@@ -11938,10 +12392,10 @@
         </p:sp>
         <p:sp>
           <p:nvSpPr>
-            <p:cNvPr id="554" name="Rectangle 553">
-              <a:extLst>
-                <a:ext uri="{FF2B5EF4-FFF2-40B4-BE49-F238E27FC236}">
-                  <a16:creationId xmlns:a16="http://schemas.microsoft.com/office/drawing/2014/main" id="{2403FA67-FEFA-D470-E239-688433E34CCC}"/>
+            <p:cNvPr id="915" name="Rectangle 914">
+              <a:extLst>
+                <a:ext uri="{FF2B5EF4-FFF2-40B4-BE49-F238E27FC236}">
+                  <a16:creationId xmlns:a16="http://schemas.microsoft.com/office/drawing/2014/main" id="{3AC73C53-F925-3CC5-F038-70CB831B9B50}"/>
                 </a:ext>
               </a:extLst>
             </p:cNvPr>
@@ -11992,10 +12446,10 @@
         </p:sp>
         <p:cxnSp>
           <p:nvCxnSpPr>
-            <p:cNvPr id="555" name="Straight Connector 554">
-              <a:extLst>
-                <a:ext uri="{FF2B5EF4-FFF2-40B4-BE49-F238E27FC236}">
-                  <a16:creationId xmlns:a16="http://schemas.microsoft.com/office/drawing/2014/main" id="{CF04C0A2-F174-8D9D-416D-209185E5A91E}"/>
+            <p:cNvPr id="916" name="Straight Connector 915">
+              <a:extLst>
+                <a:ext uri="{FF2B5EF4-FFF2-40B4-BE49-F238E27FC236}">
+                  <a16:creationId xmlns:a16="http://schemas.microsoft.com/office/drawing/2014/main" id="{3C6B9873-97A5-6A82-B532-DEF417F013EA}"/>
                 </a:ext>
               </a:extLst>
             </p:cNvPr>
@@ -12036,10 +12490,10 @@
         </p:cxnSp>
         <p:cxnSp>
           <p:nvCxnSpPr>
-            <p:cNvPr id="556" name="Straight Connector 555">
-              <a:extLst>
-                <a:ext uri="{FF2B5EF4-FFF2-40B4-BE49-F238E27FC236}">
-                  <a16:creationId xmlns:a16="http://schemas.microsoft.com/office/drawing/2014/main" id="{1D988C81-83AD-0B62-AFBA-6D14A89DE0DC}"/>
+            <p:cNvPr id="917" name="Straight Connector 916">
+              <a:extLst>
+                <a:ext uri="{FF2B5EF4-FFF2-40B4-BE49-F238E27FC236}">
+                  <a16:creationId xmlns:a16="http://schemas.microsoft.com/office/drawing/2014/main" id="{7825BE75-7831-0889-A14A-794C18AD0C06}"/>
                 </a:ext>
               </a:extLst>
             </p:cNvPr>
@@ -12080,10 +12534,10 @@
         </p:cxnSp>
         <p:cxnSp>
           <p:nvCxnSpPr>
-            <p:cNvPr id="557" name="Straight Connector 556">
-              <a:extLst>
-                <a:ext uri="{FF2B5EF4-FFF2-40B4-BE49-F238E27FC236}">
-                  <a16:creationId xmlns:a16="http://schemas.microsoft.com/office/drawing/2014/main" id="{47586B7F-A89E-D6EB-0BDD-FA9F2FBDF5A6}"/>
+            <p:cNvPr id="918" name="Straight Connector 917">
+              <a:extLst>
+                <a:ext uri="{FF2B5EF4-FFF2-40B4-BE49-F238E27FC236}">
+                  <a16:creationId xmlns:a16="http://schemas.microsoft.com/office/drawing/2014/main" id="{6FBDFE11-79B2-CC0B-2D41-DAEE9F9D0074}"/>
                 </a:ext>
               </a:extLst>
             </p:cNvPr>
@@ -12124,10 +12578,10 @@
         </p:cxnSp>
         <p:sp>
           <p:nvSpPr>
-            <p:cNvPr id="558" name="TextBox 557">
-              <a:extLst>
-                <a:ext uri="{FF2B5EF4-FFF2-40B4-BE49-F238E27FC236}">
-                  <a16:creationId xmlns:a16="http://schemas.microsoft.com/office/drawing/2014/main" id="{A9D29B85-43D1-ABBB-847F-D4972A8E9B12}"/>
+            <p:cNvPr id="919" name="TextBox 918">
+              <a:extLst>
+                <a:ext uri="{FF2B5EF4-FFF2-40B4-BE49-F238E27FC236}">
+                  <a16:creationId xmlns:a16="http://schemas.microsoft.com/office/drawing/2014/main" id="{474386FA-F024-040C-C02A-28CC575A2173}"/>
                 </a:ext>
               </a:extLst>
             </p:cNvPr>
@@ -12166,10 +12620,10 @@
         </p:sp>
         <p:sp>
           <p:nvSpPr>
-            <p:cNvPr id="742" name="Ovale 14">
-              <a:extLst>
-                <a:ext uri="{FF2B5EF4-FFF2-40B4-BE49-F238E27FC236}">
-                  <a16:creationId xmlns:a16="http://schemas.microsoft.com/office/drawing/2014/main" id="{098B088C-8AC8-FC91-55E3-77890213E288}"/>
+            <p:cNvPr id="920" name="Ovale 14">
+              <a:extLst>
+                <a:ext uri="{FF2B5EF4-FFF2-40B4-BE49-F238E27FC236}">
+                  <a16:creationId xmlns:a16="http://schemas.microsoft.com/office/drawing/2014/main" id="{6CDA77EE-F337-F8B3-02E9-E55404710EBC}"/>
                 </a:ext>
               </a:extLst>
             </p:cNvPr>
@@ -12220,10 +12674,10 @@
         </p:sp>
         <p:sp>
           <p:nvSpPr>
-            <p:cNvPr id="743" name="TextBox 742">
-              <a:extLst>
-                <a:ext uri="{FF2B5EF4-FFF2-40B4-BE49-F238E27FC236}">
-                  <a16:creationId xmlns:a16="http://schemas.microsoft.com/office/drawing/2014/main" id="{DE6DFADE-9A84-6DC0-9167-00EF94D17E2A}"/>
+            <p:cNvPr id="921" name="TextBox 920">
+              <a:extLst>
+                <a:ext uri="{FF2B5EF4-FFF2-40B4-BE49-F238E27FC236}">
+                  <a16:creationId xmlns:a16="http://schemas.microsoft.com/office/drawing/2014/main" id="{6510985A-A4BA-FC28-2ED8-E8475538D543}"/>
                 </a:ext>
               </a:extLst>
             </p:cNvPr>
@@ -12262,10 +12716,10 @@
         </p:sp>
         <p:cxnSp>
           <p:nvCxnSpPr>
-            <p:cNvPr id="744" name="Straight Connector 743">
-              <a:extLst>
-                <a:ext uri="{FF2B5EF4-FFF2-40B4-BE49-F238E27FC236}">
-                  <a16:creationId xmlns:a16="http://schemas.microsoft.com/office/drawing/2014/main" id="{B3E55C96-B08D-6594-717C-8DC80E77DEB3}"/>
+            <p:cNvPr id="922" name="Straight Connector 921">
+              <a:extLst>
+                <a:ext uri="{FF2B5EF4-FFF2-40B4-BE49-F238E27FC236}">
+                  <a16:creationId xmlns:a16="http://schemas.microsoft.com/office/drawing/2014/main" id="{D3EE8C23-D793-5F16-CC82-EFCE0A83EF57}"/>
                 </a:ext>
               </a:extLst>
             </p:cNvPr>
@@ -12306,10 +12760,10 @@
         </p:cxnSp>
         <p:sp>
           <p:nvSpPr>
-            <p:cNvPr id="745" name="Ovale 14">
-              <a:extLst>
-                <a:ext uri="{FF2B5EF4-FFF2-40B4-BE49-F238E27FC236}">
-                  <a16:creationId xmlns:a16="http://schemas.microsoft.com/office/drawing/2014/main" id="{55A80838-0D13-73D1-C9EE-103B48C5F34A}"/>
+            <p:cNvPr id="923" name="Ovale 14">
+              <a:extLst>
+                <a:ext uri="{FF2B5EF4-FFF2-40B4-BE49-F238E27FC236}">
+                  <a16:creationId xmlns:a16="http://schemas.microsoft.com/office/drawing/2014/main" id="{C7535DA8-A923-D0C1-921A-CCF0F5BB5692}"/>
                 </a:ext>
               </a:extLst>
             </p:cNvPr>
@@ -12360,10 +12814,10 @@
         </p:sp>
         <p:sp>
           <p:nvSpPr>
-            <p:cNvPr id="746" name="Rectangle 745">
-              <a:extLst>
-                <a:ext uri="{FF2B5EF4-FFF2-40B4-BE49-F238E27FC236}">
-                  <a16:creationId xmlns:a16="http://schemas.microsoft.com/office/drawing/2014/main" id="{B5A0B48F-4B20-E4FD-0A2D-DA2EB8385FF6}"/>
+            <p:cNvPr id="924" name="Rectangle 923">
+              <a:extLst>
+                <a:ext uri="{FF2B5EF4-FFF2-40B4-BE49-F238E27FC236}">
+                  <a16:creationId xmlns:a16="http://schemas.microsoft.com/office/drawing/2014/main" id="{C320F6B0-D421-5656-54AE-F22D6834553F}"/>
                 </a:ext>
               </a:extLst>
             </p:cNvPr>
@@ -12416,10 +12870,10 @@
         </p:sp>
         <p:sp>
           <p:nvSpPr>
-            <p:cNvPr id="747" name="CasellaDiTesto 239">
-              <a:extLst>
-                <a:ext uri="{FF2B5EF4-FFF2-40B4-BE49-F238E27FC236}">
-                  <a16:creationId xmlns:a16="http://schemas.microsoft.com/office/drawing/2014/main" id="{0D1CEA06-80A7-1FD2-98C9-E67FFFE23889}"/>
+            <p:cNvPr id="925" name="CasellaDiTesto 239">
+              <a:extLst>
+                <a:ext uri="{FF2B5EF4-FFF2-40B4-BE49-F238E27FC236}">
+                  <a16:creationId xmlns:a16="http://schemas.microsoft.com/office/drawing/2014/main" id="{AE271125-C726-0A74-5336-6D445EC12EBC}"/>
                 </a:ext>
               </a:extLst>
             </p:cNvPr>
@@ -12459,10 +12913,10 @@
         </p:sp>
         <p:pic>
           <p:nvPicPr>
-            <p:cNvPr id="748" name="Picture 747">
-              <a:extLst>
-                <a:ext uri="{FF2B5EF4-FFF2-40B4-BE49-F238E27FC236}">
-                  <a16:creationId xmlns:a16="http://schemas.microsoft.com/office/drawing/2014/main" id="{1E8CD432-07FD-9980-9F7F-41517A1B7C29}"/>
+            <p:cNvPr id="926" name="Picture 925">
+              <a:extLst>
+                <a:ext uri="{FF2B5EF4-FFF2-40B4-BE49-F238E27FC236}">
+                  <a16:creationId xmlns:a16="http://schemas.microsoft.com/office/drawing/2014/main" id="{03E68A0D-5CD3-C55C-3A2F-DCF6B9B550BD}"/>
                 </a:ext>
               </a:extLst>
             </p:cNvPr>
@@ -12472,7 +12926,7 @@
             <p:nvPr/>
           </p:nvPicPr>
           <p:blipFill>
-            <a:blip r:embed="rId24">
+            <a:blip r:embed="rId22">
               <a:clrChange>
                 <a:clrFrom>
                   <a:srgbClr val="F0F0F0"/>
@@ -12504,10 +12958,10 @@
         </p:pic>
         <p:sp>
           <p:nvSpPr>
-            <p:cNvPr id="749" name="Rectangle 748">
-              <a:extLst>
-                <a:ext uri="{FF2B5EF4-FFF2-40B4-BE49-F238E27FC236}">
-                  <a16:creationId xmlns:a16="http://schemas.microsoft.com/office/drawing/2014/main" id="{97BFA5CC-E69C-5B8D-6FD9-F1BC5EF856DA}"/>
+            <p:cNvPr id="927" name="Rectangle 926">
+              <a:extLst>
+                <a:ext uri="{FF2B5EF4-FFF2-40B4-BE49-F238E27FC236}">
+                  <a16:creationId xmlns:a16="http://schemas.microsoft.com/office/drawing/2014/main" id="{0FF0055A-A755-9ADE-0F4E-6F1566550CE1}"/>
                 </a:ext>
               </a:extLst>
             </p:cNvPr>
@@ -12560,10 +13014,100 @@
         </p:sp>
         <p:pic>
           <p:nvPicPr>
-            <p:cNvPr id="750" name="Picture 749">
-              <a:extLst>
-                <a:ext uri="{FF2B5EF4-FFF2-40B4-BE49-F238E27FC236}">
-                  <a16:creationId xmlns:a16="http://schemas.microsoft.com/office/drawing/2014/main" id="{6E4E0C72-1851-2522-61CA-032695EB6FA6}"/>
+            <p:cNvPr id="928" name="Picture 927">
+              <a:extLst>
+                <a:ext uri="{FF2B5EF4-FFF2-40B4-BE49-F238E27FC236}">
+                  <a16:creationId xmlns:a16="http://schemas.microsoft.com/office/drawing/2014/main" id="{BD16091E-E8B2-20A4-6831-3FA7ED942F18}"/>
+                </a:ext>
+              </a:extLst>
+            </p:cNvPr>
+            <p:cNvPicPr>
+              <a:picLocks noChangeAspect="1"/>
+            </p:cNvPicPr>
+            <p:nvPr/>
+          </p:nvPicPr>
+          <p:blipFill>
+            <a:blip r:embed="rId23">
+              <a:clrChange>
+                <a:clrFrom>
+                  <a:srgbClr val="F0F0F0"/>
+                </a:clrFrom>
+                <a:clrTo>
+                  <a:srgbClr val="F0F0F0">
+                    <a:alpha val="0"/>
+                  </a:srgbClr>
+                </a:clrTo>
+              </a:clrChange>
+              <a:extLst>
+                <a:ext uri="{28A0092B-C50C-407E-A947-70E740481C1C}">
+                  <a14:useLocalDpi xmlns:a14="http://schemas.microsoft.com/office/drawing/2010/main" val="0"/>
+                </a:ext>
+              </a:extLst>
+            </a:blip>
+            <a:srcRect l="4034"/>
+            <a:stretch/>
+          </p:blipFill>
+          <p:spPr>
+            <a:xfrm>
+              <a:off x="467251" y="6746387"/>
+              <a:ext cx="828000" cy="526004"/>
+            </a:xfrm>
+            <a:prstGeom prst="rect">
+              <a:avLst/>
+            </a:prstGeom>
+          </p:spPr>
+        </p:pic>
+        <p:pic>
+          <p:nvPicPr>
+            <p:cNvPr id="929" name="Picture 928">
+              <a:extLst>
+                <a:ext uri="{FF2B5EF4-FFF2-40B4-BE49-F238E27FC236}">
+                  <a16:creationId xmlns:a16="http://schemas.microsoft.com/office/drawing/2014/main" id="{6CF4011F-4C65-BC3A-3D45-33C614A6FA55}"/>
+                </a:ext>
+              </a:extLst>
+            </p:cNvPr>
+            <p:cNvPicPr>
+              <a:picLocks noChangeAspect="1"/>
+            </p:cNvPicPr>
+            <p:nvPr/>
+          </p:nvPicPr>
+          <p:blipFill>
+            <a:blip r:embed="rId24">
+              <a:clrChange>
+                <a:clrFrom>
+                  <a:srgbClr val="F0F0F0"/>
+                </a:clrFrom>
+                <a:clrTo>
+                  <a:srgbClr val="F0F0F0">
+                    <a:alpha val="0"/>
+                  </a:srgbClr>
+                </a:clrTo>
+              </a:clrChange>
+              <a:extLst>
+                <a:ext uri="{28A0092B-C50C-407E-A947-70E740481C1C}">
+                  <a14:useLocalDpi xmlns:a14="http://schemas.microsoft.com/office/drawing/2010/main" val="0"/>
+                </a:ext>
+              </a:extLst>
+            </a:blip>
+            <a:srcRect l="4161" r="-1"/>
+            <a:stretch/>
+          </p:blipFill>
+          <p:spPr>
+            <a:xfrm>
+              <a:off x="2178424" y="6746387"/>
+              <a:ext cx="828000" cy="526697"/>
+            </a:xfrm>
+            <a:prstGeom prst="rect">
+              <a:avLst/>
+            </a:prstGeom>
+          </p:spPr>
+        </p:pic>
+        <p:pic>
+          <p:nvPicPr>
+            <p:cNvPr id="930" name="Picture 929">
+              <a:extLst>
+                <a:ext uri="{FF2B5EF4-FFF2-40B4-BE49-F238E27FC236}">
+                  <a16:creationId xmlns:a16="http://schemas.microsoft.com/office/drawing/2014/main" id="{FD50DD07-1093-34C9-1B28-6355289E9112}"/>
                 </a:ext>
               </a:extLst>
             </p:cNvPr>
@@ -12590,96 +13134,6 @@
                 </a:ext>
               </a:extLst>
             </a:blip>
-            <a:srcRect l="4034"/>
-            <a:stretch/>
-          </p:blipFill>
-          <p:spPr>
-            <a:xfrm>
-              <a:off x="467251" y="6746387"/>
-              <a:ext cx="828000" cy="526004"/>
-            </a:xfrm>
-            <a:prstGeom prst="rect">
-              <a:avLst/>
-            </a:prstGeom>
-          </p:spPr>
-        </p:pic>
-        <p:pic>
-          <p:nvPicPr>
-            <p:cNvPr id="751" name="Picture 750">
-              <a:extLst>
-                <a:ext uri="{FF2B5EF4-FFF2-40B4-BE49-F238E27FC236}">
-                  <a16:creationId xmlns:a16="http://schemas.microsoft.com/office/drawing/2014/main" id="{00EBDE30-19EC-F547-68E5-D0827DAA3D2B}"/>
-                </a:ext>
-              </a:extLst>
-            </p:cNvPr>
-            <p:cNvPicPr>
-              <a:picLocks noChangeAspect="1"/>
-            </p:cNvPicPr>
-            <p:nvPr/>
-          </p:nvPicPr>
-          <p:blipFill>
-            <a:blip r:embed="rId26">
-              <a:clrChange>
-                <a:clrFrom>
-                  <a:srgbClr val="F0F0F0"/>
-                </a:clrFrom>
-                <a:clrTo>
-                  <a:srgbClr val="F0F0F0">
-                    <a:alpha val="0"/>
-                  </a:srgbClr>
-                </a:clrTo>
-              </a:clrChange>
-              <a:extLst>
-                <a:ext uri="{28A0092B-C50C-407E-A947-70E740481C1C}">
-                  <a14:useLocalDpi xmlns:a14="http://schemas.microsoft.com/office/drawing/2010/main" val="0"/>
-                </a:ext>
-              </a:extLst>
-            </a:blip>
-            <a:srcRect l="4161" r="-1"/>
-            <a:stretch/>
-          </p:blipFill>
-          <p:spPr>
-            <a:xfrm>
-              <a:off x="2178424" y="6746387"/>
-              <a:ext cx="828000" cy="526697"/>
-            </a:xfrm>
-            <a:prstGeom prst="rect">
-              <a:avLst/>
-            </a:prstGeom>
-          </p:spPr>
-        </p:pic>
-        <p:pic>
-          <p:nvPicPr>
-            <p:cNvPr id="752" name="Picture 751">
-              <a:extLst>
-                <a:ext uri="{FF2B5EF4-FFF2-40B4-BE49-F238E27FC236}">
-                  <a16:creationId xmlns:a16="http://schemas.microsoft.com/office/drawing/2014/main" id="{15E2A5F1-92D8-C27C-AF7C-447DE528D1A6}"/>
-                </a:ext>
-              </a:extLst>
-            </p:cNvPr>
-            <p:cNvPicPr>
-              <a:picLocks noChangeAspect="1"/>
-            </p:cNvPicPr>
-            <p:nvPr/>
-          </p:nvPicPr>
-          <p:blipFill>
-            <a:blip r:embed="rId27">
-              <a:clrChange>
-                <a:clrFrom>
-                  <a:srgbClr val="F0F0F0"/>
-                </a:clrFrom>
-                <a:clrTo>
-                  <a:srgbClr val="F0F0F0">
-                    <a:alpha val="0"/>
-                  </a:srgbClr>
-                </a:clrTo>
-              </a:clrChange>
-              <a:extLst>
-                <a:ext uri="{28A0092B-C50C-407E-A947-70E740481C1C}">
-                  <a14:useLocalDpi xmlns:a14="http://schemas.microsoft.com/office/drawing/2010/main" val="0"/>
-                </a:ext>
-              </a:extLst>
-            </a:blip>
             <a:srcRect l="4304" r="-1"/>
             <a:stretch/>
           </p:blipFill>
@@ -12695,10 +13149,10 @@
         </p:pic>
         <p:sp>
           <p:nvSpPr>
-            <p:cNvPr id="753" name="Rectangle 752">
-              <a:extLst>
-                <a:ext uri="{FF2B5EF4-FFF2-40B4-BE49-F238E27FC236}">
-                  <a16:creationId xmlns:a16="http://schemas.microsoft.com/office/drawing/2014/main" id="{EEDBCD5F-7973-9D88-1F3D-346760E66252}"/>
+            <p:cNvPr id="931" name="Rectangle 930">
+              <a:extLst>
+                <a:ext uri="{FF2B5EF4-FFF2-40B4-BE49-F238E27FC236}">
+                  <a16:creationId xmlns:a16="http://schemas.microsoft.com/office/drawing/2014/main" id="{64FD16A0-87C0-25E8-9D77-F02F1F165401}"/>
                 </a:ext>
               </a:extLst>
             </p:cNvPr>
@@ -12751,10 +13205,10 @@
         </p:sp>
         <p:cxnSp>
           <p:nvCxnSpPr>
-            <p:cNvPr id="754" name="Straight Connector 753">
-              <a:extLst>
-                <a:ext uri="{FF2B5EF4-FFF2-40B4-BE49-F238E27FC236}">
-                  <a16:creationId xmlns:a16="http://schemas.microsoft.com/office/drawing/2014/main" id="{CE7852B4-A296-1B61-16D6-612BA80311AC}"/>
+            <p:cNvPr id="932" name="Straight Connector 931">
+              <a:extLst>
+                <a:ext uri="{FF2B5EF4-FFF2-40B4-BE49-F238E27FC236}">
+                  <a16:creationId xmlns:a16="http://schemas.microsoft.com/office/drawing/2014/main" id="{2B790EAE-4671-9D8C-D195-3DD8153599B8}"/>
                 </a:ext>
               </a:extLst>
             </p:cNvPr>
@@ -12797,10 +13251,10 @@
         </p:cxnSp>
         <p:sp>
           <p:nvSpPr>
-            <p:cNvPr id="755" name="CasellaDiTesto 239">
-              <a:extLst>
-                <a:ext uri="{FF2B5EF4-FFF2-40B4-BE49-F238E27FC236}">
-                  <a16:creationId xmlns:a16="http://schemas.microsoft.com/office/drawing/2014/main" id="{EB5718F6-9675-94F7-71D6-4DC5E071B297}"/>
+            <p:cNvPr id="933" name="CasellaDiTesto 239">
+              <a:extLst>
+                <a:ext uri="{FF2B5EF4-FFF2-40B4-BE49-F238E27FC236}">
+                  <a16:creationId xmlns:a16="http://schemas.microsoft.com/office/drawing/2014/main" id="{82A5132A-750A-44ED-8B14-CCB1CDE53F82}"/>
                 </a:ext>
               </a:extLst>
             </p:cNvPr>
@@ -12840,10 +13294,10 @@
         </p:sp>
         <p:cxnSp>
           <p:nvCxnSpPr>
-            <p:cNvPr id="756" name="Straight Connector 755">
-              <a:extLst>
-                <a:ext uri="{FF2B5EF4-FFF2-40B4-BE49-F238E27FC236}">
-                  <a16:creationId xmlns:a16="http://schemas.microsoft.com/office/drawing/2014/main" id="{CB954BAD-EA41-4420-8935-C6F7403200EC}"/>
+            <p:cNvPr id="934" name="Straight Connector 933">
+              <a:extLst>
+                <a:ext uri="{FF2B5EF4-FFF2-40B4-BE49-F238E27FC236}">
+                  <a16:creationId xmlns:a16="http://schemas.microsoft.com/office/drawing/2014/main" id="{307EF9CC-6C6D-0965-4BC7-7442808C0131}"/>
                 </a:ext>
               </a:extLst>
             </p:cNvPr>
@@ -12884,10 +13338,10 @@
         </p:cxnSp>
         <p:cxnSp>
           <p:nvCxnSpPr>
-            <p:cNvPr id="757" name="Straight Connector 756">
-              <a:extLst>
-                <a:ext uri="{FF2B5EF4-FFF2-40B4-BE49-F238E27FC236}">
-                  <a16:creationId xmlns:a16="http://schemas.microsoft.com/office/drawing/2014/main" id="{BF20D850-85A8-0FFF-71D5-8CFA254613DE}"/>
+            <p:cNvPr id="935" name="Straight Connector 934">
+              <a:extLst>
+                <a:ext uri="{FF2B5EF4-FFF2-40B4-BE49-F238E27FC236}">
+                  <a16:creationId xmlns:a16="http://schemas.microsoft.com/office/drawing/2014/main" id="{91FE152C-3F5B-DA32-41A9-95854754BECB}"/>
                 </a:ext>
               </a:extLst>
             </p:cNvPr>
@@ -12928,10 +13382,10 @@
         </p:cxnSp>
         <p:cxnSp>
           <p:nvCxnSpPr>
-            <p:cNvPr id="758" name="Straight Connector 757">
-              <a:extLst>
-                <a:ext uri="{FF2B5EF4-FFF2-40B4-BE49-F238E27FC236}">
-                  <a16:creationId xmlns:a16="http://schemas.microsoft.com/office/drawing/2014/main" id="{49D0DD71-A5B7-260C-84B7-F30C630190BC}"/>
+            <p:cNvPr id="936" name="Straight Connector 935">
+              <a:extLst>
+                <a:ext uri="{FF2B5EF4-FFF2-40B4-BE49-F238E27FC236}">
+                  <a16:creationId xmlns:a16="http://schemas.microsoft.com/office/drawing/2014/main" id="{F791B5A0-F78B-BDDE-6FB3-177B6A77A230}"/>
                 </a:ext>
               </a:extLst>
             </p:cNvPr>
@@ -12972,10 +13426,10 @@
         </p:cxnSp>
         <p:sp>
           <p:nvSpPr>
-            <p:cNvPr id="759" name="TextBox 758">
-              <a:extLst>
-                <a:ext uri="{FF2B5EF4-FFF2-40B4-BE49-F238E27FC236}">
-                  <a16:creationId xmlns:a16="http://schemas.microsoft.com/office/drawing/2014/main" id="{52502F8E-E710-4C25-02C4-72148C6ED40A}"/>
+            <p:cNvPr id="937" name="TextBox 936">
+              <a:extLst>
+                <a:ext uri="{FF2B5EF4-FFF2-40B4-BE49-F238E27FC236}">
+                  <a16:creationId xmlns:a16="http://schemas.microsoft.com/office/drawing/2014/main" id="{53D301BA-FCD8-99FA-D8DF-5268E82EC48C}"/>
                 </a:ext>
               </a:extLst>
             </p:cNvPr>
@@ -13016,10 +13470,10 @@
         </p:sp>
         <p:sp>
           <p:nvSpPr>
-            <p:cNvPr id="760" name="TextBox 759">
-              <a:extLst>
-                <a:ext uri="{FF2B5EF4-FFF2-40B4-BE49-F238E27FC236}">
-                  <a16:creationId xmlns:a16="http://schemas.microsoft.com/office/drawing/2014/main" id="{C33C4C78-63E5-0BC9-876F-FF417AD8C614}"/>
+            <p:cNvPr id="938" name="TextBox 937">
+              <a:extLst>
+                <a:ext uri="{FF2B5EF4-FFF2-40B4-BE49-F238E27FC236}">
+                  <a16:creationId xmlns:a16="http://schemas.microsoft.com/office/drawing/2014/main" id="{EBBAEA19-7D7B-5A6D-3361-CAA831020210}"/>
                 </a:ext>
               </a:extLst>
             </p:cNvPr>
@@ -13060,10 +13514,10 @@
         </p:sp>
         <p:cxnSp>
           <p:nvCxnSpPr>
-            <p:cNvPr id="761" name="Straight Connector 760">
-              <a:extLst>
-                <a:ext uri="{FF2B5EF4-FFF2-40B4-BE49-F238E27FC236}">
-                  <a16:creationId xmlns:a16="http://schemas.microsoft.com/office/drawing/2014/main" id="{F319AAAF-8351-E3C1-F8D3-1433DAE2B76C}"/>
+            <p:cNvPr id="939" name="Straight Connector 938">
+              <a:extLst>
+                <a:ext uri="{FF2B5EF4-FFF2-40B4-BE49-F238E27FC236}">
+                  <a16:creationId xmlns:a16="http://schemas.microsoft.com/office/drawing/2014/main" id="{689D2D12-37E3-6621-EE9A-495DEA13D7B8}"/>
                 </a:ext>
               </a:extLst>
             </p:cNvPr>
@@ -13104,10 +13558,10 @@
         </p:cxnSp>
         <p:cxnSp>
           <p:nvCxnSpPr>
-            <p:cNvPr id="762" name="Straight Connector 761">
-              <a:extLst>
-                <a:ext uri="{FF2B5EF4-FFF2-40B4-BE49-F238E27FC236}">
-                  <a16:creationId xmlns:a16="http://schemas.microsoft.com/office/drawing/2014/main" id="{FB1F56BB-B4CD-912A-C1F7-134FF7631A3D}"/>
+            <p:cNvPr id="940" name="Straight Connector 939">
+              <a:extLst>
+                <a:ext uri="{FF2B5EF4-FFF2-40B4-BE49-F238E27FC236}">
+                  <a16:creationId xmlns:a16="http://schemas.microsoft.com/office/drawing/2014/main" id="{CB516FA7-86A8-9227-047C-A239FEBB7DB2}"/>
                 </a:ext>
               </a:extLst>
             </p:cNvPr>
@@ -13148,10 +13602,10 @@
         </p:cxnSp>
         <p:cxnSp>
           <p:nvCxnSpPr>
-            <p:cNvPr id="763" name="Straight Connector 762">
-              <a:extLst>
-                <a:ext uri="{FF2B5EF4-FFF2-40B4-BE49-F238E27FC236}">
-                  <a16:creationId xmlns:a16="http://schemas.microsoft.com/office/drawing/2014/main" id="{7206C148-F7C7-060D-7919-2AEBD49C910D}"/>
+            <p:cNvPr id="941" name="Straight Connector 940">
+              <a:extLst>
+                <a:ext uri="{FF2B5EF4-FFF2-40B4-BE49-F238E27FC236}">
+                  <a16:creationId xmlns:a16="http://schemas.microsoft.com/office/drawing/2014/main" id="{141AFE18-7231-AAAA-9E7B-BA11E34EC553}"/>
                 </a:ext>
               </a:extLst>
             </p:cNvPr>
@@ -13192,10 +13646,10 @@
         </p:cxnSp>
         <p:cxnSp>
           <p:nvCxnSpPr>
-            <p:cNvPr id="764" name="Straight Connector 763">
-              <a:extLst>
-                <a:ext uri="{FF2B5EF4-FFF2-40B4-BE49-F238E27FC236}">
-                  <a16:creationId xmlns:a16="http://schemas.microsoft.com/office/drawing/2014/main" id="{F4747D82-3E82-CCA4-6DB2-A4747DF04883}"/>
+            <p:cNvPr id="942" name="Straight Connector 941">
+              <a:extLst>
+                <a:ext uri="{FF2B5EF4-FFF2-40B4-BE49-F238E27FC236}">
+                  <a16:creationId xmlns:a16="http://schemas.microsoft.com/office/drawing/2014/main" id="{1075578B-C7F1-E76B-EBB8-BE42EA2E530E}"/>
                 </a:ext>
               </a:extLst>
             </p:cNvPr>
@@ -13236,10 +13690,10 @@
         </p:cxnSp>
         <p:sp>
           <p:nvSpPr>
-            <p:cNvPr id="765" name="TextBox 764">
-              <a:extLst>
-                <a:ext uri="{FF2B5EF4-FFF2-40B4-BE49-F238E27FC236}">
-                  <a16:creationId xmlns:a16="http://schemas.microsoft.com/office/drawing/2014/main" id="{3DBADC30-B540-3DD7-0674-8BBA39DD14F8}"/>
+            <p:cNvPr id="943" name="TextBox 942">
+              <a:extLst>
+                <a:ext uri="{FF2B5EF4-FFF2-40B4-BE49-F238E27FC236}">
+                  <a16:creationId xmlns:a16="http://schemas.microsoft.com/office/drawing/2014/main" id="{89DA06AE-0672-EC46-D9A6-2EF045BAF235}"/>
                 </a:ext>
               </a:extLst>
             </p:cNvPr>
@@ -13280,10 +13734,10 @@
         </p:sp>
         <p:sp>
           <p:nvSpPr>
-            <p:cNvPr id="766" name="TextBox 765">
-              <a:extLst>
-                <a:ext uri="{FF2B5EF4-FFF2-40B4-BE49-F238E27FC236}">
-                  <a16:creationId xmlns:a16="http://schemas.microsoft.com/office/drawing/2014/main" id="{7468BF2C-8EB4-2012-8236-3CACE99B2949}"/>
+            <p:cNvPr id="944" name="TextBox 943">
+              <a:extLst>
+                <a:ext uri="{FF2B5EF4-FFF2-40B4-BE49-F238E27FC236}">
+                  <a16:creationId xmlns:a16="http://schemas.microsoft.com/office/drawing/2014/main" id="{7723A709-96E1-296B-306E-D709AC9E8DEF}"/>
                 </a:ext>
               </a:extLst>
             </p:cNvPr>
@@ -13324,10 +13778,10 @@
         </p:sp>
         <p:cxnSp>
           <p:nvCxnSpPr>
-            <p:cNvPr id="767" name="Straight Connector 766">
-              <a:extLst>
-                <a:ext uri="{FF2B5EF4-FFF2-40B4-BE49-F238E27FC236}">
-                  <a16:creationId xmlns:a16="http://schemas.microsoft.com/office/drawing/2014/main" id="{5344860B-FE3C-A9FF-D204-B7AC73D396F4}"/>
+            <p:cNvPr id="945" name="Straight Connector 944">
+              <a:extLst>
+                <a:ext uri="{FF2B5EF4-FFF2-40B4-BE49-F238E27FC236}">
+                  <a16:creationId xmlns:a16="http://schemas.microsoft.com/office/drawing/2014/main" id="{A7A63A4F-2EFA-4D42-C848-9788189EE4B4}"/>
                 </a:ext>
               </a:extLst>
             </p:cNvPr>
@@ -13368,10 +13822,10 @@
         </p:cxnSp>
         <p:pic>
           <p:nvPicPr>
-            <p:cNvPr id="768" name="Picture 767">
-              <a:extLst>
-                <a:ext uri="{FF2B5EF4-FFF2-40B4-BE49-F238E27FC236}">
-                  <a16:creationId xmlns:a16="http://schemas.microsoft.com/office/drawing/2014/main" id="{2B87C3EC-BA5C-1A0D-49F3-B4E3A03BFF5E}"/>
+            <p:cNvPr id="946" name="Picture 945">
+              <a:extLst>
+                <a:ext uri="{FF2B5EF4-FFF2-40B4-BE49-F238E27FC236}">
+                  <a16:creationId xmlns:a16="http://schemas.microsoft.com/office/drawing/2014/main" id="{26BACE3D-302B-C7CA-BF58-191F739DF7C6}"/>
                 </a:ext>
               </a:extLst>
             </p:cNvPr>
@@ -13381,7 +13835,7 @@
             <p:nvPr/>
           </p:nvPicPr>
           <p:blipFill>
-            <a:blip r:embed="rId28">
+            <a:blip r:embed="rId26">
               <a:clrChange>
                 <a:clrFrom>
                   <a:srgbClr val="F0F0F0"/>
@@ -13413,10 +13867,10 @@
         </p:pic>
         <p:pic>
           <p:nvPicPr>
-            <p:cNvPr id="769" name="Picture 768">
-              <a:extLst>
-                <a:ext uri="{FF2B5EF4-FFF2-40B4-BE49-F238E27FC236}">
-                  <a16:creationId xmlns:a16="http://schemas.microsoft.com/office/drawing/2014/main" id="{E1B4A241-A211-E9BF-84AC-E2E9D0A49FB6}"/>
+            <p:cNvPr id="947" name="Picture 946">
+              <a:extLst>
+                <a:ext uri="{FF2B5EF4-FFF2-40B4-BE49-F238E27FC236}">
+                  <a16:creationId xmlns:a16="http://schemas.microsoft.com/office/drawing/2014/main" id="{4CBB30A0-A41C-663E-6C53-32FC760B254A}"/>
                 </a:ext>
               </a:extLst>
             </p:cNvPr>
@@ -13426,7 +13880,7 @@
             <p:nvPr/>
           </p:nvPicPr>
           <p:blipFill>
-            <a:blip r:embed="rId29">
+            <a:blip r:embed="rId27">
               <a:clrChange>
                 <a:clrFrom>
                   <a:srgbClr val="F0F0F0"/>
@@ -13458,10 +13912,10 @@
         </p:pic>
         <p:sp>
           <p:nvSpPr>
-            <p:cNvPr id="770" name="Ovale 14">
-              <a:extLst>
-                <a:ext uri="{FF2B5EF4-FFF2-40B4-BE49-F238E27FC236}">
-                  <a16:creationId xmlns:a16="http://schemas.microsoft.com/office/drawing/2014/main" id="{5865E292-29BB-1D14-DDEF-016538997A04}"/>
+            <p:cNvPr id="948" name="Ovale 14">
+              <a:extLst>
+                <a:ext uri="{FF2B5EF4-FFF2-40B4-BE49-F238E27FC236}">
+                  <a16:creationId xmlns:a16="http://schemas.microsoft.com/office/drawing/2014/main" id="{FE229394-3B20-7A74-9909-CE20AB016418}"/>
                 </a:ext>
               </a:extLst>
             </p:cNvPr>
@@ -13514,10 +13968,10 @@
         </p:sp>
         <p:sp>
           <p:nvSpPr>
-            <p:cNvPr id="771" name="Ovale 14">
-              <a:extLst>
-                <a:ext uri="{FF2B5EF4-FFF2-40B4-BE49-F238E27FC236}">
-                  <a16:creationId xmlns:a16="http://schemas.microsoft.com/office/drawing/2014/main" id="{8727D19A-EA75-399E-DE65-CC9F9FF01DF2}"/>
+            <p:cNvPr id="949" name="Ovale 14">
+              <a:extLst>
+                <a:ext uri="{FF2B5EF4-FFF2-40B4-BE49-F238E27FC236}">
+                  <a16:creationId xmlns:a16="http://schemas.microsoft.com/office/drawing/2014/main" id="{E2F049BC-FEF5-FEB9-B4D6-D11FBC036D51}"/>
                 </a:ext>
               </a:extLst>
             </p:cNvPr>
@@ -13570,10 +14024,10 @@
         </p:sp>
         <p:sp>
           <p:nvSpPr>
-            <p:cNvPr id="772" name="Ovale 14">
-              <a:extLst>
-                <a:ext uri="{FF2B5EF4-FFF2-40B4-BE49-F238E27FC236}">
-                  <a16:creationId xmlns:a16="http://schemas.microsoft.com/office/drawing/2014/main" id="{644C8DDC-DDE3-AED9-0BB5-1ADF3EB3EAC1}"/>
+            <p:cNvPr id="950" name="Ovale 14">
+              <a:extLst>
+                <a:ext uri="{FF2B5EF4-FFF2-40B4-BE49-F238E27FC236}">
+                  <a16:creationId xmlns:a16="http://schemas.microsoft.com/office/drawing/2014/main" id="{99606B1F-25B8-181F-BA80-F86623395C98}"/>
                 </a:ext>
               </a:extLst>
             </p:cNvPr>
@@ -13626,10 +14080,10 @@
         </p:sp>
         <p:sp>
           <p:nvSpPr>
-            <p:cNvPr id="773" name="Ovale 14">
-              <a:extLst>
-                <a:ext uri="{FF2B5EF4-FFF2-40B4-BE49-F238E27FC236}">
-                  <a16:creationId xmlns:a16="http://schemas.microsoft.com/office/drawing/2014/main" id="{2DC86392-9166-EA64-A264-0613EDB5E27D}"/>
+            <p:cNvPr id="951" name="Ovale 14">
+              <a:extLst>
+                <a:ext uri="{FF2B5EF4-FFF2-40B4-BE49-F238E27FC236}">
+                  <a16:creationId xmlns:a16="http://schemas.microsoft.com/office/drawing/2014/main" id="{6211D886-BC44-46E1-9845-8E07F9058019}"/>
                 </a:ext>
               </a:extLst>
             </p:cNvPr>
@@ -13682,10 +14136,10 @@
         </p:sp>
         <p:pic>
           <p:nvPicPr>
-            <p:cNvPr id="774" name="Picture 773">
-              <a:extLst>
-                <a:ext uri="{FF2B5EF4-FFF2-40B4-BE49-F238E27FC236}">
-                  <a16:creationId xmlns:a16="http://schemas.microsoft.com/office/drawing/2014/main" id="{3F7EF8FF-BC74-E1B1-CD74-9D8809297415}"/>
+            <p:cNvPr id="952" name="Picture 951">
+              <a:extLst>
+                <a:ext uri="{FF2B5EF4-FFF2-40B4-BE49-F238E27FC236}">
+                  <a16:creationId xmlns:a16="http://schemas.microsoft.com/office/drawing/2014/main" id="{66023214-220A-F8D6-0405-4CAFE41869A4}"/>
                 </a:ext>
               </a:extLst>
             </p:cNvPr>
@@ -13695,7 +14149,7 @@
             <p:nvPr/>
           </p:nvPicPr>
           <p:blipFill>
-            <a:blip r:embed="rId30">
+            <a:blip r:embed="rId28">
               <a:clrChange>
                 <a:clrFrom>
                   <a:srgbClr val="F0F0F0"/>
@@ -13727,10 +14181,10 @@
         </p:pic>
         <p:cxnSp>
           <p:nvCxnSpPr>
-            <p:cNvPr id="775" name="Straight Connector 774">
-              <a:extLst>
-                <a:ext uri="{FF2B5EF4-FFF2-40B4-BE49-F238E27FC236}">
-                  <a16:creationId xmlns:a16="http://schemas.microsoft.com/office/drawing/2014/main" id="{E6B6C728-0B8C-F240-FDEC-2914054BE9D1}"/>
+            <p:cNvPr id="953" name="Straight Connector 952">
+              <a:extLst>
+                <a:ext uri="{FF2B5EF4-FFF2-40B4-BE49-F238E27FC236}">
+                  <a16:creationId xmlns:a16="http://schemas.microsoft.com/office/drawing/2014/main" id="{34005379-8F7B-CBF1-1BC9-70969B3F36A4}"/>
                 </a:ext>
               </a:extLst>
             </p:cNvPr>
@@ -13770,10 +14224,10 @@
         </p:cxnSp>
         <p:sp>
           <p:nvSpPr>
-            <p:cNvPr id="776" name="Rectangle 775">
-              <a:extLst>
-                <a:ext uri="{FF2B5EF4-FFF2-40B4-BE49-F238E27FC236}">
-                  <a16:creationId xmlns:a16="http://schemas.microsoft.com/office/drawing/2014/main" id="{2FC6D730-C59D-F00C-BB1A-5C3CEC0CDB38}"/>
+            <p:cNvPr id="954" name="Rectangle 953">
+              <a:extLst>
+                <a:ext uri="{FF2B5EF4-FFF2-40B4-BE49-F238E27FC236}">
+                  <a16:creationId xmlns:a16="http://schemas.microsoft.com/office/drawing/2014/main" id="{EAEBF2E8-09A7-CCA4-7E02-5683D3F8E737}"/>
                 </a:ext>
               </a:extLst>
             </p:cNvPr>
@@ -13824,10 +14278,10 @@
         </p:sp>
         <p:cxnSp>
           <p:nvCxnSpPr>
-            <p:cNvPr id="777" name="Straight Connector 776">
-              <a:extLst>
-                <a:ext uri="{FF2B5EF4-FFF2-40B4-BE49-F238E27FC236}">
-                  <a16:creationId xmlns:a16="http://schemas.microsoft.com/office/drawing/2014/main" id="{E7DF10B6-536A-FF38-E851-868D11B14585}"/>
+            <p:cNvPr id="955" name="Straight Connector 954">
+              <a:extLst>
+                <a:ext uri="{FF2B5EF4-FFF2-40B4-BE49-F238E27FC236}">
+                  <a16:creationId xmlns:a16="http://schemas.microsoft.com/office/drawing/2014/main" id="{140C0A08-3923-F459-6C79-25FEBB86F9B7}"/>
                 </a:ext>
               </a:extLst>
             </p:cNvPr>
@@ -13867,10 +14321,10 @@
         </p:cxnSp>
         <p:cxnSp>
           <p:nvCxnSpPr>
-            <p:cNvPr id="778" name="Straight Connector 777">
-              <a:extLst>
-                <a:ext uri="{FF2B5EF4-FFF2-40B4-BE49-F238E27FC236}">
-                  <a16:creationId xmlns:a16="http://schemas.microsoft.com/office/drawing/2014/main" id="{5B7F8109-B127-E3BE-A6CB-EB42B096371B}"/>
+            <p:cNvPr id="956" name="Straight Connector 955">
+              <a:extLst>
+                <a:ext uri="{FF2B5EF4-FFF2-40B4-BE49-F238E27FC236}">
+                  <a16:creationId xmlns:a16="http://schemas.microsoft.com/office/drawing/2014/main" id="{3C5C7695-0132-FA50-55F7-F3F440BF970E}"/>
                 </a:ext>
               </a:extLst>
             </p:cNvPr>
@@ -13910,10 +14364,10 @@
         </p:cxnSp>
         <p:sp>
           <p:nvSpPr>
-            <p:cNvPr id="830" name="Rectangle 829">
-              <a:extLst>
-                <a:ext uri="{FF2B5EF4-FFF2-40B4-BE49-F238E27FC236}">
-                  <a16:creationId xmlns:a16="http://schemas.microsoft.com/office/drawing/2014/main" id="{C14D726A-EE6D-219B-03A1-696504FA16E8}"/>
+            <p:cNvPr id="957" name="Rectangle 956">
+              <a:extLst>
+                <a:ext uri="{FF2B5EF4-FFF2-40B4-BE49-F238E27FC236}">
+                  <a16:creationId xmlns:a16="http://schemas.microsoft.com/office/drawing/2014/main" id="{47A9EBC4-6DA4-31E2-FEC1-C968ACEDDFC2}"/>
                 </a:ext>
               </a:extLst>
             </p:cNvPr>
@@ -13967,10 +14421,10 @@
         </p:sp>
         <p:sp>
           <p:nvSpPr>
-            <p:cNvPr id="831" name="Rectangle 830">
-              <a:extLst>
-                <a:ext uri="{FF2B5EF4-FFF2-40B4-BE49-F238E27FC236}">
-                  <a16:creationId xmlns:a16="http://schemas.microsoft.com/office/drawing/2014/main" id="{E1A55C33-BB0C-737D-30EF-A977155E1647}"/>
+            <p:cNvPr id="958" name="Rectangle 957">
+              <a:extLst>
+                <a:ext uri="{FF2B5EF4-FFF2-40B4-BE49-F238E27FC236}">
+                  <a16:creationId xmlns:a16="http://schemas.microsoft.com/office/drawing/2014/main" id="{AEAB335E-86A6-BA15-29FD-9C44B7C3F066}"/>
                 </a:ext>
               </a:extLst>
             </p:cNvPr>
@@ -14024,10 +14478,10 @@
         </p:sp>
         <p:sp>
           <p:nvSpPr>
-            <p:cNvPr id="832" name="Rectangle 831">
-              <a:extLst>
-                <a:ext uri="{FF2B5EF4-FFF2-40B4-BE49-F238E27FC236}">
-                  <a16:creationId xmlns:a16="http://schemas.microsoft.com/office/drawing/2014/main" id="{37FDC4F0-E1B5-8D67-E731-19B2C620753F}"/>
+            <p:cNvPr id="959" name="Rectangle 958">
+              <a:extLst>
+                <a:ext uri="{FF2B5EF4-FFF2-40B4-BE49-F238E27FC236}">
+                  <a16:creationId xmlns:a16="http://schemas.microsoft.com/office/drawing/2014/main" id="{1DCA81FF-424D-E5B1-89A3-95580C443F35}"/>
                 </a:ext>
               </a:extLst>
             </p:cNvPr>
@@ -14081,10 +14535,10 @@
         </p:sp>
         <p:sp>
           <p:nvSpPr>
-            <p:cNvPr id="833" name="Rectangle 832">
-              <a:extLst>
-                <a:ext uri="{FF2B5EF4-FFF2-40B4-BE49-F238E27FC236}">
-                  <a16:creationId xmlns:a16="http://schemas.microsoft.com/office/drawing/2014/main" id="{EBB2C3BF-B1CA-A006-7BE4-A30678D35AC9}"/>
+            <p:cNvPr id="960" name="Rectangle 959">
+              <a:extLst>
+                <a:ext uri="{FF2B5EF4-FFF2-40B4-BE49-F238E27FC236}">
+                  <a16:creationId xmlns:a16="http://schemas.microsoft.com/office/drawing/2014/main" id="{72BBC146-580D-B853-0962-950BED8C11AF}"/>
                 </a:ext>
               </a:extLst>
             </p:cNvPr>
@@ -14138,10 +14592,10 @@
         </p:sp>
         <p:sp>
           <p:nvSpPr>
-            <p:cNvPr id="834" name="Rectangle 833">
-              <a:extLst>
-                <a:ext uri="{FF2B5EF4-FFF2-40B4-BE49-F238E27FC236}">
-                  <a16:creationId xmlns:a16="http://schemas.microsoft.com/office/drawing/2014/main" id="{45EBFC29-5FAB-4582-E01C-2FA412197D47}"/>
+            <p:cNvPr id="961" name="Rectangle 960">
+              <a:extLst>
+                <a:ext uri="{FF2B5EF4-FFF2-40B4-BE49-F238E27FC236}">
+                  <a16:creationId xmlns:a16="http://schemas.microsoft.com/office/drawing/2014/main" id="{C7189D02-10AA-800A-D28D-0179D62F240B}"/>
                 </a:ext>
               </a:extLst>
             </p:cNvPr>
@@ -14195,10 +14649,10 @@
         </p:sp>
         <p:sp>
           <p:nvSpPr>
-            <p:cNvPr id="835" name="Rectangle 834">
-              <a:extLst>
-                <a:ext uri="{FF2B5EF4-FFF2-40B4-BE49-F238E27FC236}">
-                  <a16:creationId xmlns:a16="http://schemas.microsoft.com/office/drawing/2014/main" id="{B2E450C5-E681-81C7-B416-1E139C275CA3}"/>
+            <p:cNvPr id="962" name="Rectangle 961">
+              <a:extLst>
+                <a:ext uri="{FF2B5EF4-FFF2-40B4-BE49-F238E27FC236}">
+                  <a16:creationId xmlns:a16="http://schemas.microsoft.com/office/drawing/2014/main" id="{4EFF774A-4B34-6CA6-224B-3E669C32FE3A}"/>
                 </a:ext>
               </a:extLst>
             </p:cNvPr>
@@ -14252,10 +14706,10 @@
         </p:sp>
         <p:sp>
           <p:nvSpPr>
-            <p:cNvPr id="836" name="Rectangle 835">
-              <a:extLst>
-                <a:ext uri="{FF2B5EF4-FFF2-40B4-BE49-F238E27FC236}">
-                  <a16:creationId xmlns:a16="http://schemas.microsoft.com/office/drawing/2014/main" id="{4B053C86-F3B5-103F-8A82-3C2C77C6B4D0}"/>
+            <p:cNvPr id="963" name="Rectangle 962">
+              <a:extLst>
+                <a:ext uri="{FF2B5EF4-FFF2-40B4-BE49-F238E27FC236}">
+                  <a16:creationId xmlns:a16="http://schemas.microsoft.com/office/drawing/2014/main" id="{2736B389-EAF8-3E34-C2D9-F201EEC3FA3A}"/>
                 </a:ext>
               </a:extLst>
             </p:cNvPr>
@@ -14309,10 +14763,10 @@
         </p:sp>
         <p:sp>
           <p:nvSpPr>
-            <p:cNvPr id="837" name="Rectangle 836">
-              <a:extLst>
-                <a:ext uri="{FF2B5EF4-FFF2-40B4-BE49-F238E27FC236}">
-                  <a16:creationId xmlns:a16="http://schemas.microsoft.com/office/drawing/2014/main" id="{88803656-7052-2905-6B8F-7CA17B9E37D1}"/>
+            <p:cNvPr id="964" name="Rectangle 963">
+              <a:extLst>
+                <a:ext uri="{FF2B5EF4-FFF2-40B4-BE49-F238E27FC236}">
+                  <a16:creationId xmlns:a16="http://schemas.microsoft.com/office/drawing/2014/main" id="{528E6742-29A2-E5DC-98AA-214143E0AA36}"/>
                 </a:ext>
               </a:extLst>
             </p:cNvPr>
@@ -14366,10 +14820,10 @@
         </p:sp>
         <p:sp>
           <p:nvSpPr>
-            <p:cNvPr id="838" name="Rectangle 837">
-              <a:extLst>
-                <a:ext uri="{FF2B5EF4-FFF2-40B4-BE49-F238E27FC236}">
-                  <a16:creationId xmlns:a16="http://schemas.microsoft.com/office/drawing/2014/main" id="{FE211B39-B81D-77E9-5ED6-73498DFC9CA4}"/>
+            <p:cNvPr id="965" name="Rectangle 964">
+              <a:extLst>
+                <a:ext uri="{FF2B5EF4-FFF2-40B4-BE49-F238E27FC236}">
+                  <a16:creationId xmlns:a16="http://schemas.microsoft.com/office/drawing/2014/main" id="{44312BAD-0B1B-75A6-3675-3B6D13D2CEEC}"/>
                 </a:ext>
               </a:extLst>
             </p:cNvPr>
@@ -14423,10 +14877,10 @@
         </p:sp>
         <p:sp>
           <p:nvSpPr>
-            <p:cNvPr id="839" name="Rectangle 838">
-              <a:extLst>
-                <a:ext uri="{FF2B5EF4-FFF2-40B4-BE49-F238E27FC236}">
-                  <a16:creationId xmlns:a16="http://schemas.microsoft.com/office/drawing/2014/main" id="{20F27438-3CF1-9E16-6A24-36B600AA59B5}"/>
+            <p:cNvPr id="966" name="Rectangle 965">
+              <a:extLst>
+                <a:ext uri="{FF2B5EF4-FFF2-40B4-BE49-F238E27FC236}">
+                  <a16:creationId xmlns:a16="http://schemas.microsoft.com/office/drawing/2014/main" id="{307F8FA7-C4BA-60FD-D96D-B2D3C3701456}"/>
                 </a:ext>
               </a:extLst>
             </p:cNvPr>
@@ -14480,10 +14934,10 @@
         </p:sp>
         <p:sp>
           <p:nvSpPr>
-            <p:cNvPr id="840" name="Rectangle 839">
-              <a:extLst>
-                <a:ext uri="{FF2B5EF4-FFF2-40B4-BE49-F238E27FC236}">
-                  <a16:creationId xmlns:a16="http://schemas.microsoft.com/office/drawing/2014/main" id="{69E5421E-7F20-68C8-3C3B-5684A8FA8020}"/>
+            <p:cNvPr id="967" name="Rectangle 966">
+              <a:extLst>
+                <a:ext uri="{FF2B5EF4-FFF2-40B4-BE49-F238E27FC236}">
+                  <a16:creationId xmlns:a16="http://schemas.microsoft.com/office/drawing/2014/main" id="{42E34664-FD20-1599-2F03-BE9DC7387541}"/>
                 </a:ext>
               </a:extLst>
             </p:cNvPr>
@@ -14537,10 +14991,10 @@
         </p:sp>
         <p:sp>
           <p:nvSpPr>
-            <p:cNvPr id="841" name="Rectangle 840">
-              <a:extLst>
-                <a:ext uri="{FF2B5EF4-FFF2-40B4-BE49-F238E27FC236}">
-                  <a16:creationId xmlns:a16="http://schemas.microsoft.com/office/drawing/2014/main" id="{2A11E42A-6AC3-E95A-184A-18121E822BF8}"/>
+            <p:cNvPr id="968" name="Rectangle 967">
+              <a:extLst>
+                <a:ext uri="{FF2B5EF4-FFF2-40B4-BE49-F238E27FC236}">
+                  <a16:creationId xmlns:a16="http://schemas.microsoft.com/office/drawing/2014/main" id="{12B22E13-D872-67B6-6F2D-48D71D5003C1}"/>
                 </a:ext>
               </a:extLst>
             </p:cNvPr>
@@ -14594,10 +15048,10 @@
         </p:sp>
         <p:sp>
           <p:nvSpPr>
-            <p:cNvPr id="842" name="Rectangle 841">
-              <a:extLst>
-                <a:ext uri="{FF2B5EF4-FFF2-40B4-BE49-F238E27FC236}">
-                  <a16:creationId xmlns:a16="http://schemas.microsoft.com/office/drawing/2014/main" id="{A1D33595-7FEF-53A2-512A-61146AC250C5}"/>
+            <p:cNvPr id="969" name="Rectangle 968">
+              <a:extLst>
+                <a:ext uri="{FF2B5EF4-FFF2-40B4-BE49-F238E27FC236}">
+                  <a16:creationId xmlns:a16="http://schemas.microsoft.com/office/drawing/2014/main" id="{BF524876-6C93-4017-1E9B-713B017F23B8}"/>
                 </a:ext>
               </a:extLst>
             </p:cNvPr>
@@ -14651,10 +15105,10 @@
         </p:sp>
         <p:sp>
           <p:nvSpPr>
-            <p:cNvPr id="843" name="Rectangle 842">
-              <a:extLst>
-                <a:ext uri="{FF2B5EF4-FFF2-40B4-BE49-F238E27FC236}">
-                  <a16:creationId xmlns:a16="http://schemas.microsoft.com/office/drawing/2014/main" id="{3BBE43AC-440B-6B8D-0411-E79039DF74C0}"/>
+            <p:cNvPr id="970" name="Rectangle 969">
+              <a:extLst>
+                <a:ext uri="{FF2B5EF4-FFF2-40B4-BE49-F238E27FC236}">
+                  <a16:creationId xmlns:a16="http://schemas.microsoft.com/office/drawing/2014/main" id="{1C9D559F-0FBB-084A-275F-6D83698A3A74}"/>
                 </a:ext>
               </a:extLst>
             </p:cNvPr>
@@ -14710,7 +15164,7 @@
     </p:spTree>
     <p:extLst>
       <p:ext uri="{BB962C8B-B14F-4D97-AF65-F5344CB8AC3E}">
-        <p14:creationId xmlns:p14="http://schemas.microsoft.com/office/powerpoint/2010/main" val="118045167"/>
+        <p14:creationId xmlns:p14="http://schemas.microsoft.com/office/powerpoint/2010/main" val="1098761090"/>
       </p:ext>
     </p:extLst>
   </p:cSld>
